--- a/WORD/luanvan_nhanhnt_ver1.pptx
+++ b/WORD/luanvan_nhanhnt_ver1.pptx
@@ -7,7 +7,7 @@
     <p:sldMasterId id="2147483652" r:id="rId3"/>
   </p:sldMasterIdLst>
   <p:notesMasterIdLst>
-    <p:notesMasterId r:id="rId18"/>
+    <p:notesMasterId r:id="rId33"/>
   </p:notesMasterIdLst>
   <p:sldIdLst>
     <p:sldId id="256" r:id="rId4"/>
@@ -22,8 +22,23 @@
     <p:sldId id="268" r:id="rId13"/>
     <p:sldId id="265" r:id="rId14"/>
     <p:sldId id="269" r:id="rId15"/>
-    <p:sldId id="266" r:id="rId16"/>
-    <p:sldId id="267" r:id="rId17"/>
+    <p:sldId id="270" r:id="rId16"/>
+    <p:sldId id="266" r:id="rId17"/>
+    <p:sldId id="272" r:id="rId18"/>
+    <p:sldId id="267" r:id="rId19"/>
+    <p:sldId id="274" r:id="rId20"/>
+    <p:sldId id="273" r:id="rId21"/>
+    <p:sldId id="275" r:id="rId22"/>
+    <p:sldId id="276" r:id="rId23"/>
+    <p:sldId id="277" r:id="rId24"/>
+    <p:sldId id="278" r:id="rId25"/>
+    <p:sldId id="279" r:id="rId26"/>
+    <p:sldId id="280" r:id="rId27"/>
+    <p:sldId id="281" r:id="rId28"/>
+    <p:sldId id="282" r:id="rId29"/>
+    <p:sldId id="283" r:id="rId30"/>
+    <p:sldId id="284" r:id="rId31"/>
+    <p:sldId id="286" r:id="rId32"/>
   </p:sldIdLst>
   <p:sldSz cx="12188825" cy="6858000"/>
   <p:notesSz cx="6858000" cy="9144000"/>
@@ -207,7 +222,7 @@
           <a:p>
             <a:fld id="{CA3BC56F-4620-49B9-A5A5-EC9358827620}" type="datetimeFigureOut">
               <a:rPr lang="en-US" smtClean="0"/>
-              <a:t>26/11/2015</a:t>
+              <a:t>4/1/2016</a:t>
             </a:fld>
             <a:endParaRPr lang="en-US"/>
           </a:p>
@@ -5917,15 +5932,35 @@
             <p:ph sz="quarter" idx="14"/>
           </p:nvPr>
         </p:nvSpPr>
-        <p:spPr/>
-        <p:txBody>
-          <a:bodyPr/>
-          <a:lstStyle/>
-          <a:p>
+        <p:spPr>
+          <a:xfrm>
+            <a:off x="779926" y="914400"/>
+            <a:ext cx="10496086" cy="5791200"/>
+          </a:xfrm>
+        </p:spPr>
+        <p:txBody>
+          <a:bodyPr numCol="1">
+            <a:normAutofit/>
+          </a:bodyPr>
+          <a:lstStyle/>
+          <a:p>
+            <a:pPr lvl="2"/>
+            <a:r>
+              <a:rPr lang="en-US" dirty="0" smtClean="0"/>
+              <a:t>Thành </a:t>
+            </a:r>
             <a:r>
               <a:rPr lang="en-US" dirty="0"/>
-              <a:t>UDDI – Universal Description, Discovery, and Integration</a:t>
-            </a:r>
+              <a:t>phần &lt; wsdl:porttype&gt;, ta thường gặp 4 kiểu thao tác được WSDL định nghĩa dưới đây</a:t>
+            </a:r>
+            <a:endParaRPr lang="en-US" dirty="0"/>
+          </a:p>
+          <a:p>
+            <a:pPr marL="342900" indent="-342900">
+              <a:buFont typeface="Arial" pitchFamily="34" charset="0"/>
+              <a:buChar char="•"/>
+            </a:pPr>
+            <a:endParaRPr lang="en-US" dirty="0"/>
           </a:p>
         </p:txBody>
       </p:sp>
@@ -5953,10 +5988,40 @@
           </a:p>
         </p:txBody>
       </p:sp>
+      <p:pic>
+        <p:nvPicPr>
+          <p:cNvPr id="6" name="Picture 5"/>
+          <p:cNvPicPr/>
+          <p:nvPr/>
+        </p:nvPicPr>
+        <p:blipFill>
+          <a:blip r:embed="rId2" cstate="print"/>
+          <a:srcRect r="14215"/>
+          <a:stretch>
+            <a:fillRect/>
+          </a:stretch>
+        </p:blipFill>
+        <p:spPr bwMode="auto">
+          <a:xfrm>
+            <a:off x="3579812" y="1676400"/>
+            <a:ext cx="5334000" cy="4648200"/>
+          </a:xfrm>
+          <a:prstGeom prst="rect">
+            <a:avLst/>
+          </a:prstGeom>
+          <a:noFill/>
+          <a:ln w="9525">
+            <a:noFill/>
+            <a:miter lim="800000"/>
+            <a:headEnd/>
+            <a:tailEnd/>
+          </a:ln>
+        </p:spPr>
+      </p:pic>
     </p:spTree>
     <p:extLst>
       <p:ext uri="{BB962C8B-B14F-4D97-AF65-F5344CB8AC3E}">
-        <p14:creationId xmlns:p14="http://schemas.microsoft.com/office/powerpoint/2010/main" val="2074126727"/>
+        <p14:creationId xmlns:p14="http://schemas.microsoft.com/office/powerpoint/2010/main" val="3255465655"/>
       </p:ext>
     </p:extLst>
   </p:cSld>
@@ -6024,15 +6089,104 @@
             <p:ph sz="quarter" idx="14"/>
           </p:nvPr>
         </p:nvSpPr>
-        <p:spPr/>
-        <p:txBody>
-          <a:bodyPr/>
-          <a:lstStyle/>
-          <a:p>
-            <a:r>
-              <a:rPr lang="vi-VN" dirty="0"/>
-              <a:t>SOAP – Simple Object Access Protocol</a:t>
-            </a:r>
+        <p:spPr>
+          <a:xfrm>
+            <a:off x="779926" y="990600"/>
+            <a:ext cx="10496086" cy="5867400"/>
+          </a:xfrm>
+        </p:spPr>
+        <p:txBody>
+          <a:bodyPr>
+            <a:normAutofit fontScale="92500"/>
+          </a:bodyPr>
+          <a:lstStyle/>
+          <a:p>
+            <a:pPr algn="ctr"/>
+            <a:r>
+              <a:rPr lang="en-US" dirty="0"/>
+              <a:t>UDDI – Universal Description, Discovery, and </a:t>
+            </a:r>
+            <a:r>
+              <a:rPr lang="en-US" dirty="0" smtClean="0"/>
+              <a:t>Integration</a:t>
+            </a:r>
+          </a:p>
+          <a:p>
+            <a:pPr lvl="2"/>
+            <a:r>
+              <a:rPr lang="en-US" dirty="0" smtClean="0"/>
+              <a:t>UDDI là nơi mà các tổ chức đăng ký và tìm kiếm Web Service</a:t>
+            </a:r>
+          </a:p>
+          <a:p>
+            <a:pPr lvl="2">
+              <a:lnSpc>
+                <a:spcPct val="100000"/>
+              </a:lnSpc>
+            </a:pPr>
+            <a:r>
+              <a:rPr lang="en-US" dirty="0" smtClean="0"/>
+              <a:t>UDDI cung cấp một tập hàm API dưới dạng SOAP Web Service, chia làm hai phần:</a:t>
+            </a:r>
+          </a:p>
+          <a:p>
+            <a:pPr marL="746125" lvl="2" indent="396875">
+              <a:lnSpc>
+                <a:spcPct val="100000"/>
+              </a:lnSpc>
+              <a:buFont typeface="Arial" pitchFamily="34" charset="0"/>
+              <a:buChar char="•"/>
+            </a:pPr>
+            <a:r>
+              <a:rPr lang="en-US" dirty="0" smtClean="0"/>
+              <a:t>Inquiry API dùng truy vấn</a:t>
+            </a:r>
+          </a:p>
+          <a:p>
+            <a:pPr marL="746125" lvl="2" indent="396875">
+              <a:lnSpc>
+                <a:spcPct val="100000"/>
+              </a:lnSpc>
+              <a:buFont typeface="Arial" pitchFamily="34" charset="0"/>
+              <a:buChar char="•"/>
+            </a:pPr>
+            <a:r>
+              <a:rPr lang="en-US" dirty="0" smtClean="0"/>
+              <a:t>Publisher’s API dùng đăng ký</a:t>
+            </a:r>
+          </a:p>
+          <a:p>
+            <a:pPr lvl="2"/>
+            <a:r>
+              <a:rPr lang="en-US" dirty="0" smtClean="0"/>
+              <a:t>Thành phần của UDDI </a:t>
+            </a:r>
+            <a:r>
+              <a:rPr lang="en-US" dirty="0"/>
+              <a:t>gồm hai phần chính:</a:t>
+            </a:r>
+          </a:p>
+          <a:p>
+            <a:pPr marL="746125" lvl="2" indent="396875">
+              <a:buFont typeface="Arial" pitchFamily="34" charset="0"/>
+              <a:buChar char="•"/>
+            </a:pPr>
+            <a:r>
+              <a:rPr lang="en-US" dirty="0"/>
+              <a:t>Phần đăng ký của tất cả các Web Service’s metadata, bao gồm cả việc trỏ đến tài liệu WSDL mô tả dịch vụ </a:t>
+            </a:r>
+          </a:p>
+          <a:p>
+            <a:pPr marL="746125" lvl="2" indent="396875">
+              <a:buFont typeface="Arial" pitchFamily="34" charset="0"/>
+              <a:buChar char="•"/>
+            </a:pPr>
+            <a:r>
+              <a:rPr lang="en-US" dirty="0"/>
+              <a:t>Phần thiết lập WSDL Port type định nghĩa cho các thao tác và tìm kiếm thông tin đăng ký. </a:t>
+            </a:r>
+          </a:p>
+          <a:p>
             <a:endParaRPr lang="en-US" dirty="0"/>
           </a:p>
         </p:txBody>
@@ -6061,10 +6215,883 @@
           </a:p>
         </p:txBody>
       </p:sp>
+    </p:spTree>
+    <p:extLst>
+      <p:ext uri="{BB962C8B-B14F-4D97-AF65-F5344CB8AC3E}">
+        <p14:creationId xmlns:p14="http://schemas.microsoft.com/office/powerpoint/2010/main" val="2074126727"/>
+      </p:ext>
+    </p:extLst>
+  </p:cSld>
+  <p:clrMapOvr>
+    <a:masterClrMapping/>
+  </p:clrMapOvr>
+  <p:timing>
+    <p:tnLst>
+      <p:par>
+        <p:cTn id="1" dur="indefinite" restart="never" nodeType="tmRoot"/>
+      </p:par>
+    </p:tnLst>
+  </p:timing>
+</p:sld>
+</file>
+
+<file path=ppt/slides/slide15.xml><?xml version="1.0" encoding="utf-8"?>
+<p:sld xmlns:a="http://schemas.openxmlformats.org/drawingml/2006/main" xmlns:r="http://schemas.openxmlformats.org/officeDocument/2006/relationships" xmlns:p="http://schemas.openxmlformats.org/presentationml/2006/main">
+  <p:cSld>
+    <p:spTree>
+      <p:nvGrpSpPr>
+        <p:cNvPr id="1" name=""/>
+        <p:cNvGrpSpPr/>
+        <p:nvPr/>
+      </p:nvGrpSpPr>
+      <p:grpSpPr>
+        <a:xfrm>
+          <a:off x="0" y="0"/>
+          <a:ext cx="0" cy="0"/>
+          <a:chOff x="0" y="0"/>
+          <a:chExt cx="0" cy="0"/>
+        </a:xfrm>
+      </p:grpSpPr>
+      <p:sp>
+        <p:nvSpPr>
+          <p:cNvPr id="2" name="Slide Number Placeholder 1"/>
+          <p:cNvSpPr>
+            <a:spLocks noGrp="1"/>
+          </p:cNvSpPr>
+          <p:nvPr>
+            <p:ph type="sldNum" sz="quarter" idx="12"/>
+          </p:nvPr>
+        </p:nvSpPr>
+        <p:spPr/>
+        <p:txBody>
+          <a:bodyPr/>
+          <a:lstStyle/>
+          <a:p>
+            <a:fld id="{9DFD9A34-EC64-4F0B-9C9B-2C0A202A050B}" type="slidenum">
+              <a:rPr lang="en-US" smtClean="0"/>
+              <a:pPr/>
+              <a:t>15</a:t>
+            </a:fld>
+            <a:endParaRPr lang="en-US" dirty="0"/>
+          </a:p>
+        </p:txBody>
+      </p:sp>
+      <p:pic>
+        <p:nvPicPr>
+          <p:cNvPr id="5" name="Picture 4" descr="http://code5s.com/wp-content/uploads/2013/09/uddi.jpg"/>
+          <p:cNvPicPr/>
+          <p:nvPr/>
+        </p:nvPicPr>
+        <p:blipFill>
+          <a:blip r:embed="rId2">
+            <a:extLst>
+              <a:ext uri="{28A0092B-C50C-407E-A947-70E740481C1C}">
+                <a14:useLocalDpi xmlns:a14="http://schemas.microsoft.com/office/drawing/2010/main" val="0"/>
+              </a:ext>
+            </a:extLst>
+          </a:blip>
+          <a:srcRect/>
+          <a:stretch>
+            <a:fillRect/>
+          </a:stretch>
+        </p:blipFill>
+        <p:spPr bwMode="auto">
+          <a:xfrm>
+            <a:off x="3122612" y="1600200"/>
+            <a:ext cx="6477000" cy="4876800"/>
+          </a:xfrm>
+          <a:prstGeom prst="rect">
+            <a:avLst/>
+          </a:prstGeom>
+          <a:noFill/>
+          <a:ln>
+            <a:noFill/>
+          </a:ln>
+        </p:spPr>
+      </p:pic>
+      <p:sp>
+        <p:nvSpPr>
+          <p:cNvPr id="3" name="Content Placeholder 2"/>
+          <p:cNvSpPr>
+            <a:spLocks noGrp="1"/>
+          </p:cNvSpPr>
+          <p:nvPr>
+            <p:ph sz="quarter" idx="14"/>
+          </p:nvPr>
+        </p:nvSpPr>
+        <p:spPr/>
+        <p:txBody>
+          <a:bodyPr>
+            <a:normAutofit/>
+          </a:bodyPr>
+          <a:lstStyle/>
+          <a:p>
+            <a:pPr lvl="2"/>
+            <a:r>
+              <a:rPr lang="en-US" dirty="0" smtClean="0"/>
+              <a:t>Mô hình dữ liệu của UDDI</a:t>
+            </a:r>
+            <a:endParaRPr lang="en-US" dirty="0"/>
+          </a:p>
+          <a:p>
+            <a:endParaRPr lang="en-US" dirty="0"/>
+          </a:p>
+        </p:txBody>
+      </p:sp>
+      <p:sp>
+        <p:nvSpPr>
+          <p:cNvPr id="4" name="Title 3"/>
+          <p:cNvSpPr>
+            <a:spLocks noGrp="1"/>
+          </p:cNvSpPr>
+          <p:nvPr>
+            <p:ph type="title"/>
+          </p:nvPr>
+        </p:nvSpPr>
+        <p:spPr/>
+        <p:txBody>
+          <a:bodyPr>
+            <a:normAutofit fontScale="90000"/>
+          </a:bodyPr>
+          <a:lstStyle/>
+          <a:p>
+            <a:r>
+              <a:rPr lang="en-US" dirty="0"/>
+              <a:t>1.1.3 Các thành phần của Web Service</a:t>
+            </a:r>
+          </a:p>
+        </p:txBody>
+      </p:sp>
+    </p:spTree>
+    <p:extLst>
+      <p:ext uri="{BB962C8B-B14F-4D97-AF65-F5344CB8AC3E}">
+        <p14:creationId xmlns:p14="http://schemas.microsoft.com/office/powerpoint/2010/main" val="3828671131"/>
+      </p:ext>
+    </p:extLst>
+  </p:cSld>
+  <p:clrMapOvr>
+    <a:masterClrMapping/>
+  </p:clrMapOvr>
+  <p:timing>
+    <p:tnLst>
+      <p:par>
+        <p:cTn id="1" dur="indefinite" restart="never" nodeType="tmRoot"/>
+      </p:par>
+    </p:tnLst>
+  </p:timing>
+</p:sld>
+</file>
+
+<file path=ppt/slides/slide16.xml><?xml version="1.0" encoding="utf-8"?>
+<p:sld xmlns:a="http://schemas.openxmlformats.org/drawingml/2006/main" xmlns:r="http://schemas.openxmlformats.org/officeDocument/2006/relationships" xmlns:p="http://schemas.openxmlformats.org/presentationml/2006/main">
+  <p:cSld>
+    <p:spTree>
+      <p:nvGrpSpPr>
+        <p:cNvPr id="1" name=""/>
+        <p:cNvGrpSpPr/>
+        <p:nvPr/>
+      </p:nvGrpSpPr>
+      <p:grpSpPr>
+        <a:xfrm>
+          <a:off x="0" y="0"/>
+          <a:ext cx="0" cy="0"/>
+          <a:chOff x="0" y="0"/>
+          <a:chExt cx="0" cy="0"/>
+        </a:xfrm>
+      </p:grpSpPr>
+      <p:sp>
+        <p:nvSpPr>
+          <p:cNvPr id="2" name="Slide Number Placeholder 1"/>
+          <p:cNvSpPr>
+            <a:spLocks noGrp="1"/>
+          </p:cNvSpPr>
+          <p:nvPr>
+            <p:ph type="sldNum" sz="quarter" idx="12"/>
+          </p:nvPr>
+        </p:nvSpPr>
+        <p:spPr/>
+        <p:txBody>
+          <a:bodyPr/>
+          <a:lstStyle/>
+          <a:p>
+            <a:fld id="{9DFD9A34-EC64-4F0B-9C9B-2C0A202A050B}" type="slidenum">
+              <a:rPr lang="en-US" smtClean="0"/>
+              <a:pPr/>
+              <a:t>16</a:t>
+            </a:fld>
+            <a:endParaRPr lang="en-US" dirty="0"/>
+          </a:p>
+        </p:txBody>
+      </p:sp>
+      <p:sp>
+        <p:nvSpPr>
+          <p:cNvPr id="3" name="Content Placeholder 2"/>
+          <p:cNvSpPr>
+            <a:spLocks noGrp="1"/>
+          </p:cNvSpPr>
+          <p:nvPr>
+            <p:ph sz="quarter" idx="14"/>
+          </p:nvPr>
+        </p:nvSpPr>
+        <p:spPr>
+          <a:xfrm>
+            <a:off x="779926" y="762000"/>
+            <a:ext cx="10496086" cy="6400800"/>
+          </a:xfrm>
+        </p:spPr>
+        <p:txBody>
+          <a:bodyPr>
+            <a:normAutofit/>
+          </a:bodyPr>
+          <a:lstStyle/>
+          <a:p>
+            <a:pPr algn="ctr"/>
+            <a:r>
+              <a:rPr lang="vi-VN" dirty="0"/>
+              <a:t>SOAP – Simple Object Access </a:t>
+            </a:r>
+            <a:r>
+              <a:rPr lang="vi-VN" dirty="0" smtClean="0"/>
+              <a:t>Protocol</a:t>
+            </a:r>
+            <a:endParaRPr lang="en-US" dirty="0"/>
+          </a:p>
+          <a:p>
+            <a:pPr lvl="2"/>
+            <a:r>
+              <a:rPr lang="en-US" dirty="0"/>
+              <a:t>SOAP là một giao thức </a:t>
+            </a:r>
+            <a:r>
+              <a:rPr lang="en-US" dirty="0" smtClean="0"/>
+              <a:t>được web service sử dụng để truyền dữ liệu qua internet. SOAP = XML + một giao thức có thể hoạt động trên Internet (HTTP, FTP, SMTP)</a:t>
+            </a:r>
+          </a:p>
+          <a:p>
+            <a:pPr lvl="2"/>
+            <a:endParaRPr lang="en-US" sz="2600" dirty="0"/>
+          </a:p>
+          <a:p>
+            <a:pPr lvl="2"/>
+            <a:endParaRPr lang="en-US" dirty="0" smtClean="0"/>
+          </a:p>
+          <a:p>
+            <a:pPr lvl="2"/>
+            <a:endParaRPr lang="en-US" dirty="0" smtClean="0"/>
+          </a:p>
+        </p:txBody>
+      </p:sp>
+      <p:sp>
+        <p:nvSpPr>
+          <p:cNvPr id="4" name="Title 3"/>
+          <p:cNvSpPr>
+            <a:spLocks noGrp="1"/>
+          </p:cNvSpPr>
+          <p:nvPr>
+            <p:ph type="title"/>
+          </p:nvPr>
+        </p:nvSpPr>
+        <p:spPr/>
+        <p:txBody>
+          <a:bodyPr>
+            <a:normAutofit fontScale="90000"/>
+          </a:bodyPr>
+          <a:lstStyle/>
+          <a:p>
+            <a:r>
+              <a:rPr lang="en-US" dirty="0"/>
+              <a:t>1.1.3 Các thành phần của Web Service</a:t>
+            </a:r>
+          </a:p>
+        </p:txBody>
+      </p:sp>
+      <p:pic>
+        <p:nvPicPr>
+          <p:cNvPr id="5" name="Picture 9" descr="Fig3-1"/>
+          <p:cNvPicPr>
+            <a:picLocks noChangeAspect="1" noChangeArrowheads="1"/>
+          </p:cNvPicPr>
+          <p:nvPr/>
+        </p:nvPicPr>
+        <p:blipFill>
+          <a:blip r:embed="rId2">
+            <a:extLst>
+              <a:ext uri="{28A0092B-C50C-407E-A947-70E740481C1C}">
+                <a14:useLocalDpi xmlns:a14="http://schemas.microsoft.com/office/drawing/2010/main" val="0"/>
+              </a:ext>
+            </a:extLst>
+          </a:blip>
+          <a:srcRect/>
+          <a:stretch>
+            <a:fillRect/>
+          </a:stretch>
+        </p:blipFill>
+        <p:spPr bwMode="auto">
+          <a:xfrm>
+            <a:off x="3046412" y="2997199"/>
+            <a:ext cx="6108699" cy="3124351"/>
+          </a:xfrm>
+          <a:prstGeom prst="rect">
+            <a:avLst/>
+          </a:prstGeom>
+          <a:noFill/>
+          <a:ln>
+            <a:noFill/>
+          </a:ln>
+          <a:extLst>
+            <a:ext uri="{909E8E84-426E-40DD-AFC4-6F175D3DCCD1}">
+              <a14:hiddenFill xmlns:a14="http://schemas.microsoft.com/office/drawing/2010/main">
+                <a:solidFill>
+                  <a:srgbClr val="FFFFFF"/>
+                </a:solidFill>
+              </a14:hiddenFill>
+            </a:ext>
+            <a:ext uri="{91240B29-F687-4F45-9708-019B960494DF}">
+              <a14:hiddenLine xmlns:a14="http://schemas.microsoft.com/office/drawing/2010/main" w="9525">
+                <a:solidFill>
+                  <a:srgbClr val="000000"/>
+                </a:solidFill>
+                <a:miter lim="800000"/>
+                <a:headEnd/>
+                <a:tailEnd/>
+              </a14:hiddenLine>
+            </a:ext>
+          </a:extLst>
+        </p:spPr>
+      </p:pic>
     </p:spTree>
     <p:extLst>
       <p:ext uri="{BB962C8B-B14F-4D97-AF65-F5344CB8AC3E}">
         <p14:creationId xmlns:p14="http://schemas.microsoft.com/office/powerpoint/2010/main" val="2787697002"/>
+      </p:ext>
+    </p:extLst>
+  </p:cSld>
+  <p:clrMapOvr>
+    <a:masterClrMapping/>
+  </p:clrMapOvr>
+  <p:timing>
+    <p:tnLst>
+      <p:par>
+        <p:cTn id="1" dur="indefinite" restart="never" nodeType="tmRoot"/>
+      </p:par>
+    </p:tnLst>
+  </p:timing>
+</p:sld>
+</file>
+
+<file path=ppt/slides/slide17.xml><?xml version="1.0" encoding="utf-8"?>
+<p:sld xmlns:a="http://schemas.openxmlformats.org/drawingml/2006/main" xmlns:r="http://schemas.openxmlformats.org/officeDocument/2006/relationships" xmlns:p="http://schemas.openxmlformats.org/presentationml/2006/main">
+  <p:cSld>
+    <p:spTree>
+      <p:nvGrpSpPr>
+        <p:cNvPr id="1" name=""/>
+        <p:cNvGrpSpPr/>
+        <p:nvPr/>
+      </p:nvGrpSpPr>
+      <p:grpSpPr>
+        <a:xfrm>
+          <a:off x="0" y="0"/>
+          <a:ext cx="0" cy="0"/>
+          <a:chOff x="0" y="0"/>
+          <a:chExt cx="0" cy="0"/>
+        </a:xfrm>
+      </p:grpSpPr>
+      <p:sp>
+        <p:nvSpPr>
+          <p:cNvPr id="2" name="Slide Number Placeholder 1"/>
+          <p:cNvSpPr>
+            <a:spLocks noGrp="1"/>
+          </p:cNvSpPr>
+          <p:nvPr>
+            <p:ph type="sldNum" sz="quarter" idx="12"/>
+          </p:nvPr>
+        </p:nvSpPr>
+        <p:spPr/>
+        <p:txBody>
+          <a:bodyPr/>
+          <a:lstStyle/>
+          <a:p>
+            <a:fld id="{9DFD9A34-EC64-4F0B-9C9B-2C0A202A050B}" type="slidenum">
+              <a:rPr lang="en-US" smtClean="0"/>
+              <a:pPr/>
+              <a:t>17</a:t>
+            </a:fld>
+            <a:endParaRPr lang="en-US" dirty="0"/>
+          </a:p>
+        </p:txBody>
+      </p:sp>
+      <p:sp>
+        <p:nvSpPr>
+          <p:cNvPr id="3" name="Content Placeholder 2"/>
+          <p:cNvSpPr>
+            <a:spLocks noGrp="1"/>
+          </p:cNvSpPr>
+          <p:nvPr>
+            <p:ph sz="quarter" idx="14"/>
+          </p:nvPr>
+        </p:nvSpPr>
+        <p:spPr>
+          <a:xfrm>
+            <a:off x="779926" y="762000"/>
+            <a:ext cx="10496086" cy="6400800"/>
+          </a:xfrm>
+        </p:spPr>
+        <p:txBody>
+          <a:bodyPr>
+            <a:normAutofit/>
+          </a:bodyPr>
+          <a:lstStyle/>
+          <a:p>
+            <a:pPr algn="ctr"/>
+            <a:r>
+              <a:rPr lang="vi-VN" dirty="0"/>
+              <a:t>SOAP – Simple Object Access </a:t>
+            </a:r>
+            <a:r>
+              <a:rPr lang="vi-VN" dirty="0" smtClean="0"/>
+              <a:t>Protocol</a:t>
+            </a:r>
+            <a:endParaRPr lang="en-US" dirty="0"/>
+          </a:p>
+          <a:p>
+            <a:pPr lvl="2"/>
+            <a:r>
+              <a:rPr lang="en-US" dirty="0" smtClean="0"/>
+              <a:t>SOAP </a:t>
+            </a:r>
+            <a:r>
+              <a:rPr lang="en-US" dirty="0"/>
+              <a:t>có những đặc trư­ng sau:</a:t>
+            </a:r>
+          </a:p>
+          <a:p>
+            <a:pPr marL="746125" lvl="2" indent="396875">
+              <a:lnSpc>
+                <a:spcPct val="110000"/>
+              </a:lnSpc>
+              <a:buFont typeface="Arial" pitchFamily="34" charset="0"/>
+              <a:buChar char="•"/>
+            </a:pPr>
+            <a:r>
+              <a:rPr lang="en-US" dirty="0"/>
+              <a:t>SOAP đư­ợc thiết kế đơn giản và dễ mở rộng</a:t>
+            </a:r>
+          </a:p>
+          <a:p>
+            <a:pPr marL="746125" lvl="2" indent="396875">
+              <a:lnSpc>
+                <a:spcPct val="110000"/>
+              </a:lnSpc>
+              <a:buFont typeface="Arial" pitchFamily="34" charset="0"/>
+              <a:buChar char="•"/>
+            </a:pPr>
+            <a:r>
+              <a:rPr lang="en-US" dirty="0"/>
+              <a:t>Tất cả các message SOAP đều đư­ợc mã hóa sử dụng XML</a:t>
+            </a:r>
+          </a:p>
+          <a:p>
+            <a:pPr marL="746125" lvl="2" indent="396875">
+              <a:lnSpc>
+                <a:spcPct val="110000"/>
+              </a:lnSpc>
+              <a:buFont typeface="Arial" pitchFamily="34" charset="0"/>
+              <a:buChar char="•"/>
+            </a:pPr>
+            <a:r>
+              <a:rPr lang="en-US" dirty="0"/>
+              <a:t>SOAP sử dùng giao thức truyền dữ liệu riêng</a:t>
+            </a:r>
+          </a:p>
+          <a:p>
+            <a:pPr marL="746125" lvl="2" indent="396875">
+              <a:lnSpc>
+                <a:spcPct val="110000"/>
+              </a:lnSpc>
+              <a:buFont typeface="Arial" pitchFamily="34" charset="0"/>
+              <a:buChar char="•"/>
+            </a:pPr>
+            <a:r>
+              <a:rPr lang="en-US" dirty="0"/>
+              <a:t>Không có garbage collection phân tán, và cũng không có cơ chế tham chiếu. Vì thế SOAP client không giữ bất kỳ một tham chiếu đầy đủ nào về các đối tượng ở xa</a:t>
+            </a:r>
+          </a:p>
+          <a:p>
+            <a:pPr marL="746125" lvl="2" indent="396875">
+              <a:lnSpc>
+                <a:spcPct val="110000"/>
+              </a:lnSpc>
+              <a:buFont typeface="Arial" pitchFamily="34" charset="0"/>
+              <a:buChar char="•"/>
+            </a:pPr>
+            <a:r>
+              <a:rPr lang="en-US" dirty="0"/>
+              <a:t>SOAP không bị ràng buộc bởi bất kỳ ngôn ngữ lập trình nào </a:t>
+            </a:r>
+            <a:r>
+              <a:rPr lang="en-US" dirty="0" smtClean="0"/>
+              <a:t>hoặc </a:t>
+            </a:r>
+            <a:r>
+              <a:rPr lang="en-US" dirty="0"/>
+              <a:t>công nghệ nào</a:t>
+            </a:r>
+          </a:p>
+          <a:p>
+            <a:pPr lvl="2"/>
+            <a:r>
+              <a:rPr lang="en-US" dirty="0" smtClean="0"/>
+              <a:t>==&gt; Không quan tâm đến công nghệ được sử dụng để thực hiện</a:t>
+            </a:r>
+          </a:p>
+          <a:p>
+            <a:pPr lvl="2"/>
+            <a:endParaRPr lang="en-US" dirty="0" smtClean="0"/>
+          </a:p>
+        </p:txBody>
+      </p:sp>
+      <p:sp>
+        <p:nvSpPr>
+          <p:cNvPr id="4" name="Title 3"/>
+          <p:cNvSpPr>
+            <a:spLocks noGrp="1"/>
+          </p:cNvSpPr>
+          <p:nvPr>
+            <p:ph type="title"/>
+          </p:nvPr>
+        </p:nvSpPr>
+        <p:spPr/>
+        <p:txBody>
+          <a:bodyPr>
+            <a:normAutofit fontScale="90000"/>
+          </a:bodyPr>
+          <a:lstStyle/>
+          <a:p>
+            <a:r>
+              <a:rPr lang="en-US" dirty="0"/>
+              <a:t>1.1.3 Các thành phần của Web Service</a:t>
+            </a:r>
+          </a:p>
+        </p:txBody>
+      </p:sp>
+    </p:spTree>
+    <p:extLst>
+      <p:ext uri="{BB962C8B-B14F-4D97-AF65-F5344CB8AC3E}">
+        <p14:creationId xmlns:p14="http://schemas.microsoft.com/office/powerpoint/2010/main" val="3363706369"/>
+      </p:ext>
+    </p:extLst>
+  </p:cSld>
+  <p:clrMapOvr>
+    <a:masterClrMapping/>
+  </p:clrMapOvr>
+  <p:timing>
+    <p:tnLst>
+      <p:par>
+        <p:cTn id="1" dur="indefinite" restart="never" nodeType="tmRoot"/>
+      </p:par>
+    </p:tnLst>
+  </p:timing>
+</p:sld>
+</file>
+
+<file path=ppt/slides/slide18.xml><?xml version="1.0" encoding="utf-8"?>
+<p:sld xmlns:a="http://schemas.openxmlformats.org/drawingml/2006/main" xmlns:r="http://schemas.openxmlformats.org/officeDocument/2006/relationships" xmlns:p="http://schemas.openxmlformats.org/presentationml/2006/main">
+  <p:cSld>
+    <p:spTree>
+      <p:nvGrpSpPr>
+        <p:cNvPr id="1" name=""/>
+        <p:cNvGrpSpPr/>
+        <p:nvPr/>
+      </p:nvGrpSpPr>
+      <p:grpSpPr>
+        <a:xfrm>
+          <a:off x="0" y="0"/>
+          <a:ext cx="0" cy="0"/>
+          <a:chOff x="0" y="0"/>
+          <a:chExt cx="0" cy="0"/>
+        </a:xfrm>
+      </p:grpSpPr>
+      <p:sp>
+        <p:nvSpPr>
+          <p:cNvPr id="2" name="Slide Number Placeholder 1"/>
+          <p:cNvSpPr>
+            <a:spLocks noGrp="1"/>
+          </p:cNvSpPr>
+          <p:nvPr>
+            <p:ph type="sldNum" sz="quarter" idx="12"/>
+          </p:nvPr>
+        </p:nvSpPr>
+        <p:spPr/>
+        <p:txBody>
+          <a:bodyPr/>
+          <a:lstStyle/>
+          <a:p>
+            <a:fld id="{9DFD9A34-EC64-4F0B-9C9B-2C0A202A050B}" type="slidenum">
+              <a:rPr lang="en-US" smtClean="0"/>
+              <a:pPr/>
+              <a:t>18</a:t>
+            </a:fld>
+            <a:endParaRPr lang="en-US" dirty="0"/>
+          </a:p>
+        </p:txBody>
+      </p:sp>
+      <p:sp>
+        <p:nvSpPr>
+          <p:cNvPr id="3" name="Content Placeholder 2"/>
+          <p:cNvSpPr>
+            <a:spLocks noGrp="1"/>
+          </p:cNvSpPr>
+          <p:nvPr>
+            <p:ph sz="quarter" idx="14"/>
+          </p:nvPr>
+        </p:nvSpPr>
+        <p:spPr>
+          <a:xfrm>
+            <a:off x="779926" y="762000"/>
+            <a:ext cx="10496086" cy="6096000"/>
+          </a:xfrm>
+        </p:spPr>
+        <p:txBody>
+          <a:bodyPr>
+            <a:normAutofit/>
+          </a:bodyPr>
+          <a:lstStyle/>
+          <a:p>
+            <a:pPr lvl="2" algn="ctr"/>
+            <a:r>
+              <a:rPr lang="en-US" sz="2600" dirty="0" smtClean="0"/>
+              <a:t>Cấu trúc của một message SOAP</a:t>
+            </a:r>
+            <a:endParaRPr lang="en-US" sz="2600" dirty="0"/>
+          </a:p>
+          <a:p>
+            <a:pPr lvl="2"/>
+            <a:endParaRPr lang="en-US" dirty="0" smtClean="0"/>
+          </a:p>
+          <a:p>
+            <a:pPr lvl="2"/>
+            <a:endParaRPr lang="en-US" dirty="0" smtClean="0"/>
+          </a:p>
+        </p:txBody>
+      </p:sp>
+      <p:sp>
+        <p:nvSpPr>
+          <p:cNvPr id="4" name="Title 3"/>
+          <p:cNvSpPr>
+            <a:spLocks noGrp="1"/>
+          </p:cNvSpPr>
+          <p:nvPr>
+            <p:ph type="title"/>
+          </p:nvPr>
+        </p:nvSpPr>
+        <p:spPr/>
+        <p:txBody>
+          <a:bodyPr>
+            <a:normAutofit fontScale="90000"/>
+          </a:bodyPr>
+          <a:lstStyle/>
+          <a:p>
+            <a:r>
+              <a:rPr lang="en-US" dirty="0"/>
+              <a:t>1.1.3 Các thành phần của Web Service</a:t>
+            </a:r>
+          </a:p>
+        </p:txBody>
+      </p:sp>
+      <p:pic>
+        <p:nvPicPr>
+          <p:cNvPr id="6" name="Picture 5"/>
+          <p:cNvPicPr/>
+          <p:nvPr/>
+        </p:nvPicPr>
+        <p:blipFill>
+          <a:blip r:embed="rId2">
+            <a:extLst>
+              <a:ext uri="{28A0092B-C50C-407E-A947-70E740481C1C}">
+                <a14:useLocalDpi xmlns:a14="http://schemas.microsoft.com/office/drawing/2010/main" val="0"/>
+              </a:ext>
+            </a:extLst>
+          </a:blip>
+          <a:srcRect/>
+          <a:stretch>
+            <a:fillRect/>
+          </a:stretch>
+        </p:blipFill>
+        <p:spPr bwMode="auto">
+          <a:xfrm>
+            <a:off x="1598612" y="1752600"/>
+            <a:ext cx="8839199" cy="4191000"/>
+          </a:xfrm>
+          <a:prstGeom prst="rect">
+            <a:avLst/>
+          </a:prstGeom>
+          <a:noFill/>
+          <a:ln>
+            <a:noFill/>
+          </a:ln>
+          <a:effectLst/>
+          <a:extLst/>
+        </p:spPr>
+      </p:pic>
+    </p:spTree>
+    <p:extLst>
+      <p:ext uri="{BB962C8B-B14F-4D97-AF65-F5344CB8AC3E}">
+        <p14:creationId xmlns:p14="http://schemas.microsoft.com/office/powerpoint/2010/main" val="3511788725"/>
+      </p:ext>
+    </p:extLst>
+  </p:cSld>
+  <p:clrMapOvr>
+    <a:masterClrMapping/>
+  </p:clrMapOvr>
+  <p:timing>
+    <p:tnLst>
+      <p:par>
+        <p:cTn id="1" dur="indefinite" restart="never" nodeType="tmRoot"/>
+      </p:par>
+    </p:tnLst>
+  </p:timing>
+</p:sld>
+</file>
+
+<file path=ppt/slides/slide19.xml><?xml version="1.0" encoding="utf-8"?>
+<p:sld xmlns:a="http://schemas.openxmlformats.org/drawingml/2006/main" xmlns:r="http://schemas.openxmlformats.org/officeDocument/2006/relationships" xmlns:p="http://schemas.openxmlformats.org/presentationml/2006/main">
+  <p:cSld>
+    <p:spTree>
+      <p:nvGrpSpPr>
+        <p:cNvPr id="1" name=""/>
+        <p:cNvGrpSpPr/>
+        <p:nvPr/>
+      </p:nvGrpSpPr>
+      <p:grpSpPr>
+        <a:xfrm>
+          <a:off x="0" y="0"/>
+          <a:ext cx="0" cy="0"/>
+          <a:chOff x="0" y="0"/>
+          <a:chExt cx="0" cy="0"/>
+        </a:xfrm>
+      </p:grpSpPr>
+      <p:sp>
+        <p:nvSpPr>
+          <p:cNvPr id="2" name="Slide Number Placeholder 1"/>
+          <p:cNvSpPr>
+            <a:spLocks noGrp="1"/>
+          </p:cNvSpPr>
+          <p:nvPr>
+            <p:ph type="sldNum" sz="quarter" idx="12"/>
+          </p:nvPr>
+        </p:nvSpPr>
+        <p:spPr/>
+        <p:txBody>
+          <a:bodyPr/>
+          <a:lstStyle/>
+          <a:p>
+            <a:fld id="{9DFD9A34-EC64-4F0B-9C9B-2C0A202A050B}" type="slidenum">
+              <a:rPr lang="en-US" smtClean="0"/>
+              <a:pPr/>
+              <a:t>19</a:t>
+            </a:fld>
+            <a:endParaRPr lang="en-US" dirty="0"/>
+          </a:p>
+        </p:txBody>
+      </p:sp>
+      <p:sp>
+        <p:nvSpPr>
+          <p:cNvPr id="3" name="Content Placeholder 2"/>
+          <p:cNvSpPr>
+            <a:spLocks noGrp="1"/>
+          </p:cNvSpPr>
+          <p:nvPr>
+            <p:ph sz="quarter" idx="14"/>
+          </p:nvPr>
+        </p:nvSpPr>
+        <p:spPr/>
+        <p:txBody>
+          <a:bodyPr>
+            <a:normAutofit/>
+          </a:bodyPr>
+          <a:lstStyle/>
+          <a:p>
+            <a:pPr>
+              <a:lnSpc>
+                <a:spcPct val="200000"/>
+              </a:lnSpc>
+            </a:pPr>
+            <a:r>
+              <a:rPr lang="en-US" b="1" dirty="0" smtClean="0"/>
+              <a:t>1.2 Kiến trúc hướng dịch vụ</a:t>
+            </a:r>
+            <a:endParaRPr lang="en-US" b="1" dirty="0" smtClean="0"/>
+          </a:p>
+          <a:p>
+            <a:pPr>
+              <a:lnSpc>
+                <a:spcPct val="200000"/>
+              </a:lnSpc>
+            </a:pPr>
+            <a:r>
+              <a:rPr lang="en-US" b="1" dirty="0" smtClean="0"/>
+              <a:t>1.2.1 Kiến trúc hướng dịch vụ là gì?</a:t>
+            </a:r>
+            <a:endParaRPr lang="en-US" b="1" dirty="0" smtClean="0"/>
+          </a:p>
+          <a:p>
+            <a:pPr lvl="2">
+              <a:lnSpc>
+                <a:spcPct val="200000"/>
+              </a:lnSpc>
+            </a:pPr>
+            <a:r>
+              <a:rPr lang="en-US" dirty="0"/>
+              <a:t>Kiến trúc hướng dịch vụ - SOA (Service Oriented Architecture) là một cách tiếp cận hay một phương pháp luận để thiết kế và tích hợp các thành phần khác nhau, bao gồm các phần mềm và các chức năng riêng lẻ lại thành một hệ thống hoàn chỉnh</a:t>
+            </a:r>
+            <a:r>
+              <a:rPr lang="vi-VN" dirty="0" smtClean="0"/>
+              <a:t> </a:t>
+            </a:r>
+            <a:endParaRPr lang="en-US" dirty="0"/>
+          </a:p>
+          <a:p>
+            <a:endParaRPr lang="en-US" dirty="0"/>
+          </a:p>
+        </p:txBody>
+      </p:sp>
+      <p:sp>
+        <p:nvSpPr>
+          <p:cNvPr id="4" name="Title 3"/>
+          <p:cNvSpPr>
+            <a:spLocks noGrp="1"/>
+          </p:cNvSpPr>
+          <p:nvPr>
+            <p:ph type="title"/>
+          </p:nvPr>
+        </p:nvSpPr>
+        <p:spPr/>
+        <p:txBody>
+          <a:bodyPr>
+            <a:normAutofit fontScale="90000"/>
+          </a:bodyPr>
+          <a:lstStyle/>
+          <a:p>
+            <a:r>
+              <a:rPr lang="en-US" dirty="0" smtClean="0"/>
+              <a:t>Chương </a:t>
+            </a:r>
+            <a:r>
+              <a:rPr lang="en-US" dirty="0" smtClean="0"/>
+              <a:t>1 </a:t>
+            </a:r>
+            <a:r>
+              <a:rPr lang="en-US" dirty="0" smtClean="0"/>
+              <a:t>: Tổng quan về kiến trúc hướng dịch vụ</a:t>
+            </a:r>
+            <a:endParaRPr lang="en-US" dirty="0"/>
+          </a:p>
+        </p:txBody>
+      </p:sp>
+    </p:spTree>
+    <p:extLst>
+      <p:ext uri="{BB962C8B-B14F-4D97-AF65-F5344CB8AC3E}">
+        <p14:creationId xmlns:p14="http://schemas.microsoft.com/office/powerpoint/2010/main" val="2709543005"/>
       </p:ext>
     </p:extLst>
   </p:cSld>
@@ -6258,6 +7285,2374 @@
     <p:extLst>
       <p:ext uri="{BB962C8B-B14F-4D97-AF65-F5344CB8AC3E}">
         <p14:creationId xmlns:p14="http://schemas.microsoft.com/office/powerpoint/2010/main" val="4121205128"/>
+      </p:ext>
+    </p:extLst>
+  </p:cSld>
+  <p:clrMapOvr>
+    <a:masterClrMapping/>
+  </p:clrMapOvr>
+  <p:timing>
+    <p:tnLst>
+      <p:par>
+        <p:cTn id="1" dur="indefinite" restart="never" nodeType="tmRoot"/>
+      </p:par>
+    </p:tnLst>
+  </p:timing>
+</p:sld>
+</file>
+
+<file path=ppt/slides/slide20.xml><?xml version="1.0" encoding="utf-8"?>
+<p:sld xmlns:a="http://schemas.openxmlformats.org/drawingml/2006/main" xmlns:r="http://schemas.openxmlformats.org/officeDocument/2006/relationships" xmlns:p="http://schemas.openxmlformats.org/presentationml/2006/main">
+  <p:cSld>
+    <p:spTree>
+      <p:nvGrpSpPr>
+        <p:cNvPr id="1" name=""/>
+        <p:cNvGrpSpPr/>
+        <p:nvPr/>
+      </p:nvGrpSpPr>
+      <p:grpSpPr>
+        <a:xfrm>
+          <a:off x="0" y="0"/>
+          <a:ext cx="0" cy="0"/>
+          <a:chOff x="0" y="0"/>
+          <a:chExt cx="0" cy="0"/>
+        </a:xfrm>
+      </p:grpSpPr>
+      <p:sp>
+        <p:nvSpPr>
+          <p:cNvPr id="2" name="Slide Number Placeholder 1"/>
+          <p:cNvSpPr>
+            <a:spLocks noGrp="1"/>
+          </p:cNvSpPr>
+          <p:nvPr>
+            <p:ph type="sldNum" sz="quarter" idx="12"/>
+          </p:nvPr>
+        </p:nvSpPr>
+        <p:spPr/>
+        <p:txBody>
+          <a:bodyPr/>
+          <a:lstStyle/>
+          <a:p>
+            <a:fld id="{9DFD9A34-EC64-4F0B-9C9B-2C0A202A050B}" type="slidenum">
+              <a:rPr lang="en-US" smtClean="0"/>
+              <a:pPr/>
+              <a:t>20</a:t>
+            </a:fld>
+            <a:endParaRPr lang="en-US" dirty="0"/>
+          </a:p>
+        </p:txBody>
+      </p:sp>
+      <p:sp>
+        <p:nvSpPr>
+          <p:cNvPr id="3" name="Content Placeholder 2"/>
+          <p:cNvSpPr>
+            <a:spLocks noGrp="1"/>
+          </p:cNvSpPr>
+          <p:nvPr>
+            <p:ph sz="quarter" idx="14"/>
+          </p:nvPr>
+        </p:nvSpPr>
+        <p:spPr>
+          <a:xfrm>
+            <a:off x="779926" y="990600"/>
+            <a:ext cx="10496086" cy="5867400"/>
+          </a:xfrm>
+        </p:spPr>
+        <p:txBody>
+          <a:bodyPr>
+            <a:normAutofit/>
+          </a:bodyPr>
+          <a:lstStyle/>
+          <a:p>
+            <a:pPr lvl="2">
+              <a:lnSpc>
+                <a:spcPct val="200000"/>
+              </a:lnSpc>
+            </a:pPr>
+            <a:r>
+              <a:rPr lang="vi-VN" sz="2800" dirty="0"/>
+              <a:t>Mỗi </a:t>
+            </a:r>
+            <a:r>
+              <a:rPr lang="en-US" sz="2800" dirty="0" smtClean="0"/>
+              <a:t>thành phần</a:t>
+            </a:r>
+            <a:r>
+              <a:rPr lang="vi-VN" sz="2800" dirty="0" smtClean="0"/>
+              <a:t> </a:t>
+            </a:r>
+            <a:r>
+              <a:rPr lang="vi-VN" sz="2800" dirty="0"/>
+              <a:t>hoặc hệ thống phần mềm là một dịch vụ độc lập giao tiếp với nhau qua thông điệp đã </a:t>
+            </a:r>
+            <a:r>
+              <a:rPr lang="vi-VN" sz="2800" dirty="0" smtClean="0"/>
+              <a:t>đ</a:t>
+            </a:r>
+            <a:r>
+              <a:rPr lang="en-US" sz="2800" dirty="0" smtClean="0"/>
+              <a:t>ư</a:t>
+            </a:r>
+            <a:r>
+              <a:rPr lang="vi-VN" sz="2800" dirty="0" smtClean="0"/>
+              <a:t>ợc </a:t>
+            </a:r>
+            <a:r>
+              <a:rPr lang="vi-VN" sz="2800" dirty="0"/>
+              <a:t>chuẩn hóa. Thay vì phải xây dựng hệ thống mới từ đầu, nhà phát triển có thể tận dụng những </a:t>
+            </a:r>
+            <a:r>
+              <a:rPr lang="en-US" sz="2800" dirty="0" smtClean="0"/>
+              <a:t>thành phần</a:t>
+            </a:r>
+            <a:r>
+              <a:rPr lang="vi-VN" sz="2800" dirty="0" smtClean="0"/>
+              <a:t> </a:t>
+            </a:r>
+            <a:r>
+              <a:rPr lang="vi-VN" sz="2800" dirty="0"/>
+              <a:t>chức năng, hệ thống </a:t>
+            </a:r>
+            <a:r>
+              <a:rPr lang="vi-VN" sz="2800" dirty="0" smtClean="0"/>
+              <a:t>s</a:t>
+            </a:r>
+            <a:r>
+              <a:rPr lang="en-US" sz="2800" dirty="0" smtClean="0"/>
+              <a:t>ẵ</a:t>
+            </a:r>
+            <a:r>
+              <a:rPr lang="vi-VN" sz="2800" dirty="0" smtClean="0"/>
+              <a:t>n </a:t>
+            </a:r>
+            <a:r>
+              <a:rPr lang="vi-VN" sz="2800" dirty="0"/>
+              <a:t>có để tích hợp, lắp ghép chúng lại với nhau thành một hệ thống vẫn đảm bảo đáp ứng </a:t>
+            </a:r>
+            <a:r>
+              <a:rPr lang="vi-VN" sz="2800" dirty="0" smtClean="0"/>
+              <a:t>đ</a:t>
+            </a:r>
+            <a:r>
+              <a:rPr lang="en-US" sz="2800" dirty="0" smtClean="0"/>
+              <a:t>ư</a:t>
+            </a:r>
+            <a:r>
+              <a:rPr lang="vi-VN" sz="2800" dirty="0" smtClean="0"/>
+              <a:t>ợc </a:t>
+            </a:r>
+            <a:r>
+              <a:rPr lang="vi-VN" sz="2800" dirty="0"/>
+              <a:t>các yêu cầu. </a:t>
+            </a:r>
+            <a:r>
+              <a:rPr lang="vi-VN" sz="2800" dirty="0"/>
+              <a:t>Điều này giúp giảm thiểu chi phí trong quá trình phát triển.</a:t>
+            </a:r>
+            <a:endParaRPr lang="en-US" sz="2800" dirty="0" smtClean="0"/>
+          </a:p>
+          <a:p>
+            <a:endParaRPr lang="en-US" dirty="0"/>
+          </a:p>
+        </p:txBody>
+      </p:sp>
+      <p:sp>
+        <p:nvSpPr>
+          <p:cNvPr id="4" name="Title 3"/>
+          <p:cNvSpPr>
+            <a:spLocks noGrp="1"/>
+          </p:cNvSpPr>
+          <p:nvPr>
+            <p:ph type="title"/>
+          </p:nvPr>
+        </p:nvSpPr>
+        <p:spPr/>
+        <p:txBody>
+          <a:bodyPr>
+            <a:normAutofit fontScale="90000"/>
+          </a:bodyPr>
+          <a:lstStyle/>
+          <a:p>
+            <a:r>
+              <a:rPr lang="en-US" dirty="0" smtClean="0"/>
+              <a:t>1.2.1 Kiến trúc hướng dịch vụ là gì?</a:t>
+            </a:r>
+            <a:endParaRPr lang="en-US" dirty="0"/>
+          </a:p>
+        </p:txBody>
+      </p:sp>
+    </p:spTree>
+    <p:extLst>
+      <p:ext uri="{BB962C8B-B14F-4D97-AF65-F5344CB8AC3E}">
+        <p14:creationId xmlns:p14="http://schemas.microsoft.com/office/powerpoint/2010/main" val="1199622033"/>
+      </p:ext>
+    </p:extLst>
+  </p:cSld>
+  <p:clrMapOvr>
+    <a:masterClrMapping/>
+  </p:clrMapOvr>
+  <p:timing>
+    <p:tnLst>
+      <p:par>
+        <p:cTn id="1" dur="indefinite" restart="never" nodeType="tmRoot"/>
+      </p:par>
+    </p:tnLst>
+  </p:timing>
+</p:sld>
+</file>
+
+<file path=ppt/slides/slide21.xml><?xml version="1.0" encoding="utf-8"?>
+<p:sld xmlns:a="http://schemas.openxmlformats.org/drawingml/2006/main" xmlns:r="http://schemas.openxmlformats.org/officeDocument/2006/relationships" xmlns:p="http://schemas.openxmlformats.org/presentationml/2006/main">
+  <p:cSld>
+    <p:spTree>
+      <p:nvGrpSpPr>
+        <p:cNvPr id="1" name=""/>
+        <p:cNvGrpSpPr/>
+        <p:nvPr/>
+      </p:nvGrpSpPr>
+      <p:grpSpPr>
+        <a:xfrm>
+          <a:off x="0" y="0"/>
+          <a:ext cx="0" cy="0"/>
+          <a:chOff x="0" y="0"/>
+          <a:chExt cx="0" cy="0"/>
+        </a:xfrm>
+      </p:grpSpPr>
+      <p:sp>
+        <p:nvSpPr>
+          <p:cNvPr id="2" name="Slide Number Placeholder 1"/>
+          <p:cNvSpPr>
+            <a:spLocks noGrp="1"/>
+          </p:cNvSpPr>
+          <p:nvPr>
+            <p:ph type="sldNum" sz="quarter" idx="12"/>
+          </p:nvPr>
+        </p:nvSpPr>
+        <p:spPr/>
+        <p:txBody>
+          <a:bodyPr/>
+          <a:lstStyle/>
+          <a:p>
+            <a:fld id="{9DFD9A34-EC64-4F0B-9C9B-2C0A202A050B}" type="slidenum">
+              <a:rPr lang="en-US" smtClean="0"/>
+              <a:pPr/>
+              <a:t>21</a:t>
+            </a:fld>
+            <a:endParaRPr lang="en-US" dirty="0"/>
+          </a:p>
+        </p:txBody>
+      </p:sp>
+      <p:sp>
+        <p:nvSpPr>
+          <p:cNvPr id="3" name="Content Placeholder 2"/>
+          <p:cNvSpPr>
+            <a:spLocks noGrp="1"/>
+          </p:cNvSpPr>
+          <p:nvPr>
+            <p:ph sz="quarter" idx="14"/>
+          </p:nvPr>
+        </p:nvSpPr>
+        <p:spPr>
+          <a:xfrm>
+            <a:off x="779926" y="990600"/>
+            <a:ext cx="10496086" cy="5867400"/>
+          </a:xfrm>
+        </p:spPr>
+        <p:txBody>
+          <a:bodyPr>
+            <a:normAutofit lnSpcReduction="10000"/>
+          </a:bodyPr>
+          <a:lstStyle/>
+          <a:p>
+            <a:pPr lvl="2"/>
+            <a:r>
+              <a:rPr lang="vi-VN" sz="2800" dirty="0"/>
+              <a:t>Với tính chất kết nối lỏng lẻo: mỗi thành phần hoàn toàn độc lập với nhau giúp cho hệ thống hết sức linh hoạt, ít xảy ra sự cố. </a:t>
+            </a:r>
+            <a:r>
+              <a:rPr lang="vi-VN" sz="2800" dirty="0"/>
+              <a:t>Thậm chí nếu có sự cố thì hệ thống vẫn có thể tiếp tục hoạt động trong khi có thành phần bị lỗi hoặc </a:t>
+            </a:r>
+            <a:r>
+              <a:rPr lang="vi-VN" sz="2800" dirty="0" smtClean="0"/>
+              <a:t>h</a:t>
+            </a:r>
+            <a:r>
+              <a:rPr lang="en-US" sz="2800" dirty="0" smtClean="0"/>
+              <a:t>ư</a:t>
+            </a:r>
+            <a:r>
+              <a:rPr lang="vi-VN" sz="2800" dirty="0" smtClean="0"/>
+              <a:t> </a:t>
+            </a:r>
+            <a:r>
+              <a:rPr lang="vi-VN" sz="2800" dirty="0"/>
+              <a:t>hỏng. Không những thế, việc nâng cấp, bảo trì và mở rộng cũng trở nên dễ dàng hơn nhờ sự độc lập của mỗi thành phần trong hệ thống</a:t>
+            </a:r>
+            <a:r>
+              <a:rPr lang="vi-VN" sz="2800" dirty="0" smtClean="0"/>
+              <a:t>.</a:t>
+            </a:r>
+            <a:endParaRPr lang="en-US" sz="2800" dirty="0" smtClean="0"/>
+          </a:p>
+          <a:p>
+            <a:pPr lvl="2"/>
+            <a:r>
+              <a:rPr lang="vi-VN" sz="2800" dirty="0"/>
+              <a:t>Mỗi thành phần </a:t>
+            </a:r>
+            <a:r>
+              <a:rPr lang="vi-VN" sz="2800" dirty="0" smtClean="0"/>
+              <a:t>đ</a:t>
+            </a:r>
+            <a:r>
+              <a:rPr lang="en-US" sz="2800" dirty="0" smtClean="0"/>
+              <a:t>ư</a:t>
+            </a:r>
+            <a:r>
+              <a:rPr lang="vi-VN" sz="2800" dirty="0" smtClean="0"/>
+              <a:t>ợc </a:t>
+            </a:r>
+            <a:r>
+              <a:rPr lang="vi-VN" sz="2800" dirty="0"/>
+              <a:t>đăng ký và cung cấp </a:t>
+            </a:r>
+            <a:r>
+              <a:rPr lang="vi-VN" sz="2800" dirty="0" smtClean="0"/>
+              <a:t>nh</a:t>
+            </a:r>
+            <a:r>
+              <a:rPr lang="en-US" sz="2800" dirty="0" smtClean="0"/>
+              <a:t>ư</a:t>
+            </a:r>
+            <a:r>
+              <a:rPr lang="vi-VN" sz="2800" dirty="0" smtClean="0"/>
+              <a:t> </a:t>
+            </a:r>
+            <a:r>
+              <a:rPr lang="vi-VN" sz="2800" dirty="0"/>
+              <a:t>một dịch vụ trên môi </a:t>
+            </a:r>
+            <a:r>
+              <a:rPr lang="vi-VN" sz="2800" dirty="0" smtClean="0"/>
+              <a:t>tr</a:t>
+            </a:r>
+            <a:r>
+              <a:rPr lang="en-US" sz="2800" dirty="0" smtClean="0"/>
+              <a:t>ư</a:t>
+            </a:r>
+            <a:r>
+              <a:rPr lang="vi-VN" sz="2800" dirty="0" smtClean="0"/>
+              <a:t>ờng </a:t>
+            </a:r>
+            <a:r>
+              <a:rPr lang="vi-VN" sz="2800" dirty="0"/>
+              <a:t>mạng nên </a:t>
+            </a:r>
+            <a:r>
+              <a:rPr lang="vi-VN" sz="2800" dirty="0" smtClean="0"/>
+              <a:t>ng</a:t>
+            </a:r>
+            <a:r>
+              <a:rPr lang="en-US" sz="2800" dirty="0" smtClean="0"/>
+              <a:t>ư</a:t>
+            </a:r>
+            <a:r>
+              <a:rPr lang="vi-VN" sz="2800" dirty="0" smtClean="0"/>
+              <a:t>ời </a:t>
+            </a:r>
+            <a:r>
+              <a:rPr lang="vi-VN" sz="2800" dirty="0"/>
+              <a:t>sử dụng dễ dàng tìm kiếm để sử dụng lại theo nhu cầu. </a:t>
+            </a:r>
+            <a:endParaRPr lang="en-US" sz="2800" dirty="0" smtClean="0"/>
+          </a:p>
+          <a:p>
+            <a:endParaRPr lang="en-US" dirty="0"/>
+          </a:p>
+        </p:txBody>
+      </p:sp>
+      <p:sp>
+        <p:nvSpPr>
+          <p:cNvPr id="4" name="Title 3"/>
+          <p:cNvSpPr>
+            <a:spLocks noGrp="1"/>
+          </p:cNvSpPr>
+          <p:nvPr>
+            <p:ph type="title"/>
+          </p:nvPr>
+        </p:nvSpPr>
+        <p:spPr/>
+        <p:txBody>
+          <a:bodyPr>
+            <a:normAutofit fontScale="90000"/>
+          </a:bodyPr>
+          <a:lstStyle/>
+          <a:p>
+            <a:r>
+              <a:rPr lang="en-US" dirty="0"/>
+              <a:t>1.2.1 Kiến trúc hướng dịch vụ là gì?</a:t>
+            </a:r>
+            <a:endParaRPr lang="en-US" dirty="0"/>
+          </a:p>
+        </p:txBody>
+      </p:sp>
+    </p:spTree>
+    <p:extLst>
+      <p:ext uri="{BB962C8B-B14F-4D97-AF65-F5344CB8AC3E}">
+        <p14:creationId xmlns:p14="http://schemas.microsoft.com/office/powerpoint/2010/main" val="4228908973"/>
+      </p:ext>
+    </p:extLst>
+  </p:cSld>
+  <p:clrMapOvr>
+    <a:masterClrMapping/>
+  </p:clrMapOvr>
+  <p:timing>
+    <p:tnLst>
+      <p:par>
+        <p:cTn id="1" dur="indefinite" restart="never" nodeType="tmRoot"/>
+      </p:par>
+    </p:tnLst>
+  </p:timing>
+</p:sld>
+</file>
+
+<file path=ppt/slides/slide22.xml><?xml version="1.0" encoding="utf-8"?>
+<p:sld xmlns:a="http://schemas.openxmlformats.org/drawingml/2006/main" xmlns:r="http://schemas.openxmlformats.org/officeDocument/2006/relationships" xmlns:p="http://schemas.openxmlformats.org/presentationml/2006/main">
+  <p:cSld>
+    <p:spTree>
+      <p:nvGrpSpPr>
+        <p:cNvPr id="1" name=""/>
+        <p:cNvGrpSpPr/>
+        <p:nvPr/>
+      </p:nvGrpSpPr>
+      <p:grpSpPr>
+        <a:xfrm>
+          <a:off x="0" y="0"/>
+          <a:ext cx="0" cy="0"/>
+          <a:chOff x="0" y="0"/>
+          <a:chExt cx="0" cy="0"/>
+        </a:xfrm>
+      </p:grpSpPr>
+      <p:sp>
+        <p:nvSpPr>
+          <p:cNvPr id="2" name="Slide Number Placeholder 1"/>
+          <p:cNvSpPr>
+            <a:spLocks noGrp="1"/>
+          </p:cNvSpPr>
+          <p:nvPr>
+            <p:ph type="sldNum" sz="quarter" idx="12"/>
+          </p:nvPr>
+        </p:nvSpPr>
+        <p:spPr/>
+        <p:txBody>
+          <a:bodyPr/>
+          <a:lstStyle/>
+          <a:p>
+            <a:fld id="{9DFD9A34-EC64-4F0B-9C9B-2C0A202A050B}" type="slidenum">
+              <a:rPr lang="en-US" smtClean="0"/>
+              <a:pPr/>
+              <a:t>22</a:t>
+            </a:fld>
+            <a:endParaRPr lang="en-US" dirty="0"/>
+          </a:p>
+        </p:txBody>
+      </p:sp>
+      <p:sp>
+        <p:nvSpPr>
+          <p:cNvPr id="3" name="Content Placeholder 2"/>
+          <p:cNvSpPr>
+            <a:spLocks noGrp="1"/>
+          </p:cNvSpPr>
+          <p:nvPr>
+            <p:ph sz="quarter" idx="14"/>
+          </p:nvPr>
+        </p:nvSpPr>
+        <p:spPr>
+          <a:xfrm>
+            <a:off x="3351212" y="5029200"/>
+            <a:ext cx="10496086" cy="5867400"/>
+          </a:xfrm>
+        </p:spPr>
+        <p:txBody>
+          <a:bodyPr>
+            <a:normAutofit/>
+          </a:bodyPr>
+          <a:lstStyle/>
+          <a:p>
+            <a:pPr lvl="2"/>
+            <a:r>
+              <a:rPr lang="en-US" sz="2800" dirty="0" smtClean="0"/>
+              <a:t>Mô hình tổng quan của SOA</a:t>
+            </a:r>
+            <a:endParaRPr lang="en-US" sz="2800" dirty="0" smtClean="0"/>
+          </a:p>
+          <a:p>
+            <a:endParaRPr lang="en-US" dirty="0"/>
+          </a:p>
+        </p:txBody>
+      </p:sp>
+      <p:sp>
+        <p:nvSpPr>
+          <p:cNvPr id="4" name="Title 3"/>
+          <p:cNvSpPr>
+            <a:spLocks noGrp="1"/>
+          </p:cNvSpPr>
+          <p:nvPr>
+            <p:ph type="title"/>
+          </p:nvPr>
+        </p:nvSpPr>
+        <p:spPr/>
+        <p:txBody>
+          <a:bodyPr>
+            <a:normAutofit fontScale="90000"/>
+          </a:bodyPr>
+          <a:lstStyle/>
+          <a:p>
+            <a:r>
+              <a:rPr lang="en-US" dirty="0"/>
+              <a:t>1.2.1 Kiến trúc hướng dịch vụ là gì?</a:t>
+            </a:r>
+            <a:endParaRPr lang="en-US" dirty="0"/>
+          </a:p>
+        </p:txBody>
+      </p:sp>
+      <p:grpSp>
+        <p:nvGrpSpPr>
+          <p:cNvPr id="25" name="Group 24"/>
+          <p:cNvGrpSpPr/>
+          <p:nvPr/>
+        </p:nvGrpSpPr>
+        <p:grpSpPr bwMode="auto">
+          <a:xfrm>
+            <a:off x="2970212" y="990600"/>
+            <a:ext cx="6172200" cy="3809999"/>
+            <a:chOff x="5638796" y="2360613"/>
+            <a:chExt cx="1133" cy="626"/>
+          </a:xfrm>
+        </p:grpSpPr>
+        <p:sp>
+          <p:nvSpPr>
+            <p:cNvPr id="26" name="Text Box 13"/>
+            <p:cNvSpPr txBox="1">
+              <a:spLocks noChangeArrowheads="1"/>
+            </p:cNvSpPr>
+            <p:nvPr/>
+          </p:nvSpPr>
+          <p:spPr bwMode="auto">
+            <a:xfrm>
+              <a:off x="5639252" y="2361010"/>
+              <a:ext cx="224" cy="129"/>
+            </a:xfrm>
+            <a:prstGeom prst="rect">
+              <a:avLst/>
+            </a:prstGeom>
+            <a:solidFill>
+              <a:schemeClr val="bg1"/>
+            </a:solidFill>
+            <a:ln w="9525">
+              <a:noFill/>
+              <a:miter lim="800000"/>
+              <a:headEnd/>
+              <a:tailEnd/>
+            </a:ln>
+          </p:spPr>
+          <p:txBody>
+            <a:bodyPr wrap="none" lIns="0" tIns="0" rIns="0" bIns="0">
+              <a:spAutoFit/>
+            </a:bodyPr>
+            <a:lstStyle/>
+            <a:p>
+              <a:pPr algn="ctr" eaLnBrk="0" fontAlgn="base" hangingPunct="0">
+                <a:spcAft>
+                  <a:spcPts val="0"/>
+                </a:spcAft>
+              </a:pPr>
+              <a:r>
+                <a:rPr lang="en-US" sz="1400" b="1" kern="1200">
+                  <a:solidFill>
+                    <a:srgbClr val="000000"/>
+                  </a:solidFill>
+                  <a:effectLst/>
+                  <a:latin typeface="Comic Sans MS"/>
+                  <a:ea typeface="Times New Roman"/>
+                  <a:cs typeface="Arial"/>
+                </a:rPr>
+                <a:t>Bind,</a:t>
+              </a:r>
+              <a:endParaRPr lang="en-US" sz="1200">
+                <a:effectLst/>
+                <a:latin typeface="Times New Roman"/>
+                <a:ea typeface="Times New Roman"/>
+              </a:endParaRPr>
+            </a:p>
+            <a:p>
+              <a:pPr algn="ctr" eaLnBrk="0" fontAlgn="base" hangingPunct="0">
+                <a:spcAft>
+                  <a:spcPts val="0"/>
+                </a:spcAft>
+              </a:pPr>
+              <a:r>
+                <a:rPr lang="en-US" sz="1400" b="1" kern="1200">
+                  <a:solidFill>
+                    <a:srgbClr val="000000"/>
+                  </a:solidFill>
+                  <a:effectLst/>
+                  <a:latin typeface="Comic Sans MS"/>
+                  <a:ea typeface="Times New Roman"/>
+                  <a:cs typeface="Arial"/>
+                </a:rPr>
+                <a:t>Execute</a:t>
+              </a:r>
+              <a:endParaRPr lang="en-US" sz="1200">
+                <a:effectLst/>
+                <a:latin typeface="Times New Roman"/>
+                <a:ea typeface="Times New Roman"/>
+              </a:endParaRPr>
+            </a:p>
+          </p:txBody>
+        </p:sp>
+        <p:sp>
+          <p:nvSpPr>
+            <p:cNvPr id="27" name="Oval 26"/>
+            <p:cNvSpPr>
+              <a:spLocks noChangeArrowheads="1"/>
+            </p:cNvSpPr>
+            <p:nvPr/>
+          </p:nvSpPr>
+          <p:spPr bwMode="auto">
+            <a:xfrm>
+              <a:off x="5639151" y="2360613"/>
+              <a:ext cx="414" cy="214"/>
+            </a:xfrm>
+            <a:prstGeom prst="ellipse">
+              <a:avLst/>
+            </a:prstGeom>
+            <a:solidFill>
+              <a:schemeClr val="accent1"/>
+            </a:solidFill>
+            <a:ln w="9525">
+              <a:solidFill>
+                <a:schemeClr val="tx1"/>
+              </a:solidFill>
+              <a:round/>
+              <a:headEnd/>
+              <a:tailEnd/>
+            </a:ln>
+          </p:spPr>
+          <p:txBody>
+            <a:bodyPr wrap="none" anchor="ctr"/>
+            <a:lstStyle/>
+            <a:p>
+              <a:pPr algn="ctr" eaLnBrk="0" fontAlgn="base" hangingPunct="0">
+                <a:spcAft>
+                  <a:spcPts val="0"/>
+                </a:spcAft>
+              </a:pPr>
+              <a:r>
+                <a:rPr lang="en-US" sz="1400" b="1" kern="1200">
+                  <a:solidFill>
+                    <a:srgbClr val="000000"/>
+                  </a:solidFill>
+                  <a:effectLst/>
+                  <a:latin typeface="Comic Sans MS"/>
+                  <a:ea typeface="Times New Roman"/>
+                  <a:cs typeface="Arial"/>
+                </a:rPr>
+                <a:t>Service</a:t>
+              </a:r>
+              <a:endParaRPr lang="en-US" sz="1200">
+                <a:effectLst/>
+                <a:latin typeface="Times New Roman"/>
+                <a:ea typeface="Times New Roman"/>
+              </a:endParaRPr>
+            </a:p>
+            <a:p>
+              <a:pPr algn="ctr" eaLnBrk="0" fontAlgn="base" hangingPunct="0">
+                <a:spcAft>
+                  <a:spcPts val="0"/>
+                </a:spcAft>
+              </a:pPr>
+              <a:r>
+                <a:rPr lang="en-US" sz="1400" b="1" kern="1200">
+                  <a:solidFill>
+                    <a:srgbClr val="000000"/>
+                  </a:solidFill>
+                  <a:effectLst/>
+                  <a:latin typeface="Comic Sans MS"/>
+                  <a:ea typeface="Times New Roman"/>
+                  <a:cs typeface="Arial"/>
+                </a:rPr>
+                <a:t>Registry</a:t>
+              </a:r>
+              <a:endParaRPr lang="en-US" sz="1200">
+                <a:effectLst/>
+                <a:latin typeface="Times New Roman"/>
+                <a:ea typeface="Times New Roman"/>
+              </a:endParaRPr>
+            </a:p>
+          </p:txBody>
+        </p:sp>
+        <p:sp>
+          <p:nvSpPr>
+            <p:cNvPr id="28" name="Oval 27"/>
+            <p:cNvSpPr>
+              <a:spLocks noChangeArrowheads="1"/>
+            </p:cNvSpPr>
+            <p:nvPr/>
+          </p:nvSpPr>
+          <p:spPr bwMode="auto">
+            <a:xfrm>
+              <a:off x="5639521" y="2361024"/>
+              <a:ext cx="408" cy="214"/>
+            </a:xfrm>
+            <a:prstGeom prst="ellipse">
+              <a:avLst/>
+            </a:prstGeom>
+            <a:solidFill>
+              <a:schemeClr val="accent1"/>
+            </a:solidFill>
+            <a:ln w="9525">
+              <a:solidFill>
+                <a:schemeClr val="tx1"/>
+              </a:solidFill>
+              <a:round/>
+              <a:headEnd/>
+              <a:tailEnd/>
+            </a:ln>
+          </p:spPr>
+          <p:txBody>
+            <a:bodyPr wrap="none" anchor="ctr"/>
+            <a:lstStyle/>
+            <a:p>
+              <a:pPr algn="ctr" eaLnBrk="0" fontAlgn="base" hangingPunct="0">
+                <a:spcAft>
+                  <a:spcPts val="0"/>
+                </a:spcAft>
+              </a:pPr>
+              <a:r>
+                <a:rPr lang="en-US" sz="1400" b="1" kern="1200">
+                  <a:solidFill>
+                    <a:srgbClr val="000000"/>
+                  </a:solidFill>
+                  <a:effectLst/>
+                  <a:latin typeface="Comic Sans MS"/>
+                  <a:ea typeface="Times New Roman"/>
+                  <a:cs typeface="Arial"/>
+                </a:rPr>
+                <a:t>Service</a:t>
+              </a:r>
+              <a:endParaRPr lang="en-US" sz="1200">
+                <a:effectLst/>
+                <a:latin typeface="Times New Roman"/>
+                <a:ea typeface="Times New Roman"/>
+              </a:endParaRPr>
+            </a:p>
+            <a:p>
+              <a:pPr algn="ctr" eaLnBrk="0" fontAlgn="base" hangingPunct="0">
+                <a:spcAft>
+                  <a:spcPts val="0"/>
+                </a:spcAft>
+              </a:pPr>
+              <a:r>
+                <a:rPr lang="en-US" sz="1400" b="1" kern="1200">
+                  <a:solidFill>
+                    <a:srgbClr val="000000"/>
+                  </a:solidFill>
+                  <a:effectLst/>
+                  <a:latin typeface="Comic Sans MS"/>
+                  <a:ea typeface="Times New Roman"/>
+                  <a:cs typeface="Arial"/>
+                </a:rPr>
+                <a:t>Provider</a:t>
+              </a:r>
+              <a:endParaRPr lang="en-US" sz="1200">
+                <a:effectLst/>
+                <a:latin typeface="Times New Roman"/>
+                <a:ea typeface="Times New Roman"/>
+              </a:endParaRPr>
+            </a:p>
+          </p:txBody>
+        </p:sp>
+        <p:sp>
+          <p:nvSpPr>
+            <p:cNvPr id="29" name="Oval 28"/>
+            <p:cNvSpPr>
+              <a:spLocks noChangeArrowheads="1"/>
+            </p:cNvSpPr>
+            <p:nvPr/>
+          </p:nvSpPr>
+          <p:spPr bwMode="auto">
+            <a:xfrm>
+              <a:off x="5638796" y="2361025"/>
+              <a:ext cx="453" cy="214"/>
+            </a:xfrm>
+            <a:prstGeom prst="ellipse">
+              <a:avLst/>
+            </a:prstGeom>
+            <a:solidFill>
+              <a:schemeClr val="accent1"/>
+            </a:solidFill>
+            <a:ln w="9525">
+              <a:solidFill>
+                <a:schemeClr val="tx1"/>
+              </a:solidFill>
+              <a:round/>
+              <a:headEnd/>
+              <a:tailEnd/>
+            </a:ln>
+          </p:spPr>
+          <p:txBody>
+            <a:bodyPr wrap="none" anchor="ctr"/>
+            <a:lstStyle/>
+            <a:p>
+              <a:pPr algn="ctr" eaLnBrk="0" fontAlgn="base" hangingPunct="0">
+                <a:spcAft>
+                  <a:spcPts val="0"/>
+                </a:spcAft>
+              </a:pPr>
+              <a:r>
+                <a:rPr lang="en-US" sz="1400" b="1" kern="1200">
+                  <a:solidFill>
+                    <a:srgbClr val="000000"/>
+                  </a:solidFill>
+                  <a:effectLst/>
+                  <a:latin typeface="Comic Sans MS"/>
+                  <a:ea typeface="Times New Roman"/>
+                  <a:cs typeface="Arial"/>
+                </a:rPr>
+                <a:t>Service</a:t>
+              </a:r>
+              <a:endParaRPr lang="en-US" sz="1200">
+                <a:effectLst/>
+                <a:latin typeface="Times New Roman"/>
+                <a:ea typeface="Times New Roman"/>
+              </a:endParaRPr>
+            </a:p>
+            <a:p>
+              <a:pPr algn="ctr" eaLnBrk="0" fontAlgn="base" hangingPunct="0">
+                <a:spcAft>
+                  <a:spcPts val="0"/>
+                </a:spcAft>
+              </a:pPr>
+              <a:r>
+                <a:rPr lang="en-US" sz="1400" b="1" kern="1200">
+                  <a:solidFill>
+                    <a:srgbClr val="000000"/>
+                  </a:solidFill>
+                  <a:effectLst/>
+                  <a:latin typeface="Comic Sans MS"/>
+                  <a:ea typeface="Times New Roman"/>
+                  <a:cs typeface="Arial"/>
+                </a:rPr>
+                <a:t>Consumer</a:t>
+              </a:r>
+              <a:endParaRPr lang="en-US" sz="1200">
+                <a:effectLst/>
+                <a:latin typeface="Times New Roman"/>
+                <a:ea typeface="Times New Roman"/>
+              </a:endParaRPr>
+            </a:p>
+          </p:txBody>
+        </p:sp>
+        <p:sp>
+          <p:nvSpPr>
+            <p:cNvPr id="30" name="Line 8"/>
+            <p:cNvSpPr>
+              <a:spLocks noChangeShapeType="1"/>
+            </p:cNvSpPr>
+            <p:nvPr/>
+          </p:nvSpPr>
+          <p:spPr bwMode="auto">
+            <a:xfrm flipV="1">
+              <a:off x="5639014" y="2360810"/>
+              <a:ext cx="195" cy="230"/>
+            </a:xfrm>
+            <a:prstGeom prst="line">
+              <a:avLst/>
+            </a:prstGeom>
+            <a:noFill/>
+            <a:ln w="38100">
+              <a:solidFill>
+                <a:schemeClr val="tx1"/>
+              </a:solidFill>
+              <a:round/>
+              <a:headEnd/>
+              <a:tailEnd type="triangle" w="med" len="med"/>
+            </a:ln>
+          </p:spPr>
+          <p:txBody>
+            <a:bodyPr/>
+            <a:lstStyle/>
+            <a:p>
+              <a:pPr indent="457200" algn="just">
+                <a:lnSpc>
+                  <a:spcPct val="150000"/>
+                </a:lnSpc>
+                <a:spcBef>
+                  <a:spcPts val="600"/>
+                </a:spcBef>
+                <a:spcAft>
+                  <a:spcPts val="600"/>
+                </a:spcAft>
+              </a:pPr>
+              <a:r>
+                <a:rPr lang="en-US" sz="1400">
+                  <a:effectLst/>
+                  <a:latin typeface="Times New Roman"/>
+                  <a:ea typeface="Times New Roman"/>
+                  <a:cs typeface="Times New Roman"/>
+                </a:rPr>
+                <a:t> </a:t>
+              </a:r>
+              <a:endParaRPr lang="en-US" sz="1400">
+                <a:effectLst/>
+                <a:latin typeface="Times New Roman"/>
+                <a:ea typeface="Calibri"/>
+                <a:cs typeface="Times New Roman"/>
+              </a:endParaRPr>
+            </a:p>
+          </p:txBody>
+        </p:sp>
+        <p:sp>
+          <p:nvSpPr>
+            <p:cNvPr id="31" name="Line 9"/>
+            <p:cNvSpPr>
+              <a:spLocks noChangeShapeType="1"/>
+            </p:cNvSpPr>
+            <p:nvPr/>
+          </p:nvSpPr>
+          <p:spPr bwMode="auto">
+            <a:xfrm flipH="1" flipV="1">
+              <a:off x="5639365" y="2360810"/>
+              <a:ext cx="214" cy="230"/>
+            </a:xfrm>
+            <a:prstGeom prst="line">
+              <a:avLst/>
+            </a:prstGeom>
+            <a:noFill/>
+            <a:ln w="38100">
+              <a:solidFill>
+                <a:schemeClr val="tx1"/>
+              </a:solidFill>
+              <a:round/>
+              <a:headEnd/>
+              <a:tailEnd type="triangle" w="med" len="med"/>
+            </a:ln>
+          </p:spPr>
+          <p:txBody>
+            <a:bodyPr/>
+            <a:lstStyle/>
+            <a:p>
+              <a:pPr indent="457200" algn="just">
+                <a:lnSpc>
+                  <a:spcPct val="150000"/>
+                </a:lnSpc>
+                <a:spcBef>
+                  <a:spcPts val="600"/>
+                </a:spcBef>
+                <a:spcAft>
+                  <a:spcPts val="600"/>
+                </a:spcAft>
+              </a:pPr>
+              <a:r>
+                <a:rPr lang="en-US" sz="1400">
+                  <a:effectLst/>
+                  <a:latin typeface="Times New Roman"/>
+                  <a:ea typeface="Times New Roman"/>
+                  <a:cs typeface="Times New Roman"/>
+                </a:rPr>
+                <a:t> </a:t>
+              </a:r>
+              <a:endParaRPr lang="en-US" sz="1400">
+                <a:effectLst/>
+                <a:latin typeface="Times New Roman"/>
+                <a:ea typeface="Calibri"/>
+                <a:cs typeface="Times New Roman"/>
+              </a:endParaRPr>
+            </a:p>
+          </p:txBody>
+        </p:sp>
+        <p:sp>
+          <p:nvSpPr>
+            <p:cNvPr id="32" name="Line 10"/>
+            <p:cNvSpPr>
+              <a:spLocks noChangeShapeType="1"/>
+            </p:cNvSpPr>
+            <p:nvPr/>
+          </p:nvSpPr>
+          <p:spPr bwMode="auto">
+            <a:xfrm>
+              <a:off x="5639092" y="2361139"/>
+              <a:ext cx="429" cy="0"/>
+            </a:xfrm>
+            <a:prstGeom prst="line">
+              <a:avLst/>
+            </a:prstGeom>
+            <a:noFill/>
+            <a:ln w="38100">
+              <a:solidFill>
+                <a:schemeClr val="tx1"/>
+              </a:solidFill>
+              <a:round/>
+              <a:headEnd type="triangle" w="med" len="med"/>
+              <a:tailEnd type="triangle" w="med" len="med"/>
+            </a:ln>
+          </p:spPr>
+          <p:txBody>
+            <a:bodyPr/>
+            <a:lstStyle/>
+            <a:p>
+              <a:pPr indent="457200" algn="just">
+                <a:lnSpc>
+                  <a:spcPct val="150000"/>
+                </a:lnSpc>
+                <a:spcBef>
+                  <a:spcPts val="600"/>
+                </a:spcBef>
+                <a:spcAft>
+                  <a:spcPts val="600"/>
+                </a:spcAft>
+              </a:pPr>
+              <a:r>
+                <a:rPr lang="en-US" sz="1400">
+                  <a:effectLst/>
+                  <a:latin typeface="Times New Roman"/>
+                  <a:ea typeface="Times New Roman"/>
+                  <a:cs typeface="Times New Roman"/>
+                </a:rPr>
+                <a:t> </a:t>
+              </a:r>
+              <a:endParaRPr lang="en-US" sz="1400">
+                <a:effectLst/>
+                <a:latin typeface="Times New Roman"/>
+                <a:ea typeface="Calibri"/>
+                <a:cs typeface="Times New Roman"/>
+              </a:endParaRPr>
+            </a:p>
+          </p:txBody>
+        </p:sp>
+        <p:sp>
+          <p:nvSpPr>
+            <p:cNvPr id="33" name="Text Box 11"/>
+            <p:cNvSpPr txBox="1">
+              <a:spLocks noChangeArrowheads="1"/>
+            </p:cNvSpPr>
+            <p:nvPr/>
+          </p:nvSpPr>
+          <p:spPr bwMode="auto">
+            <a:xfrm>
+              <a:off x="5638960" y="2360868"/>
+              <a:ext cx="145" cy="66"/>
+            </a:xfrm>
+            <a:prstGeom prst="rect">
+              <a:avLst/>
+            </a:prstGeom>
+            <a:solidFill>
+              <a:schemeClr val="bg1"/>
+            </a:solidFill>
+            <a:ln w="9525">
+              <a:noFill/>
+              <a:miter lim="800000"/>
+              <a:headEnd/>
+              <a:tailEnd/>
+            </a:ln>
+          </p:spPr>
+          <p:txBody>
+            <a:bodyPr lIns="0" tIns="0" rIns="0" bIns="0">
+              <a:spAutoFit/>
+            </a:bodyPr>
+            <a:lstStyle/>
+            <a:p>
+              <a:pPr eaLnBrk="0" fontAlgn="base" hangingPunct="0">
+                <a:spcAft>
+                  <a:spcPts val="0"/>
+                </a:spcAft>
+              </a:pPr>
+              <a:r>
+                <a:rPr lang="en-US" sz="1400" b="1" kern="1200">
+                  <a:solidFill>
+                    <a:srgbClr val="000000"/>
+                  </a:solidFill>
+                  <a:effectLst/>
+                  <a:latin typeface="Comic Sans MS"/>
+                  <a:ea typeface="Times New Roman"/>
+                  <a:cs typeface="Arial"/>
+                </a:rPr>
+                <a:t>Find</a:t>
+              </a:r>
+              <a:endParaRPr lang="en-US" sz="1200">
+                <a:effectLst/>
+                <a:latin typeface="Times New Roman"/>
+                <a:ea typeface="Times New Roman"/>
+              </a:endParaRPr>
+            </a:p>
+          </p:txBody>
+        </p:sp>
+        <p:sp>
+          <p:nvSpPr>
+            <p:cNvPr id="34" name="Text Box 12"/>
+            <p:cNvSpPr txBox="1">
+              <a:spLocks noChangeArrowheads="1"/>
+            </p:cNvSpPr>
+            <p:nvPr/>
+          </p:nvSpPr>
+          <p:spPr bwMode="auto">
+            <a:xfrm>
+              <a:off x="5639505" y="2360868"/>
+              <a:ext cx="234" cy="66"/>
+            </a:xfrm>
+            <a:prstGeom prst="rect">
+              <a:avLst/>
+            </a:prstGeom>
+            <a:solidFill>
+              <a:schemeClr val="bg1"/>
+            </a:solidFill>
+            <a:ln w="9525">
+              <a:noFill/>
+              <a:miter lim="800000"/>
+              <a:headEnd/>
+              <a:tailEnd/>
+            </a:ln>
+          </p:spPr>
+          <p:txBody>
+            <a:bodyPr wrap="none" lIns="0" tIns="0" rIns="0" bIns="0">
+              <a:spAutoFit/>
+            </a:bodyPr>
+            <a:lstStyle/>
+            <a:p>
+              <a:pPr eaLnBrk="0" fontAlgn="base" hangingPunct="0">
+                <a:spcAft>
+                  <a:spcPts val="0"/>
+                </a:spcAft>
+              </a:pPr>
+              <a:r>
+                <a:rPr lang="en-US" sz="1400" b="1" kern="1200">
+                  <a:solidFill>
+                    <a:srgbClr val="000000"/>
+                  </a:solidFill>
+                  <a:effectLst/>
+                  <a:latin typeface="Comic Sans MS"/>
+                  <a:ea typeface="Times New Roman"/>
+                  <a:cs typeface="Arial"/>
+                </a:rPr>
+                <a:t>Register</a:t>
+              </a:r>
+              <a:endParaRPr lang="en-US" sz="1200">
+                <a:effectLst/>
+                <a:latin typeface="Times New Roman"/>
+                <a:ea typeface="Times New Roman"/>
+              </a:endParaRPr>
+            </a:p>
+          </p:txBody>
+        </p:sp>
+      </p:grpSp>
+    </p:spTree>
+    <p:extLst>
+      <p:ext uri="{BB962C8B-B14F-4D97-AF65-F5344CB8AC3E}">
+        <p14:creationId xmlns:p14="http://schemas.microsoft.com/office/powerpoint/2010/main" val="3276369394"/>
+      </p:ext>
+    </p:extLst>
+  </p:cSld>
+  <p:clrMapOvr>
+    <a:masterClrMapping/>
+  </p:clrMapOvr>
+  <p:timing>
+    <p:tnLst>
+      <p:par>
+        <p:cTn id="1" dur="indefinite" restart="never" nodeType="tmRoot"/>
+      </p:par>
+    </p:tnLst>
+  </p:timing>
+</p:sld>
+</file>
+
+<file path=ppt/slides/slide23.xml><?xml version="1.0" encoding="utf-8"?>
+<p:sld xmlns:a="http://schemas.openxmlformats.org/drawingml/2006/main" xmlns:r="http://schemas.openxmlformats.org/officeDocument/2006/relationships" xmlns:p="http://schemas.openxmlformats.org/presentationml/2006/main">
+  <p:cSld>
+    <p:spTree>
+      <p:nvGrpSpPr>
+        <p:cNvPr id="1" name=""/>
+        <p:cNvGrpSpPr/>
+        <p:nvPr/>
+      </p:nvGrpSpPr>
+      <p:grpSpPr>
+        <a:xfrm>
+          <a:off x="0" y="0"/>
+          <a:ext cx="0" cy="0"/>
+          <a:chOff x="0" y="0"/>
+          <a:chExt cx="0" cy="0"/>
+        </a:xfrm>
+      </p:grpSpPr>
+      <p:sp>
+        <p:nvSpPr>
+          <p:cNvPr id="2" name="Slide Number Placeholder 1"/>
+          <p:cNvSpPr>
+            <a:spLocks noGrp="1"/>
+          </p:cNvSpPr>
+          <p:nvPr>
+            <p:ph type="sldNum" sz="quarter" idx="12"/>
+          </p:nvPr>
+        </p:nvSpPr>
+        <p:spPr/>
+        <p:txBody>
+          <a:bodyPr/>
+          <a:lstStyle/>
+          <a:p>
+            <a:fld id="{9DFD9A34-EC64-4F0B-9C9B-2C0A202A050B}" type="slidenum">
+              <a:rPr lang="en-US" smtClean="0"/>
+              <a:pPr/>
+              <a:t>23</a:t>
+            </a:fld>
+            <a:endParaRPr lang="en-US" dirty="0"/>
+          </a:p>
+        </p:txBody>
+      </p:sp>
+      <p:sp>
+        <p:nvSpPr>
+          <p:cNvPr id="3" name="Content Placeholder 2"/>
+          <p:cNvSpPr>
+            <a:spLocks noGrp="1"/>
+          </p:cNvSpPr>
+          <p:nvPr>
+            <p:ph sz="quarter" idx="14"/>
+          </p:nvPr>
+        </p:nvSpPr>
+        <p:spPr>
+          <a:xfrm>
+            <a:off x="779926" y="990600"/>
+            <a:ext cx="10496086" cy="5867400"/>
+          </a:xfrm>
+        </p:spPr>
+        <p:txBody>
+          <a:bodyPr>
+            <a:normAutofit/>
+          </a:bodyPr>
+          <a:lstStyle/>
+          <a:p>
+            <a:pPr lvl="2"/>
+            <a:r>
+              <a:rPr lang="en-US" sz="2800" dirty="0" smtClean="0"/>
+              <a:t>SOA cung cấp khả năng giao tiếp giữa các thành phần trong hệ thống bằng thông điệp (message) dựa trên giao thức đã được chuẩn hóa (HTTP, FTP, SMTP…), chính vì vậy nên hệ thống SOA trở nên độc lập nền tảng (</a:t>
+            </a:r>
+            <a:r>
+              <a:rPr lang="fr-FR" sz="2800" dirty="0" smtClean="0"/>
+              <a:t>platform </a:t>
+            </a:r>
+            <a:r>
+              <a:rPr lang="fr-FR" sz="2800" dirty="0"/>
+              <a:t>independent)</a:t>
+            </a:r>
+            <a:r>
+              <a:rPr lang="vi-VN" sz="2800" dirty="0" smtClean="0"/>
+              <a:t> </a:t>
+            </a:r>
+            <a:endParaRPr lang="en-US" sz="2800" dirty="0" smtClean="0"/>
+          </a:p>
+          <a:p>
+            <a:pPr lvl="2"/>
+            <a:endParaRPr lang="en-US" sz="2800" dirty="0"/>
+          </a:p>
+          <a:p>
+            <a:pPr lvl="2" algn="ctr"/>
+            <a:endParaRPr lang="en-US" sz="2800" dirty="0"/>
+          </a:p>
+          <a:p>
+            <a:pPr lvl="2" algn="ctr"/>
+            <a:r>
+              <a:rPr lang="en-US" sz="2800" dirty="0" smtClean="0"/>
+              <a:t>Message </a:t>
+            </a:r>
+            <a:r>
+              <a:rPr lang="en-US" sz="2800" dirty="0"/>
+              <a:t>được truyền nhận giữa các dịch vụ</a:t>
+            </a:r>
+            <a:endParaRPr lang="en-US" sz="2800" dirty="0"/>
+          </a:p>
+          <a:p>
+            <a:pPr lvl="2"/>
+            <a:endParaRPr lang="en-US" sz="2800" dirty="0" smtClean="0"/>
+          </a:p>
+          <a:p>
+            <a:endParaRPr lang="en-US" dirty="0"/>
+          </a:p>
+        </p:txBody>
+      </p:sp>
+      <p:sp>
+        <p:nvSpPr>
+          <p:cNvPr id="4" name="Title 3"/>
+          <p:cNvSpPr>
+            <a:spLocks noGrp="1"/>
+          </p:cNvSpPr>
+          <p:nvPr>
+            <p:ph type="title"/>
+          </p:nvPr>
+        </p:nvSpPr>
+        <p:spPr/>
+        <p:txBody>
+          <a:bodyPr>
+            <a:normAutofit fontScale="90000"/>
+          </a:bodyPr>
+          <a:lstStyle/>
+          <a:p>
+            <a:r>
+              <a:rPr lang="en-US" dirty="0"/>
+              <a:t>1.2.1 Kiến trúc hướng dịch vụ là gì?</a:t>
+            </a:r>
+            <a:endParaRPr lang="en-US" dirty="0"/>
+          </a:p>
+        </p:txBody>
+      </p:sp>
+      <p:pic>
+        <p:nvPicPr>
+          <p:cNvPr id="5" name="Picture 4"/>
+          <p:cNvPicPr/>
+          <p:nvPr/>
+        </p:nvPicPr>
+        <p:blipFill>
+          <a:blip r:embed="rId2">
+            <a:extLst>
+              <a:ext uri="{28A0092B-C50C-407E-A947-70E740481C1C}">
+                <a14:useLocalDpi xmlns:a14="http://schemas.microsoft.com/office/drawing/2010/main" val="0"/>
+              </a:ext>
+            </a:extLst>
+          </a:blip>
+          <a:srcRect l="1901" t="13625" r="26904" b="45044"/>
+          <a:stretch>
+            <a:fillRect/>
+          </a:stretch>
+        </p:blipFill>
+        <p:spPr bwMode="auto">
+          <a:xfrm>
+            <a:off x="3046412" y="3810000"/>
+            <a:ext cx="6248400" cy="1524000"/>
+          </a:xfrm>
+          <a:prstGeom prst="rect">
+            <a:avLst/>
+          </a:prstGeom>
+          <a:noFill/>
+          <a:ln>
+            <a:noFill/>
+          </a:ln>
+        </p:spPr>
+      </p:pic>
+    </p:spTree>
+    <p:extLst>
+      <p:ext uri="{BB962C8B-B14F-4D97-AF65-F5344CB8AC3E}">
+        <p14:creationId xmlns:p14="http://schemas.microsoft.com/office/powerpoint/2010/main" val="753912852"/>
+      </p:ext>
+    </p:extLst>
+  </p:cSld>
+  <p:clrMapOvr>
+    <a:masterClrMapping/>
+  </p:clrMapOvr>
+  <p:timing>
+    <p:tnLst>
+      <p:par>
+        <p:cTn id="1" dur="indefinite" restart="never" nodeType="tmRoot"/>
+      </p:par>
+    </p:tnLst>
+  </p:timing>
+</p:sld>
+</file>
+
+<file path=ppt/slides/slide24.xml><?xml version="1.0" encoding="utf-8"?>
+<p:sld xmlns:a="http://schemas.openxmlformats.org/drawingml/2006/main" xmlns:r="http://schemas.openxmlformats.org/officeDocument/2006/relationships" xmlns:p="http://schemas.openxmlformats.org/presentationml/2006/main">
+  <p:cSld>
+    <p:spTree>
+      <p:nvGrpSpPr>
+        <p:cNvPr id="1" name=""/>
+        <p:cNvGrpSpPr/>
+        <p:nvPr/>
+      </p:nvGrpSpPr>
+      <p:grpSpPr>
+        <a:xfrm>
+          <a:off x="0" y="0"/>
+          <a:ext cx="0" cy="0"/>
+          <a:chOff x="0" y="0"/>
+          <a:chExt cx="0" cy="0"/>
+        </a:xfrm>
+      </p:grpSpPr>
+      <p:sp>
+        <p:nvSpPr>
+          <p:cNvPr id="2" name="Slide Number Placeholder 1"/>
+          <p:cNvSpPr>
+            <a:spLocks noGrp="1"/>
+          </p:cNvSpPr>
+          <p:nvPr>
+            <p:ph type="sldNum" sz="quarter" idx="12"/>
+          </p:nvPr>
+        </p:nvSpPr>
+        <p:spPr/>
+        <p:txBody>
+          <a:bodyPr/>
+          <a:lstStyle/>
+          <a:p>
+            <a:fld id="{9DFD9A34-EC64-4F0B-9C9B-2C0A202A050B}" type="slidenum">
+              <a:rPr lang="en-US" smtClean="0"/>
+              <a:pPr/>
+              <a:t>24</a:t>
+            </a:fld>
+            <a:endParaRPr lang="en-US" dirty="0"/>
+          </a:p>
+        </p:txBody>
+      </p:sp>
+      <p:sp>
+        <p:nvSpPr>
+          <p:cNvPr id="3" name="Content Placeholder 2"/>
+          <p:cNvSpPr>
+            <a:spLocks noGrp="1"/>
+          </p:cNvSpPr>
+          <p:nvPr>
+            <p:ph sz="quarter" idx="14"/>
+          </p:nvPr>
+        </p:nvSpPr>
+        <p:spPr>
+          <a:xfrm>
+            <a:off x="779926" y="990600"/>
+            <a:ext cx="10496086" cy="5867400"/>
+          </a:xfrm>
+        </p:spPr>
+        <p:txBody>
+          <a:bodyPr>
+            <a:normAutofit/>
+          </a:bodyPr>
+          <a:lstStyle/>
+          <a:p>
+            <a:pPr lvl="2"/>
+            <a:r>
+              <a:rPr lang="en-US" sz="2800" dirty="0" smtClean="0"/>
+              <a:t>Sự phân định rạch ròi giữa các dịch vụ</a:t>
+            </a:r>
+          </a:p>
+          <a:p>
+            <a:pPr lvl="2"/>
+            <a:r>
+              <a:rPr lang="en-US" sz="2800" dirty="0" smtClean="0"/>
+              <a:t>Các dịch vụ tự hoạt động</a:t>
+            </a:r>
+          </a:p>
+          <a:p>
+            <a:pPr lvl="2"/>
+            <a:r>
+              <a:rPr lang="en-US" sz="2800" dirty="0" smtClean="0"/>
+              <a:t>Các dịch vụ chia sẻ lược đồ</a:t>
+            </a:r>
+          </a:p>
+          <a:p>
+            <a:pPr lvl="2"/>
+            <a:r>
+              <a:rPr lang="en-US" sz="2800" dirty="0"/>
+              <a:t>Tính tương thích của các dịch vụ dựa trên chính sách</a:t>
+            </a:r>
+          </a:p>
+          <a:p>
+            <a:pPr lvl="2"/>
+            <a:endParaRPr lang="en-US" sz="2800" dirty="0"/>
+          </a:p>
+          <a:p>
+            <a:pPr lvl="2"/>
+            <a:endParaRPr lang="en-US" sz="2800" dirty="0" smtClean="0"/>
+          </a:p>
+          <a:p>
+            <a:endParaRPr lang="en-US" dirty="0"/>
+          </a:p>
+        </p:txBody>
+      </p:sp>
+      <p:sp>
+        <p:nvSpPr>
+          <p:cNvPr id="4" name="Title 3"/>
+          <p:cNvSpPr>
+            <a:spLocks noGrp="1"/>
+          </p:cNvSpPr>
+          <p:nvPr>
+            <p:ph type="title"/>
+          </p:nvPr>
+        </p:nvSpPr>
+        <p:spPr/>
+        <p:txBody>
+          <a:bodyPr>
+            <a:normAutofit fontScale="90000"/>
+          </a:bodyPr>
+          <a:lstStyle/>
+          <a:p>
+            <a:r>
+              <a:rPr lang="en-US" dirty="0" smtClean="0"/>
+              <a:t>1.2.2  Những nguyên tắc chính của hệ thống SOA</a:t>
+            </a:r>
+            <a:endParaRPr lang="en-US" dirty="0"/>
+          </a:p>
+        </p:txBody>
+      </p:sp>
+    </p:spTree>
+    <p:extLst>
+      <p:ext uri="{BB962C8B-B14F-4D97-AF65-F5344CB8AC3E}">
+        <p14:creationId xmlns:p14="http://schemas.microsoft.com/office/powerpoint/2010/main" val="2621182055"/>
+      </p:ext>
+    </p:extLst>
+  </p:cSld>
+  <p:clrMapOvr>
+    <a:masterClrMapping/>
+  </p:clrMapOvr>
+  <p:timing>
+    <p:tnLst>
+      <p:par>
+        <p:cTn id="1" dur="indefinite" restart="never" nodeType="tmRoot"/>
+      </p:par>
+    </p:tnLst>
+  </p:timing>
+</p:sld>
+</file>
+
+<file path=ppt/slides/slide25.xml><?xml version="1.0" encoding="utf-8"?>
+<p:sld xmlns:a="http://schemas.openxmlformats.org/drawingml/2006/main" xmlns:r="http://schemas.openxmlformats.org/officeDocument/2006/relationships" xmlns:p="http://schemas.openxmlformats.org/presentationml/2006/main">
+  <p:cSld>
+    <p:spTree>
+      <p:nvGrpSpPr>
+        <p:cNvPr id="1" name=""/>
+        <p:cNvGrpSpPr/>
+        <p:nvPr/>
+      </p:nvGrpSpPr>
+      <p:grpSpPr>
+        <a:xfrm>
+          <a:off x="0" y="0"/>
+          <a:ext cx="0" cy="0"/>
+          <a:chOff x="0" y="0"/>
+          <a:chExt cx="0" cy="0"/>
+        </a:xfrm>
+      </p:grpSpPr>
+      <p:sp>
+        <p:nvSpPr>
+          <p:cNvPr id="2" name="Slide Number Placeholder 1"/>
+          <p:cNvSpPr>
+            <a:spLocks noGrp="1"/>
+          </p:cNvSpPr>
+          <p:nvPr>
+            <p:ph type="sldNum" sz="quarter" idx="12"/>
+          </p:nvPr>
+        </p:nvSpPr>
+        <p:spPr/>
+        <p:txBody>
+          <a:bodyPr/>
+          <a:lstStyle/>
+          <a:p>
+            <a:fld id="{9DFD9A34-EC64-4F0B-9C9B-2C0A202A050B}" type="slidenum">
+              <a:rPr lang="en-US" smtClean="0"/>
+              <a:pPr/>
+              <a:t>25</a:t>
+            </a:fld>
+            <a:endParaRPr lang="en-US" dirty="0"/>
+          </a:p>
+        </p:txBody>
+      </p:sp>
+      <p:sp>
+        <p:nvSpPr>
+          <p:cNvPr id="3" name="Content Placeholder 2"/>
+          <p:cNvSpPr>
+            <a:spLocks noGrp="1"/>
+          </p:cNvSpPr>
+          <p:nvPr>
+            <p:ph sz="quarter" idx="14"/>
+          </p:nvPr>
+        </p:nvSpPr>
+        <p:spPr>
+          <a:xfrm>
+            <a:off x="779926" y="990600"/>
+            <a:ext cx="10496086" cy="5867400"/>
+          </a:xfrm>
+        </p:spPr>
+        <p:txBody>
+          <a:bodyPr>
+            <a:normAutofit/>
+          </a:bodyPr>
+          <a:lstStyle/>
+          <a:p>
+            <a:pPr lvl="2"/>
+            <a:r>
+              <a:rPr lang="en-US" sz="2800" dirty="0" smtClean="0"/>
+              <a:t>Kết nối lõng lẽo</a:t>
+            </a:r>
+          </a:p>
+          <a:p>
+            <a:pPr lvl="2"/>
+            <a:r>
+              <a:rPr lang="en-US" sz="2800" dirty="0" smtClean="0"/>
+              <a:t>Tái sử dụng dịch vụ</a:t>
+            </a:r>
+          </a:p>
+          <a:p>
+            <a:pPr lvl="2"/>
+            <a:r>
+              <a:rPr lang="en-US" sz="2800" dirty="0" smtClean="0"/>
+              <a:t>Quản lý chính sách</a:t>
+            </a:r>
+          </a:p>
+          <a:p>
+            <a:pPr lvl="2"/>
+            <a:r>
+              <a:rPr lang="en-US" sz="2800" dirty="0" smtClean="0"/>
+              <a:t>Tự động dò tìm và ràng buộc động</a:t>
+            </a:r>
+          </a:p>
+          <a:p>
+            <a:pPr lvl="2"/>
+            <a:r>
+              <a:rPr lang="en-US" sz="2800" dirty="0" smtClean="0"/>
+              <a:t>Khả năng tự phục hồi</a:t>
+            </a:r>
+          </a:p>
+          <a:p>
+            <a:pPr lvl="2"/>
+            <a:r>
+              <a:rPr lang="en-US" sz="2800" dirty="0" smtClean="0"/>
+              <a:t>Khả năng cộng tác</a:t>
+            </a:r>
+          </a:p>
+          <a:p>
+            <a:pPr lvl="2"/>
+            <a:endParaRPr lang="en-US" sz="2800" dirty="0"/>
+          </a:p>
+          <a:p>
+            <a:pPr lvl="2"/>
+            <a:endParaRPr lang="en-US" sz="2800" dirty="0"/>
+          </a:p>
+          <a:p>
+            <a:pPr lvl="2"/>
+            <a:endParaRPr lang="en-US" sz="2800" dirty="0" smtClean="0"/>
+          </a:p>
+          <a:p>
+            <a:endParaRPr lang="en-US" dirty="0"/>
+          </a:p>
+        </p:txBody>
+      </p:sp>
+      <p:sp>
+        <p:nvSpPr>
+          <p:cNvPr id="4" name="Title 3"/>
+          <p:cNvSpPr>
+            <a:spLocks noGrp="1"/>
+          </p:cNvSpPr>
+          <p:nvPr>
+            <p:ph type="title"/>
+          </p:nvPr>
+        </p:nvSpPr>
+        <p:spPr/>
+        <p:txBody>
+          <a:bodyPr>
+            <a:normAutofit fontScale="90000"/>
+          </a:bodyPr>
+          <a:lstStyle/>
+          <a:p>
+            <a:r>
+              <a:rPr lang="en-US" dirty="0" smtClean="0"/>
+              <a:t>1.2.3  Các tính chất của một hệ thống SOA</a:t>
+            </a:r>
+            <a:endParaRPr lang="en-US" dirty="0"/>
+          </a:p>
+        </p:txBody>
+      </p:sp>
+    </p:spTree>
+    <p:extLst>
+      <p:ext uri="{BB962C8B-B14F-4D97-AF65-F5344CB8AC3E}">
+        <p14:creationId xmlns:p14="http://schemas.microsoft.com/office/powerpoint/2010/main" val="1562688393"/>
+      </p:ext>
+    </p:extLst>
+  </p:cSld>
+  <p:clrMapOvr>
+    <a:masterClrMapping/>
+  </p:clrMapOvr>
+  <p:timing>
+    <p:tnLst>
+      <p:par>
+        <p:cTn id="1" dur="indefinite" restart="never" nodeType="tmRoot"/>
+      </p:par>
+    </p:tnLst>
+  </p:timing>
+</p:sld>
+</file>
+
+<file path=ppt/slides/slide26.xml><?xml version="1.0" encoding="utf-8"?>
+<p:sld xmlns:a="http://schemas.openxmlformats.org/drawingml/2006/main" xmlns:r="http://schemas.openxmlformats.org/officeDocument/2006/relationships" xmlns:p="http://schemas.openxmlformats.org/presentationml/2006/main">
+  <p:cSld>
+    <p:spTree>
+      <p:nvGrpSpPr>
+        <p:cNvPr id="1" name=""/>
+        <p:cNvGrpSpPr/>
+        <p:nvPr/>
+      </p:nvGrpSpPr>
+      <p:grpSpPr>
+        <a:xfrm>
+          <a:off x="0" y="0"/>
+          <a:ext cx="0" cy="0"/>
+          <a:chOff x="0" y="0"/>
+          <a:chExt cx="0" cy="0"/>
+        </a:xfrm>
+      </p:grpSpPr>
+      <p:sp>
+        <p:nvSpPr>
+          <p:cNvPr id="2" name="Slide Number Placeholder 1"/>
+          <p:cNvSpPr>
+            <a:spLocks noGrp="1"/>
+          </p:cNvSpPr>
+          <p:nvPr>
+            <p:ph type="sldNum" sz="quarter" idx="12"/>
+          </p:nvPr>
+        </p:nvSpPr>
+        <p:spPr/>
+        <p:txBody>
+          <a:bodyPr/>
+          <a:lstStyle/>
+          <a:p>
+            <a:fld id="{9DFD9A34-EC64-4F0B-9C9B-2C0A202A050B}" type="slidenum">
+              <a:rPr lang="en-US" smtClean="0"/>
+              <a:pPr/>
+              <a:t>26</a:t>
+            </a:fld>
+            <a:endParaRPr lang="en-US" dirty="0"/>
+          </a:p>
+        </p:txBody>
+      </p:sp>
+      <p:sp>
+        <p:nvSpPr>
+          <p:cNvPr id="3" name="Content Placeholder 2"/>
+          <p:cNvSpPr>
+            <a:spLocks noGrp="1"/>
+          </p:cNvSpPr>
+          <p:nvPr>
+            <p:ph sz="quarter" idx="14"/>
+          </p:nvPr>
+        </p:nvSpPr>
+        <p:spPr>
+          <a:xfrm>
+            <a:off x="779926" y="990600"/>
+            <a:ext cx="10496086" cy="5867400"/>
+          </a:xfrm>
+        </p:spPr>
+        <p:txBody>
+          <a:bodyPr>
+            <a:normAutofit/>
+          </a:bodyPr>
+          <a:lstStyle/>
+          <a:p>
+            <a:pPr lvl="2"/>
+            <a:endParaRPr lang="en-US" sz="2800" dirty="0"/>
+          </a:p>
+          <a:p>
+            <a:pPr lvl="2"/>
+            <a:endParaRPr lang="en-US" sz="2800" dirty="0"/>
+          </a:p>
+          <a:p>
+            <a:pPr lvl="2"/>
+            <a:endParaRPr lang="en-US" sz="2800" dirty="0" smtClean="0"/>
+          </a:p>
+          <a:p>
+            <a:endParaRPr lang="en-US" dirty="0"/>
+          </a:p>
+        </p:txBody>
+      </p:sp>
+      <p:sp>
+        <p:nvSpPr>
+          <p:cNvPr id="4" name="Title 3"/>
+          <p:cNvSpPr>
+            <a:spLocks noGrp="1"/>
+          </p:cNvSpPr>
+          <p:nvPr>
+            <p:ph type="title"/>
+          </p:nvPr>
+        </p:nvSpPr>
+        <p:spPr/>
+        <p:txBody>
+          <a:bodyPr>
+            <a:normAutofit fontScale="90000"/>
+          </a:bodyPr>
+          <a:lstStyle/>
+          <a:p>
+            <a:r>
+              <a:rPr lang="en-US" dirty="0" smtClean="0"/>
+              <a:t>1.2.4  Kiến trúc phân tầng chi tiết của SOA</a:t>
+            </a:r>
+            <a:endParaRPr lang="en-US" dirty="0"/>
+          </a:p>
+        </p:txBody>
+      </p:sp>
+      <p:pic>
+        <p:nvPicPr>
+          <p:cNvPr id="5" name="Picture 4"/>
+          <p:cNvPicPr/>
+          <p:nvPr/>
+        </p:nvPicPr>
+        <p:blipFill>
+          <a:blip r:embed="rId2">
+            <a:extLst>
+              <a:ext uri="{28A0092B-C50C-407E-A947-70E740481C1C}">
+                <a14:useLocalDpi xmlns:a14="http://schemas.microsoft.com/office/drawing/2010/main" val="0"/>
+              </a:ext>
+            </a:extLst>
+          </a:blip>
+          <a:srcRect/>
+          <a:stretch>
+            <a:fillRect/>
+          </a:stretch>
+        </p:blipFill>
+        <p:spPr bwMode="auto">
+          <a:xfrm>
+            <a:off x="836612" y="1066800"/>
+            <a:ext cx="10744200" cy="5029200"/>
+          </a:xfrm>
+          <a:prstGeom prst="rect">
+            <a:avLst/>
+          </a:prstGeom>
+          <a:noFill/>
+          <a:ln>
+            <a:noFill/>
+          </a:ln>
+        </p:spPr>
+      </p:pic>
+    </p:spTree>
+    <p:extLst>
+      <p:ext uri="{BB962C8B-B14F-4D97-AF65-F5344CB8AC3E}">
+        <p14:creationId xmlns:p14="http://schemas.microsoft.com/office/powerpoint/2010/main" val="3972808061"/>
+      </p:ext>
+    </p:extLst>
+  </p:cSld>
+  <p:clrMapOvr>
+    <a:masterClrMapping/>
+  </p:clrMapOvr>
+  <p:timing>
+    <p:tnLst>
+      <p:par>
+        <p:cTn id="1" dur="indefinite" restart="never" nodeType="tmRoot"/>
+      </p:par>
+    </p:tnLst>
+  </p:timing>
+</p:sld>
+</file>
+
+<file path=ppt/slides/slide27.xml><?xml version="1.0" encoding="utf-8"?>
+<p:sld xmlns:a="http://schemas.openxmlformats.org/drawingml/2006/main" xmlns:r="http://schemas.openxmlformats.org/officeDocument/2006/relationships" xmlns:p="http://schemas.openxmlformats.org/presentationml/2006/main">
+  <p:cSld>
+    <p:spTree>
+      <p:nvGrpSpPr>
+        <p:cNvPr id="1" name=""/>
+        <p:cNvGrpSpPr/>
+        <p:nvPr/>
+      </p:nvGrpSpPr>
+      <p:grpSpPr>
+        <a:xfrm>
+          <a:off x="0" y="0"/>
+          <a:ext cx="0" cy="0"/>
+          <a:chOff x="0" y="0"/>
+          <a:chExt cx="0" cy="0"/>
+        </a:xfrm>
+      </p:grpSpPr>
+      <p:sp>
+        <p:nvSpPr>
+          <p:cNvPr id="2" name="Slide Number Placeholder 1"/>
+          <p:cNvSpPr>
+            <a:spLocks noGrp="1"/>
+          </p:cNvSpPr>
+          <p:nvPr>
+            <p:ph type="sldNum" sz="quarter" idx="12"/>
+          </p:nvPr>
+        </p:nvSpPr>
+        <p:spPr/>
+        <p:txBody>
+          <a:bodyPr/>
+          <a:lstStyle/>
+          <a:p>
+            <a:fld id="{9DFD9A34-EC64-4F0B-9C9B-2C0A202A050B}" type="slidenum">
+              <a:rPr lang="en-US" smtClean="0"/>
+              <a:pPr/>
+              <a:t>27</a:t>
+            </a:fld>
+            <a:endParaRPr lang="en-US" dirty="0"/>
+          </a:p>
+        </p:txBody>
+      </p:sp>
+      <p:sp>
+        <p:nvSpPr>
+          <p:cNvPr id="3" name="Content Placeholder 2"/>
+          <p:cNvSpPr>
+            <a:spLocks noGrp="1"/>
+          </p:cNvSpPr>
+          <p:nvPr>
+            <p:ph sz="quarter" idx="14"/>
+          </p:nvPr>
+        </p:nvSpPr>
+        <p:spPr>
+          <a:xfrm>
+            <a:off x="779926" y="990600"/>
+            <a:ext cx="10496086" cy="5867400"/>
+          </a:xfrm>
+        </p:spPr>
+        <p:txBody>
+          <a:bodyPr>
+            <a:normAutofit/>
+          </a:bodyPr>
+          <a:lstStyle/>
+          <a:p>
+            <a:pPr lvl="2"/>
+            <a:r>
+              <a:rPr lang="en-US" sz="2800" dirty="0" smtClean="0"/>
+              <a:t>Hiện nay chưa có một quy trình cụ thể để phát triển các ứng dụng theo kiến trúc hướng dịch vụ (SOA). Ta có thể tham khảo 12 bước trong quy trình như sau:</a:t>
+            </a:r>
+          </a:p>
+          <a:p>
+            <a:pPr marL="457200" lvl="0" indent="-457200">
+              <a:buFont typeface="+mj-lt"/>
+              <a:buAutoNum type="arabicPeriod"/>
+            </a:pPr>
+            <a:r>
+              <a:rPr lang="en-US" sz="2800" b="0" dirty="0"/>
+              <a:t>Hiểu nghiệp vụ</a:t>
+            </a:r>
+          </a:p>
+          <a:p>
+            <a:pPr marL="457200" lvl="0" indent="-457200">
+              <a:buFont typeface="+mj-lt"/>
+              <a:buAutoNum type="arabicPeriod"/>
+            </a:pPr>
+            <a:r>
+              <a:rPr lang="en-US" sz="2800" b="0" dirty="0"/>
+              <a:t>Xác định phạm vi (miền) của vấn đề</a:t>
+            </a:r>
+          </a:p>
+          <a:p>
+            <a:pPr marL="457200" lvl="0" indent="-457200">
+              <a:buFont typeface="+mj-lt"/>
+              <a:buAutoNum type="arabicPeriod"/>
+            </a:pPr>
+            <a:r>
+              <a:rPr lang="en-US" sz="2800" b="0" dirty="0"/>
+              <a:t>Hiểu tất cả các ngữ nghĩa ứng dụng trong miền đó</a:t>
+            </a:r>
+          </a:p>
+          <a:p>
+            <a:pPr marL="457200" lvl="0" indent="-457200">
+              <a:buFont typeface="+mj-lt"/>
+              <a:buAutoNum type="arabicPeriod"/>
+            </a:pPr>
+            <a:r>
+              <a:rPr lang="en-US" sz="2800" b="0" dirty="0"/>
+              <a:t>Hiểu tất cả các dịch vụ hiện có trong miền</a:t>
+            </a:r>
+          </a:p>
+          <a:p>
+            <a:pPr lvl="2"/>
+            <a:endParaRPr lang="en-US" sz="2800" dirty="0" smtClean="0"/>
+          </a:p>
+          <a:p>
+            <a:pPr lvl="2"/>
+            <a:endParaRPr lang="en-US" sz="2800" dirty="0"/>
+          </a:p>
+          <a:p>
+            <a:pPr lvl="2"/>
+            <a:endParaRPr lang="en-US" sz="2800" dirty="0"/>
+          </a:p>
+          <a:p>
+            <a:pPr lvl="2"/>
+            <a:endParaRPr lang="en-US" sz="2800" dirty="0" smtClean="0"/>
+          </a:p>
+          <a:p>
+            <a:endParaRPr lang="en-US" dirty="0"/>
+          </a:p>
+        </p:txBody>
+      </p:sp>
+      <p:sp>
+        <p:nvSpPr>
+          <p:cNvPr id="4" name="Title 3"/>
+          <p:cNvSpPr>
+            <a:spLocks noGrp="1"/>
+          </p:cNvSpPr>
+          <p:nvPr>
+            <p:ph type="title"/>
+          </p:nvPr>
+        </p:nvSpPr>
+        <p:spPr/>
+        <p:txBody>
+          <a:bodyPr>
+            <a:normAutofit fontScale="90000"/>
+          </a:bodyPr>
+          <a:lstStyle/>
+          <a:p>
+            <a:r>
+              <a:rPr lang="en-US" dirty="0" smtClean="0"/>
+              <a:t>1.3  Quy trình xây dựng SOA</a:t>
+            </a:r>
+            <a:endParaRPr lang="en-US" dirty="0"/>
+          </a:p>
+        </p:txBody>
+      </p:sp>
+    </p:spTree>
+    <p:extLst>
+      <p:ext uri="{BB962C8B-B14F-4D97-AF65-F5344CB8AC3E}">
+        <p14:creationId xmlns:p14="http://schemas.microsoft.com/office/powerpoint/2010/main" val="3720272366"/>
+      </p:ext>
+    </p:extLst>
+  </p:cSld>
+  <p:clrMapOvr>
+    <a:masterClrMapping/>
+  </p:clrMapOvr>
+  <p:timing>
+    <p:tnLst>
+      <p:par>
+        <p:cTn id="1" dur="indefinite" restart="never" nodeType="tmRoot"/>
+      </p:par>
+    </p:tnLst>
+  </p:timing>
+</p:sld>
+</file>
+
+<file path=ppt/slides/slide28.xml><?xml version="1.0" encoding="utf-8"?>
+<p:sld xmlns:a="http://schemas.openxmlformats.org/drawingml/2006/main" xmlns:r="http://schemas.openxmlformats.org/officeDocument/2006/relationships" xmlns:p="http://schemas.openxmlformats.org/presentationml/2006/main">
+  <p:cSld>
+    <p:spTree>
+      <p:nvGrpSpPr>
+        <p:cNvPr id="1" name=""/>
+        <p:cNvGrpSpPr/>
+        <p:nvPr/>
+      </p:nvGrpSpPr>
+      <p:grpSpPr>
+        <a:xfrm>
+          <a:off x="0" y="0"/>
+          <a:ext cx="0" cy="0"/>
+          <a:chOff x="0" y="0"/>
+          <a:chExt cx="0" cy="0"/>
+        </a:xfrm>
+      </p:grpSpPr>
+      <p:sp>
+        <p:nvSpPr>
+          <p:cNvPr id="2" name="Slide Number Placeholder 1"/>
+          <p:cNvSpPr>
+            <a:spLocks noGrp="1"/>
+          </p:cNvSpPr>
+          <p:nvPr>
+            <p:ph type="sldNum" sz="quarter" idx="12"/>
+          </p:nvPr>
+        </p:nvSpPr>
+        <p:spPr/>
+        <p:txBody>
+          <a:bodyPr/>
+          <a:lstStyle/>
+          <a:p>
+            <a:fld id="{9DFD9A34-EC64-4F0B-9C9B-2C0A202A050B}" type="slidenum">
+              <a:rPr lang="en-US" smtClean="0"/>
+              <a:pPr/>
+              <a:t>28</a:t>
+            </a:fld>
+            <a:endParaRPr lang="en-US" dirty="0"/>
+          </a:p>
+        </p:txBody>
+      </p:sp>
+      <p:sp>
+        <p:nvSpPr>
+          <p:cNvPr id="3" name="Content Placeholder 2"/>
+          <p:cNvSpPr>
+            <a:spLocks noGrp="1"/>
+          </p:cNvSpPr>
+          <p:nvPr>
+            <p:ph sz="quarter" idx="14"/>
+          </p:nvPr>
+        </p:nvSpPr>
+        <p:spPr>
+          <a:xfrm>
+            <a:off x="779926" y="990600"/>
+            <a:ext cx="10496086" cy="5867400"/>
+          </a:xfrm>
+        </p:spPr>
+        <p:txBody>
+          <a:bodyPr>
+            <a:normAutofit lnSpcReduction="10000"/>
+          </a:bodyPr>
+          <a:lstStyle/>
+          <a:p>
+            <a:pPr marL="457200" lvl="0" indent="-457200">
+              <a:buFont typeface="+mj-lt"/>
+              <a:buAutoNum type="arabicPeriod" startAt="5"/>
+            </a:pPr>
+            <a:r>
+              <a:rPr lang="en-US" b="0" dirty="0"/>
+              <a:t>Hiểu tất cả các nguồn và đích của thông tin có trong miền</a:t>
+            </a:r>
+          </a:p>
+          <a:p>
+            <a:pPr marL="457200" lvl="0" indent="-457200">
+              <a:buFont typeface="+mj-lt"/>
+              <a:buAutoNum type="arabicPeriod" startAt="5"/>
+            </a:pPr>
+            <a:r>
+              <a:rPr lang="en-US" b="0" dirty="0"/>
+              <a:t>Hiểu tất cả các quy trình trong miền</a:t>
+            </a:r>
+          </a:p>
+          <a:p>
+            <a:pPr marL="457200" lvl="0" indent="-457200">
+              <a:buFont typeface="+mj-lt"/>
+              <a:buAutoNum type="arabicPeriod" startAt="5"/>
+            </a:pPr>
+            <a:r>
+              <a:rPr lang="en-US" b="0" dirty="0"/>
+              <a:t>Xác định và phân loại tất cả các giao diện bên ngoài miền cần thiết cho việc xây dựng ứng dụng (các dịch vụ và thông tin)</a:t>
+            </a:r>
+          </a:p>
+          <a:p>
+            <a:pPr marL="457200" lvl="0" indent="-457200">
+              <a:buFont typeface="+mj-lt"/>
+              <a:buAutoNum type="arabicPeriod" startAt="5"/>
+            </a:pPr>
+            <a:r>
+              <a:rPr lang="en-US" b="0" dirty="0"/>
+              <a:t>Định nghĩa các dịch vụ mới và các ràng buộc thông tin của các dịch vụ đó.</a:t>
+            </a:r>
+          </a:p>
+          <a:p>
+            <a:pPr marL="457200" lvl="0" indent="-457200">
+              <a:buFont typeface="+mj-lt"/>
+              <a:buAutoNum type="arabicPeriod" startAt="5"/>
+            </a:pPr>
+            <a:r>
+              <a:rPr lang="en-US" b="0" dirty="0"/>
+              <a:t>Định nghĩa các quy trình mới, cũng như các dịch vụ và ràng buộc thông tin cho các quy trình này.</a:t>
+            </a:r>
+          </a:p>
+          <a:p>
+            <a:pPr marL="457200" lvl="0" indent="-457200">
+              <a:buFont typeface="+mj-lt"/>
+              <a:buAutoNum type="arabicPeriod" startAt="5"/>
+            </a:pPr>
+            <a:r>
+              <a:rPr lang="en-US" b="0" dirty="0"/>
+              <a:t>Lựa chọn tập công nghệ.</a:t>
+            </a:r>
+          </a:p>
+          <a:p>
+            <a:pPr marL="457200" lvl="0" indent="-457200">
+              <a:buFont typeface="+mj-lt"/>
+              <a:buAutoNum type="arabicPeriod" startAt="5"/>
+            </a:pPr>
+            <a:r>
+              <a:rPr lang="en-US" b="0" dirty="0"/>
+              <a:t>Triển khai công nghệ SOA.</a:t>
+            </a:r>
+          </a:p>
+          <a:p>
+            <a:pPr marL="457200" lvl="0" indent="-457200">
+              <a:buFont typeface="+mj-lt"/>
+              <a:buAutoNum type="arabicPeriod" startAt="5"/>
+            </a:pPr>
+            <a:r>
+              <a:rPr lang="en-US" b="0" dirty="0"/>
+              <a:t>Kiểm thử và đánh giá.</a:t>
+            </a:r>
+          </a:p>
+          <a:p>
+            <a:pPr marL="457200" lvl="0" indent="-457200">
+              <a:buFont typeface="+mj-lt"/>
+              <a:buAutoNum type="arabicPeriod" startAt="5"/>
+            </a:pPr>
+            <a:endParaRPr lang="en-US" sz="2800" b="0" dirty="0"/>
+          </a:p>
+          <a:p>
+            <a:pPr lvl="2"/>
+            <a:endParaRPr lang="en-US" sz="2800" dirty="0" smtClean="0"/>
+          </a:p>
+          <a:p>
+            <a:pPr lvl="2"/>
+            <a:endParaRPr lang="en-US" sz="2800" dirty="0"/>
+          </a:p>
+          <a:p>
+            <a:pPr lvl="2"/>
+            <a:endParaRPr lang="en-US" sz="2800" dirty="0"/>
+          </a:p>
+          <a:p>
+            <a:pPr lvl="2"/>
+            <a:endParaRPr lang="en-US" sz="2800" dirty="0" smtClean="0"/>
+          </a:p>
+          <a:p>
+            <a:endParaRPr lang="en-US" dirty="0"/>
+          </a:p>
+        </p:txBody>
+      </p:sp>
+      <p:sp>
+        <p:nvSpPr>
+          <p:cNvPr id="4" name="Title 3"/>
+          <p:cNvSpPr>
+            <a:spLocks noGrp="1"/>
+          </p:cNvSpPr>
+          <p:nvPr>
+            <p:ph type="title"/>
+          </p:nvPr>
+        </p:nvSpPr>
+        <p:spPr/>
+        <p:txBody>
+          <a:bodyPr>
+            <a:normAutofit fontScale="90000"/>
+          </a:bodyPr>
+          <a:lstStyle/>
+          <a:p>
+            <a:r>
+              <a:rPr lang="en-US" smtClean="0"/>
+              <a:t>1.3  Quy trình xây dựng SOA</a:t>
+            </a:r>
+            <a:endParaRPr lang="en-US" dirty="0"/>
+          </a:p>
+        </p:txBody>
+      </p:sp>
+    </p:spTree>
+    <p:extLst>
+      <p:ext uri="{BB962C8B-B14F-4D97-AF65-F5344CB8AC3E}">
+        <p14:creationId xmlns:p14="http://schemas.microsoft.com/office/powerpoint/2010/main" val="1325131155"/>
+      </p:ext>
+    </p:extLst>
+  </p:cSld>
+  <p:clrMapOvr>
+    <a:masterClrMapping/>
+  </p:clrMapOvr>
+  <p:timing>
+    <p:tnLst>
+      <p:par>
+        <p:cTn id="1" dur="indefinite" restart="never" nodeType="tmRoot"/>
+      </p:par>
+    </p:tnLst>
+  </p:timing>
+</p:sld>
+</file>
+
+<file path=ppt/slides/slide29.xml><?xml version="1.0" encoding="utf-8"?>
+<p:sld xmlns:a="http://schemas.openxmlformats.org/drawingml/2006/main" xmlns:r="http://schemas.openxmlformats.org/officeDocument/2006/relationships" xmlns:p="http://schemas.openxmlformats.org/presentationml/2006/main">
+  <p:cSld>
+    <p:spTree>
+      <p:nvGrpSpPr>
+        <p:cNvPr id="1" name=""/>
+        <p:cNvGrpSpPr/>
+        <p:nvPr/>
+      </p:nvGrpSpPr>
+      <p:grpSpPr>
+        <a:xfrm>
+          <a:off x="0" y="0"/>
+          <a:ext cx="0" cy="0"/>
+          <a:chOff x="0" y="0"/>
+          <a:chExt cx="0" cy="0"/>
+        </a:xfrm>
+      </p:grpSpPr>
+      <p:sp>
+        <p:nvSpPr>
+          <p:cNvPr id="2" name="Slide Number Placeholder 1"/>
+          <p:cNvSpPr>
+            <a:spLocks noGrp="1"/>
+          </p:cNvSpPr>
+          <p:nvPr>
+            <p:ph type="sldNum" sz="quarter" idx="12"/>
+          </p:nvPr>
+        </p:nvSpPr>
+        <p:spPr/>
+        <p:txBody>
+          <a:bodyPr/>
+          <a:lstStyle/>
+          <a:p>
+            <a:fld id="{9DFD9A34-EC64-4F0B-9C9B-2C0A202A050B}" type="slidenum">
+              <a:rPr lang="en-US" smtClean="0"/>
+              <a:pPr/>
+              <a:t>29</a:t>
+            </a:fld>
+            <a:endParaRPr lang="en-US" dirty="0"/>
+          </a:p>
+        </p:txBody>
+      </p:sp>
+      <p:sp>
+        <p:nvSpPr>
+          <p:cNvPr id="3" name="Content Placeholder 2"/>
+          <p:cNvSpPr>
+            <a:spLocks noGrp="1"/>
+          </p:cNvSpPr>
+          <p:nvPr>
+            <p:ph sz="quarter" idx="14"/>
+          </p:nvPr>
+        </p:nvSpPr>
+        <p:spPr>
+          <a:xfrm>
+            <a:off x="779926" y="990600"/>
+            <a:ext cx="10496086" cy="5867400"/>
+          </a:xfrm>
+        </p:spPr>
+        <p:txBody>
+          <a:bodyPr>
+            <a:normAutofit fontScale="92500" lnSpcReduction="20000"/>
+          </a:bodyPr>
+          <a:lstStyle/>
+          <a:p>
+            <a:pPr lvl="2" indent="0"/>
+            <a:r>
+              <a:rPr lang="en-US" sz="2800" b="1" dirty="0" smtClean="0"/>
+              <a:t>1.4.1 Giới thiệu</a:t>
+            </a:r>
+            <a:endParaRPr lang="en-US" sz="2800" b="0" dirty="0"/>
+          </a:p>
+          <a:p>
+            <a:pPr lvl="2"/>
+            <a:r>
+              <a:rPr lang="en-US" sz="2800" dirty="0"/>
+              <a:t>Web Service Business Process Execution Language (viết tắt là WS-BPEL hay được gọi là BPEL) là một ngôn ngữ thi hành quy trình </a:t>
+            </a:r>
+            <a:r>
+              <a:rPr lang="en-US" sz="2800" dirty="0" smtClean="0"/>
+              <a:t>nghiệp vụ </a:t>
+            </a:r>
+            <a:r>
+              <a:rPr lang="en-US" sz="2800" dirty="0"/>
+              <a:t>dùng để hỗ trợ phát triển các ứng dụng phức tạp, lớn đòi hỏi phải tổng hợp nhiều web services khác nhau</a:t>
+            </a:r>
+            <a:endParaRPr lang="en-US" sz="2800" dirty="0" smtClean="0"/>
+          </a:p>
+          <a:p>
+            <a:pPr lvl="2"/>
+            <a:r>
+              <a:rPr lang="vi-VN" sz="2800" dirty="0"/>
+              <a:t>BPEL hoạt động dựa trên nguyên tắc gửi các thông điệp dạng XML đến một dịch vụ khác, thao tác trên cấu trúc XML, nhận các thông điệp XML (đồng bộ hay không đồng bộ) từ các service bên ngoài.Nó phụ thuộc vào bốn chuẩn XML cơ bản được xem như là các đặt tả để thực thi một tiến trình BPEL:WSDL, XML Schema 2.0,XPath 2.0 và WS-Addressing.</a:t>
+            </a:r>
+            <a:endParaRPr lang="en-US" sz="2800" dirty="0"/>
+          </a:p>
+          <a:p>
+            <a:pPr lvl="2"/>
+            <a:endParaRPr lang="en-US" sz="2800" dirty="0"/>
+          </a:p>
+          <a:p>
+            <a:pPr lvl="2"/>
+            <a:endParaRPr lang="en-US" sz="2800" dirty="0" smtClean="0"/>
+          </a:p>
+          <a:p>
+            <a:endParaRPr lang="en-US" dirty="0"/>
+          </a:p>
+        </p:txBody>
+      </p:sp>
+      <p:sp>
+        <p:nvSpPr>
+          <p:cNvPr id="4" name="Title 3"/>
+          <p:cNvSpPr>
+            <a:spLocks noGrp="1"/>
+          </p:cNvSpPr>
+          <p:nvPr>
+            <p:ph type="title"/>
+          </p:nvPr>
+        </p:nvSpPr>
+        <p:spPr/>
+        <p:txBody>
+          <a:bodyPr>
+            <a:normAutofit fontScale="90000"/>
+          </a:bodyPr>
+          <a:lstStyle/>
+          <a:p>
+            <a:r>
+              <a:rPr lang="en-US" dirty="0"/>
+              <a:t>1.4  Ngôn ngữ thi hành quy trình nghiệp vụ - BPEL</a:t>
+            </a:r>
+            <a:endParaRPr lang="en-US" dirty="0"/>
+          </a:p>
+        </p:txBody>
+      </p:sp>
+    </p:spTree>
+    <p:extLst>
+      <p:ext uri="{BB962C8B-B14F-4D97-AF65-F5344CB8AC3E}">
+        <p14:creationId xmlns:p14="http://schemas.microsoft.com/office/powerpoint/2010/main" val="4094203322"/>
       </p:ext>
     </p:extLst>
   </p:cSld>
@@ -6764,7 +10159,6 @@
               <a:rPr lang="en-US" dirty="0"/>
               <a:t>về Web Service</a:t>
             </a:r>
-            <a:endParaRPr lang="en-US" dirty="0"/>
           </a:p>
         </p:txBody>
       </p:sp>

--- a/WORD/luanvan_nhanhnt_ver1.pptx
+++ b/WORD/luanvan_nhanhnt_ver1.pptx
@@ -7,7 +7,7 @@
     <p:sldMasterId id="2147483652" r:id="rId3"/>
   </p:sldMasterIdLst>
   <p:notesMasterIdLst>
-    <p:notesMasterId r:id="rId33"/>
+    <p:notesMasterId r:id="rId37"/>
   </p:notesMasterIdLst>
   <p:sldIdLst>
     <p:sldId id="256" r:id="rId4"/>
@@ -39,6 +39,10 @@
     <p:sldId id="283" r:id="rId30"/>
     <p:sldId id="284" r:id="rId31"/>
     <p:sldId id="286" r:id="rId32"/>
+    <p:sldId id="287" r:id="rId33"/>
+    <p:sldId id="291" r:id="rId34"/>
+    <p:sldId id="289" r:id="rId35"/>
+    <p:sldId id="290" r:id="rId36"/>
   </p:sldIdLst>
   <p:sldSz cx="12188825" cy="6858000"/>
   <p:notesSz cx="6858000" cy="9144000"/>
@@ -9576,14 +9580,14 @@
         </p:spPr>
         <p:txBody>
           <a:bodyPr>
-            <a:normAutofit fontScale="92500" lnSpcReduction="20000"/>
+            <a:normAutofit/>
           </a:bodyPr>
           <a:lstStyle/>
           <a:p>
             <a:pPr lvl="2" indent="0"/>
             <a:r>
               <a:rPr lang="en-US" sz="2800" b="1" dirty="0" smtClean="0"/>
-              <a:t>1.4.1 Giới thiệu</a:t>
+              <a:t>Giới thiệu</a:t>
             </a:r>
             <a:endParaRPr lang="en-US" sz="2800" b="0" dirty="0"/>
           </a:p>
@@ -9599,15 +9603,78 @@
             </a:r>
             <a:r>
               <a:rPr lang="en-US" sz="2800" dirty="0"/>
-              <a:t>dùng để hỗ trợ phát triển các ứng dụng phức tạp, lớn đòi hỏi phải tổng hợp nhiều web services khác nhau</a:t>
-            </a:r>
-            <a:endParaRPr lang="en-US" sz="2800" dirty="0" smtClean="0"/>
+              <a:t>dùng để hỗ trợ phát triển các ứng dụng phức tạp, lớn đòi hỏi phải tổng hợp nhiều web services khác </a:t>
+            </a:r>
+            <a:r>
+              <a:rPr lang="en-US" sz="2800" dirty="0" smtClean="0"/>
+              <a:t>nhau.</a:t>
+            </a:r>
           </a:p>
           <a:p>
             <a:pPr lvl="2"/>
             <a:r>
               <a:rPr lang="vi-VN" sz="2800" dirty="0"/>
-              <a:t>BPEL hoạt động dựa trên nguyên tắc gửi các thông điệp dạng XML đến một dịch vụ khác, thao tác trên cấu trúc XML, nhận các thông điệp XML (đồng bộ hay không đồng bộ) từ các service bên ngoài.Nó phụ thuộc vào bốn chuẩn XML cơ bản được xem như là các đặt tả để thực thi một tiến trình BPEL:WSDL, XML Schema 2.0,XPath 2.0 và WS-Addressing.</a:t>
+              <a:t>BPEL </a:t>
+            </a:r>
+            <a:r>
+              <a:rPr lang="vi-VN" sz="2800" dirty="0" smtClean="0"/>
+              <a:t>hoạt động </a:t>
+            </a:r>
+            <a:r>
+              <a:rPr lang="vi-VN" sz="2800" dirty="0"/>
+              <a:t>dựa trên </a:t>
+            </a:r>
+            <a:r>
+              <a:rPr lang="en-US" sz="2800" dirty="0" smtClean="0"/>
+              <a:t>nền tảng</a:t>
+            </a:r>
+            <a:r>
+              <a:rPr lang="vi-VN" sz="2800" dirty="0"/>
+              <a:t> XML </a:t>
+            </a:r>
+            <a:r>
+              <a:rPr lang="en-US" sz="2800" dirty="0" smtClean="0"/>
+              <a:t>với sự kết hợp của</a:t>
+            </a:r>
+            <a:r>
+              <a:rPr lang="vi-VN" sz="2800" dirty="0" smtClean="0"/>
+              <a:t> </a:t>
+            </a:r>
+            <a:r>
+              <a:rPr lang="vi-VN" sz="2800" dirty="0"/>
+              <a:t>bốn chuẩn XML cơ bản được xem như là các đặt tả để thực thi một tiến trình BPEL</a:t>
+            </a:r>
+            <a:r>
+              <a:rPr lang="vi-VN" sz="2800" dirty="0" smtClean="0"/>
+              <a:t>:</a:t>
+            </a:r>
+            <a:r>
+              <a:rPr lang="en-US" sz="2800" dirty="0" smtClean="0"/>
+              <a:t> </a:t>
+            </a:r>
+            <a:r>
+              <a:rPr lang="vi-VN" sz="2800" dirty="0" smtClean="0"/>
+              <a:t>WSDL</a:t>
+            </a:r>
+            <a:r>
+              <a:rPr lang="vi-VN" sz="2800" dirty="0"/>
+              <a:t>, XML </a:t>
+            </a:r>
+            <a:r>
+              <a:rPr lang="vi-VN" sz="2800" dirty="0" smtClean="0"/>
+              <a:t>Schema,</a:t>
+            </a:r>
+            <a:r>
+              <a:rPr lang="en-US" sz="2800" dirty="0" smtClean="0"/>
+              <a:t> </a:t>
+            </a:r>
+            <a:r>
+              <a:rPr lang="vi-VN" sz="2800" dirty="0" smtClean="0"/>
+              <a:t>XPath và </a:t>
+            </a:r>
+            <a:r>
+              <a:rPr lang="vi-VN" sz="2800" dirty="0"/>
+              <a:t>WS-Addressing.</a:t>
             </a:r>
             <a:endParaRPr lang="en-US" sz="2800" dirty="0"/>
           </a:p>
@@ -9758,6 +9825,1518 @@
     <p:extLst>
       <p:ext uri="{BB962C8B-B14F-4D97-AF65-F5344CB8AC3E}">
         <p14:creationId xmlns:p14="http://schemas.microsoft.com/office/powerpoint/2010/main" val="2174694034"/>
+      </p:ext>
+    </p:extLst>
+  </p:cSld>
+  <p:clrMapOvr>
+    <a:masterClrMapping/>
+  </p:clrMapOvr>
+  <p:timing>
+    <p:tnLst>
+      <p:par>
+        <p:cTn id="1" dur="indefinite" restart="never" nodeType="tmRoot"/>
+      </p:par>
+    </p:tnLst>
+  </p:timing>
+</p:sld>
+</file>
+
+<file path=ppt/slides/slide30.xml><?xml version="1.0" encoding="utf-8"?>
+<p:sld xmlns:a="http://schemas.openxmlformats.org/drawingml/2006/main" xmlns:r="http://schemas.openxmlformats.org/officeDocument/2006/relationships" xmlns:p="http://schemas.openxmlformats.org/presentationml/2006/main">
+  <p:cSld>
+    <p:spTree>
+      <p:nvGrpSpPr>
+        <p:cNvPr id="1" name=""/>
+        <p:cNvGrpSpPr/>
+        <p:nvPr/>
+      </p:nvGrpSpPr>
+      <p:grpSpPr>
+        <a:xfrm>
+          <a:off x="0" y="0"/>
+          <a:ext cx="0" cy="0"/>
+          <a:chOff x="0" y="0"/>
+          <a:chExt cx="0" cy="0"/>
+        </a:xfrm>
+      </p:grpSpPr>
+      <p:sp>
+        <p:nvSpPr>
+          <p:cNvPr id="2" name="Slide Number Placeholder 1"/>
+          <p:cNvSpPr>
+            <a:spLocks noGrp="1"/>
+          </p:cNvSpPr>
+          <p:nvPr>
+            <p:ph type="sldNum" sz="quarter" idx="12"/>
+          </p:nvPr>
+        </p:nvSpPr>
+        <p:spPr/>
+        <p:txBody>
+          <a:bodyPr/>
+          <a:lstStyle/>
+          <a:p>
+            <a:fld id="{9DFD9A34-EC64-4F0B-9C9B-2C0A202A050B}" type="slidenum">
+              <a:rPr lang="en-US" smtClean="0"/>
+              <a:pPr/>
+              <a:t>30</a:t>
+            </a:fld>
+            <a:endParaRPr lang="en-US" dirty="0"/>
+          </a:p>
+        </p:txBody>
+      </p:sp>
+      <p:sp>
+        <p:nvSpPr>
+          <p:cNvPr id="3" name="Content Placeholder 2"/>
+          <p:cNvSpPr>
+            <a:spLocks noGrp="1"/>
+          </p:cNvSpPr>
+          <p:nvPr>
+            <p:ph sz="quarter" idx="14"/>
+          </p:nvPr>
+        </p:nvSpPr>
+        <p:spPr>
+          <a:xfrm>
+            <a:off x="779926" y="990600"/>
+            <a:ext cx="10496086" cy="5867400"/>
+          </a:xfrm>
+        </p:spPr>
+        <p:txBody>
+          <a:bodyPr>
+            <a:normAutofit fontScale="85000" lnSpcReduction="20000"/>
+          </a:bodyPr>
+          <a:lstStyle/>
+          <a:p>
+            <a:pPr lvl="2" indent="0"/>
+            <a:r>
+              <a:rPr lang="en-US" sz="3000" b="1" dirty="0" smtClean="0"/>
+              <a:t>Các khái niệm cơ bản</a:t>
+            </a:r>
+          </a:p>
+          <a:p>
+            <a:pPr lvl="2"/>
+            <a:r>
+              <a:rPr lang="en-US" sz="3000" b="1" dirty="0" smtClean="0"/>
+              <a:t>Partner</a:t>
+            </a:r>
+            <a:r>
+              <a:rPr lang="en-US" sz="3000" b="1" dirty="0"/>
+              <a:t>:</a:t>
+            </a:r>
+            <a:r>
+              <a:rPr lang="en-US" sz="3000" dirty="0"/>
+              <a:t> </a:t>
+            </a:r>
+            <a:r>
+              <a:rPr lang="en-US" sz="3000" dirty="0" smtClean="0"/>
+              <a:t>là </a:t>
+            </a:r>
+            <a:r>
+              <a:rPr lang="en-US" sz="3000" dirty="0"/>
+              <a:t>các dịch vụ mà tiến trình gọi hoặc là các đối tượng gọi đến tiến trình.</a:t>
+            </a:r>
+          </a:p>
+          <a:p>
+            <a:pPr lvl="2"/>
+            <a:r>
+              <a:rPr lang="en-US" sz="3000" b="1" dirty="0"/>
+              <a:t>Partner Link Tyle: </a:t>
+            </a:r>
+            <a:r>
+              <a:rPr lang="en-US" sz="3000" dirty="0"/>
+              <a:t>biểu diễn mối quan hệ giữa tiến trình và dịch vụ bằng cách định nghĩa các role mà các đối tượng sẽ thể hiện trong quá trình tương tác.</a:t>
+            </a:r>
+          </a:p>
+          <a:p>
+            <a:pPr lvl="2"/>
+            <a:r>
+              <a:rPr lang="en-US" sz="3000" b="1" dirty="0"/>
+              <a:t>Partner Link:</a:t>
+            </a:r>
+            <a:r>
+              <a:rPr lang="en-US" sz="3000" dirty="0"/>
+              <a:t> trong BPEL4WS, các partner được biểu diễn bởi partner link, một partner link được định nghĩa bằng cách đặt cho nó một cái tên, chỉ ra tên của partner link tyle và sau đó chỉ ra “role” mà tiến trình sẽ tham gia vào và role mà partner sẽ tham gia trong partner link đó.</a:t>
+            </a:r>
+          </a:p>
+          <a:p>
+            <a:pPr lvl="2"/>
+            <a:endParaRPr lang="en-US" sz="2800" dirty="0"/>
+          </a:p>
+          <a:p>
+            <a:pPr lvl="2"/>
+            <a:endParaRPr lang="en-US" sz="2800" dirty="0"/>
+          </a:p>
+          <a:p>
+            <a:pPr lvl="2"/>
+            <a:endParaRPr lang="en-US" sz="2800" dirty="0" smtClean="0"/>
+          </a:p>
+          <a:p>
+            <a:endParaRPr lang="en-US" dirty="0"/>
+          </a:p>
+        </p:txBody>
+      </p:sp>
+      <p:sp>
+        <p:nvSpPr>
+          <p:cNvPr id="4" name="Title 3"/>
+          <p:cNvSpPr>
+            <a:spLocks noGrp="1"/>
+          </p:cNvSpPr>
+          <p:nvPr>
+            <p:ph type="title"/>
+          </p:nvPr>
+        </p:nvSpPr>
+        <p:spPr/>
+        <p:txBody>
+          <a:bodyPr>
+            <a:normAutofit fontScale="90000"/>
+          </a:bodyPr>
+          <a:lstStyle/>
+          <a:p>
+            <a:r>
+              <a:rPr lang="en-US" dirty="0"/>
+              <a:t>1.4  Ngôn ngữ thi hành quy trình nghiệp vụ - BPEL</a:t>
+            </a:r>
+            <a:endParaRPr lang="en-US" dirty="0"/>
+          </a:p>
+        </p:txBody>
+      </p:sp>
+    </p:spTree>
+    <p:extLst>
+      <p:ext uri="{BB962C8B-B14F-4D97-AF65-F5344CB8AC3E}">
+        <p14:creationId xmlns:p14="http://schemas.microsoft.com/office/powerpoint/2010/main" val="2847274106"/>
+      </p:ext>
+    </p:extLst>
+  </p:cSld>
+  <p:clrMapOvr>
+    <a:masterClrMapping/>
+  </p:clrMapOvr>
+  <p:timing>
+    <p:tnLst>
+      <p:par>
+        <p:cTn id="1" dur="indefinite" restart="never" nodeType="tmRoot"/>
+      </p:par>
+    </p:tnLst>
+  </p:timing>
+</p:sld>
+</file>
+
+<file path=ppt/slides/slide31.xml><?xml version="1.0" encoding="utf-8"?>
+<p:sld xmlns:a="http://schemas.openxmlformats.org/drawingml/2006/main" xmlns:r="http://schemas.openxmlformats.org/officeDocument/2006/relationships" xmlns:p="http://schemas.openxmlformats.org/presentationml/2006/main">
+  <p:cSld>
+    <p:spTree>
+      <p:nvGrpSpPr>
+        <p:cNvPr id="1" name=""/>
+        <p:cNvGrpSpPr/>
+        <p:nvPr/>
+      </p:nvGrpSpPr>
+      <p:grpSpPr>
+        <a:xfrm>
+          <a:off x="0" y="0"/>
+          <a:ext cx="0" cy="0"/>
+          <a:chOff x="0" y="0"/>
+          <a:chExt cx="0" cy="0"/>
+        </a:xfrm>
+      </p:grpSpPr>
+      <p:sp>
+        <p:nvSpPr>
+          <p:cNvPr id="2" name="Slide Number Placeholder 1"/>
+          <p:cNvSpPr>
+            <a:spLocks noGrp="1"/>
+          </p:cNvSpPr>
+          <p:nvPr>
+            <p:ph type="sldNum" sz="quarter" idx="12"/>
+          </p:nvPr>
+        </p:nvSpPr>
+        <p:spPr/>
+        <p:txBody>
+          <a:bodyPr/>
+          <a:lstStyle/>
+          <a:p>
+            <a:fld id="{9DFD9A34-EC64-4F0B-9C9B-2C0A202A050B}" type="slidenum">
+              <a:rPr lang="en-US" smtClean="0"/>
+              <a:pPr/>
+              <a:t>31</a:t>
+            </a:fld>
+            <a:endParaRPr lang="en-US" dirty="0"/>
+          </a:p>
+        </p:txBody>
+      </p:sp>
+      <p:sp>
+        <p:nvSpPr>
+          <p:cNvPr id="3" name="Content Placeholder 2"/>
+          <p:cNvSpPr>
+            <a:spLocks noGrp="1"/>
+          </p:cNvSpPr>
+          <p:nvPr>
+            <p:ph sz="quarter" idx="14"/>
+          </p:nvPr>
+        </p:nvSpPr>
+        <p:spPr>
+          <a:xfrm>
+            <a:off x="779926" y="990600"/>
+            <a:ext cx="10496086" cy="5867400"/>
+          </a:xfrm>
+        </p:spPr>
+        <p:txBody>
+          <a:bodyPr>
+            <a:normAutofit/>
+          </a:bodyPr>
+          <a:lstStyle/>
+          <a:p>
+            <a:pPr lvl="2" indent="0"/>
+            <a:r>
+              <a:rPr lang="en-US" sz="2800" b="1" dirty="0" smtClean="0"/>
+              <a:t>Cấu trúc của một tiến trình</a:t>
+            </a:r>
+          </a:p>
+          <a:p>
+            <a:pPr lvl="2"/>
+            <a:endParaRPr lang="en-US" sz="3000" dirty="0" smtClean="0"/>
+          </a:p>
+          <a:p>
+            <a:pPr lvl="2"/>
+            <a:endParaRPr lang="en-US" sz="2800" dirty="0"/>
+          </a:p>
+          <a:p>
+            <a:pPr lvl="2"/>
+            <a:endParaRPr lang="en-US" sz="2800" dirty="0"/>
+          </a:p>
+          <a:p>
+            <a:pPr lvl="2"/>
+            <a:endParaRPr lang="en-US" sz="2800" dirty="0" smtClean="0"/>
+          </a:p>
+          <a:p>
+            <a:endParaRPr lang="en-US" dirty="0"/>
+          </a:p>
+        </p:txBody>
+      </p:sp>
+      <p:sp>
+        <p:nvSpPr>
+          <p:cNvPr id="4" name="Title 3"/>
+          <p:cNvSpPr>
+            <a:spLocks noGrp="1"/>
+          </p:cNvSpPr>
+          <p:nvPr>
+            <p:ph type="title"/>
+          </p:nvPr>
+        </p:nvSpPr>
+        <p:spPr/>
+        <p:txBody>
+          <a:bodyPr>
+            <a:normAutofit fontScale="90000"/>
+          </a:bodyPr>
+          <a:lstStyle/>
+          <a:p>
+            <a:r>
+              <a:rPr lang="en-US" dirty="0"/>
+              <a:t>1.4  Ngôn ngữ thi hành quy trình nghiệp vụ - BPEL</a:t>
+            </a:r>
+            <a:endParaRPr lang="en-US" dirty="0"/>
+          </a:p>
+        </p:txBody>
+      </p:sp>
+      <p:sp>
+        <p:nvSpPr>
+          <p:cNvPr id="5" name="Rectangle 4"/>
+          <p:cNvSpPr/>
+          <p:nvPr/>
+        </p:nvSpPr>
+        <p:spPr>
+          <a:xfrm>
+            <a:off x="1657984" y="1295400"/>
+            <a:ext cx="9389428" cy="5791200"/>
+          </a:xfrm>
+          <a:prstGeom prst="rect">
+            <a:avLst/>
+          </a:prstGeom>
+          <a:noFill/>
+          <a:ln>
+            <a:noFill/>
+          </a:ln>
+        </p:spPr>
+        <p:style>
+          <a:lnRef idx="2">
+            <a:schemeClr val="accent1">
+              <a:shade val="50000"/>
+            </a:schemeClr>
+          </a:lnRef>
+          <a:fillRef idx="1">
+            <a:schemeClr val="accent1"/>
+          </a:fillRef>
+          <a:effectRef idx="0">
+            <a:schemeClr val="accent1"/>
+          </a:effectRef>
+          <a:fontRef idx="minor">
+            <a:schemeClr val="lt1"/>
+          </a:fontRef>
+        </p:style>
+        <p:txBody>
+          <a:bodyPr rot="0" spcFirstLastPara="0" vert="horz" wrap="square" lIns="91440" tIns="45720" rIns="91440" bIns="45720" numCol="1" spcCol="0" rtlCol="0" fromWordArt="0" anchor="ctr" anchorCtr="0" forceAA="0" compatLnSpc="1">
+            <a:prstTxWarp prst="textNoShape">
+              <a:avLst/>
+            </a:prstTxWarp>
+            <a:noAutofit/>
+          </a:bodyPr>
+          <a:lstStyle/>
+          <a:p>
+            <a:pPr indent="457200" algn="l">
+              <a:spcBef>
+                <a:spcPts val="600"/>
+              </a:spcBef>
+              <a:spcAft>
+                <a:spcPts val="0"/>
+              </a:spcAft>
+            </a:pPr>
+            <a:r>
+              <a:rPr lang="en-US" dirty="0">
+                <a:solidFill>
+                  <a:srgbClr val="008080"/>
+                </a:solidFill>
+                <a:effectLst/>
+                <a:latin typeface="Times New Roman"/>
+                <a:ea typeface="Calibri"/>
+                <a:cs typeface="Times New Roman"/>
+              </a:rPr>
+              <a:t>&lt;</a:t>
+            </a:r>
+            <a:r>
+              <a:rPr lang="en-US" dirty="0">
+                <a:solidFill>
+                  <a:srgbClr val="3F7F7F"/>
+                </a:solidFill>
+                <a:effectLst/>
+                <a:latin typeface="Times New Roman"/>
+                <a:ea typeface="Calibri"/>
+                <a:cs typeface="Times New Roman"/>
+              </a:rPr>
+              <a:t>bpel:process</a:t>
+            </a:r>
+            <a:r>
+              <a:rPr lang="en-US" dirty="0">
+                <a:effectLst/>
+                <a:latin typeface="Times New Roman"/>
+                <a:ea typeface="Calibri"/>
+                <a:cs typeface="Times New Roman"/>
+              </a:rPr>
+              <a:t> </a:t>
+            </a:r>
+            <a:r>
+              <a:rPr lang="en-US" dirty="0">
+                <a:solidFill>
+                  <a:srgbClr val="7F007F"/>
+                </a:solidFill>
+                <a:effectLst/>
+                <a:latin typeface="Times New Roman"/>
+                <a:ea typeface="Calibri"/>
+                <a:cs typeface="Times New Roman"/>
+              </a:rPr>
+              <a:t>name</a:t>
+            </a:r>
+            <a:r>
+              <a:rPr lang="en-US" dirty="0">
+                <a:solidFill>
+                  <a:srgbClr val="000000"/>
+                </a:solidFill>
+                <a:effectLst/>
+                <a:latin typeface="Times New Roman"/>
+                <a:ea typeface="Calibri"/>
+                <a:cs typeface="Times New Roman"/>
+              </a:rPr>
+              <a:t>=</a:t>
+            </a:r>
+            <a:r>
+              <a:rPr lang="en-US" i="1" dirty="0">
+                <a:solidFill>
+                  <a:srgbClr val="2A00FF"/>
+                </a:solidFill>
+                <a:effectLst/>
+                <a:latin typeface="Times New Roman"/>
+                <a:ea typeface="Calibri"/>
+                <a:cs typeface="Times New Roman"/>
+              </a:rPr>
+              <a:t>"test"</a:t>
+            </a:r>
+            <a:r>
+              <a:rPr lang="en-US" dirty="0">
+                <a:effectLst/>
+                <a:latin typeface="Times New Roman"/>
+                <a:ea typeface="Calibri"/>
+                <a:cs typeface="Times New Roman"/>
+              </a:rPr>
+              <a:t> </a:t>
+            </a:r>
+            <a:r>
+              <a:rPr lang="en-US" dirty="0">
+                <a:solidFill>
+                  <a:srgbClr val="008080"/>
+                </a:solidFill>
+                <a:effectLst/>
+                <a:latin typeface="Times New Roman"/>
+                <a:ea typeface="Calibri"/>
+                <a:cs typeface="Times New Roman"/>
+              </a:rPr>
+              <a:t>&gt;</a:t>
+            </a:r>
+            <a:endParaRPr lang="en-US" dirty="0">
+              <a:effectLst/>
+              <a:latin typeface="Times New Roman"/>
+              <a:ea typeface="Calibri"/>
+              <a:cs typeface="Times New Roman"/>
+            </a:endParaRPr>
+          </a:p>
+          <a:p>
+            <a:pPr indent="457200" algn="l">
+              <a:spcBef>
+                <a:spcPts val="600"/>
+              </a:spcBef>
+              <a:spcAft>
+                <a:spcPts val="0"/>
+              </a:spcAft>
+            </a:pPr>
+            <a:r>
+              <a:rPr lang="en-US" dirty="0">
+                <a:solidFill>
+                  <a:srgbClr val="000000"/>
+                </a:solidFill>
+                <a:effectLst/>
+                <a:latin typeface="Times New Roman"/>
+                <a:ea typeface="Calibri"/>
+                <a:cs typeface="Times New Roman"/>
+              </a:rPr>
+              <a:t>    </a:t>
+            </a:r>
+            <a:r>
+              <a:rPr lang="en-US" dirty="0">
+                <a:solidFill>
+                  <a:srgbClr val="3F5FBF"/>
+                </a:solidFill>
+                <a:effectLst/>
+                <a:latin typeface="Times New Roman"/>
+                <a:ea typeface="Calibri"/>
+                <a:cs typeface="Times New Roman"/>
+              </a:rPr>
+              <a:t>&lt;!-- Import the client WSDL --&gt;</a:t>
+            </a:r>
+            <a:endParaRPr lang="en-US" dirty="0">
+              <a:effectLst/>
+              <a:latin typeface="Times New Roman"/>
+              <a:ea typeface="Calibri"/>
+              <a:cs typeface="Times New Roman"/>
+            </a:endParaRPr>
+          </a:p>
+          <a:p>
+            <a:pPr indent="457200" algn="l">
+              <a:spcBef>
+                <a:spcPts val="600"/>
+              </a:spcBef>
+              <a:spcAft>
+                <a:spcPts val="0"/>
+              </a:spcAft>
+            </a:pPr>
+            <a:r>
+              <a:rPr lang="en-US" dirty="0">
+                <a:solidFill>
+                  <a:srgbClr val="000000"/>
+                </a:solidFill>
+                <a:effectLst/>
+                <a:latin typeface="Times New Roman"/>
+                <a:ea typeface="Calibri"/>
+                <a:cs typeface="Times New Roman"/>
+              </a:rPr>
+              <a:t>	</a:t>
+            </a:r>
+            <a:r>
+              <a:rPr lang="en-US" dirty="0">
+                <a:solidFill>
+                  <a:srgbClr val="008080"/>
+                </a:solidFill>
+                <a:effectLst/>
+                <a:latin typeface="Times New Roman"/>
+                <a:ea typeface="Calibri"/>
+                <a:cs typeface="Times New Roman"/>
+              </a:rPr>
+              <a:t>&lt;</a:t>
+            </a:r>
+            <a:r>
+              <a:rPr lang="en-US" dirty="0">
+                <a:solidFill>
+                  <a:srgbClr val="3F7F7F"/>
+                </a:solidFill>
+                <a:effectLst/>
+                <a:latin typeface="Times New Roman"/>
+                <a:ea typeface="Calibri"/>
+                <a:cs typeface="Times New Roman"/>
+              </a:rPr>
+              <a:t>bpel:import</a:t>
+            </a:r>
+            <a:r>
+              <a:rPr lang="en-US" dirty="0">
+                <a:effectLst/>
+                <a:latin typeface="Times New Roman"/>
+                <a:ea typeface="Calibri"/>
+                <a:cs typeface="Times New Roman"/>
+              </a:rPr>
+              <a:t> </a:t>
+            </a:r>
+            <a:r>
+              <a:rPr lang="en-US" dirty="0">
+                <a:solidFill>
+                  <a:srgbClr val="7F007F"/>
+                </a:solidFill>
+                <a:effectLst/>
+                <a:latin typeface="Times New Roman"/>
+                <a:ea typeface="Calibri"/>
+                <a:cs typeface="Times New Roman"/>
+              </a:rPr>
+              <a:t>location</a:t>
+            </a:r>
+            <a:r>
+              <a:rPr lang="en-US" dirty="0">
+                <a:solidFill>
+                  <a:srgbClr val="000000"/>
+                </a:solidFill>
+                <a:effectLst/>
+                <a:latin typeface="Times New Roman"/>
+                <a:ea typeface="Calibri"/>
+                <a:cs typeface="Times New Roman"/>
+              </a:rPr>
+              <a:t>=</a:t>
+            </a:r>
+            <a:r>
+              <a:rPr lang="en-US" i="1" dirty="0">
+                <a:solidFill>
+                  <a:srgbClr val="2A00FF"/>
+                </a:solidFill>
+                <a:effectLst/>
+                <a:latin typeface="Times New Roman"/>
+                <a:ea typeface="Calibri"/>
+                <a:cs typeface="Times New Roman"/>
+              </a:rPr>
+              <a:t>"testArtifacts.wsdl"		</a:t>
+            </a:r>
+            <a:r>
+              <a:rPr lang="en-US" dirty="0">
+                <a:effectLst/>
+                <a:latin typeface="Times New Roman"/>
+                <a:ea typeface="Calibri"/>
+                <a:cs typeface="Times New Roman"/>
+              </a:rPr>
+              <a:t> </a:t>
+            </a:r>
+            <a:r>
+              <a:rPr lang="en-US" dirty="0" smtClean="0">
+                <a:effectLst/>
+                <a:latin typeface="Times New Roman"/>
+                <a:ea typeface="Calibri"/>
+                <a:cs typeface="Times New Roman"/>
+              </a:rPr>
+              <a:t>			</a:t>
+            </a:r>
+            <a:r>
+              <a:rPr lang="en-US" dirty="0" smtClean="0">
+                <a:solidFill>
+                  <a:srgbClr val="7F007F"/>
+                </a:solidFill>
+                <a:effectLst/>
+                <a:latin typeface="Times New Roman"/>
+                <a:ea typeface="Calibri"/>
+                <a:cs typeface="Times New Roman"/>
+              </a:rPr>
+              <a:t>namespace</a:t>
+            </a:r>
+            <a:r>
+              <a:rPr lang="en-US" dirty="0">
+                <a:solidFill>
+                  <a:srgbClr val="000000"/>
+                </a:solidFill>
+                <a:effectLst/>
+                <a:latin typeface="Times New Roman"/>
+                <a:ea typeface="Calibri"/>
+                <a:cs typeface="Times New Roman"/>
+              </a:rPr>
+              <a:t>=</a:t>
+            </a:r>
+            <a:r>
+              <a:rPr lang="en-US" i="1" dirty="0">
+                <a:solidFill>
+                  <a:srgbClr val="2A00FF"/>
+                </a:solidFill>
+                <a:effectLst/>
+                <a:latin typeface="Times New Roman"/>
+                <a:ea typeface="Calibri"/>
+                <a:cs typeface="Times New Roman"/>
+              </a:rPr>
+              <a:t>"http://eclipse.org/bpel/sample"</a:t>
+            </a:r>
+            <a:r>
+              <a:rPr lang="en-US" dirty="0">
+                <a:effectLst/>
+                <a:latin typeface="Times New Roman"/>
+                <a:ea typeface="Calibri"/>
+                <a:cs typeface="Times New Roman"/>
+              </a:rPr>
+              <a:t> </a:t>
+            </a:r>
+          </a:p>
+          <a:p>
+            <a:pPr indent="457200" algn="l">
+              <a:spcBef>
+                <a:spcPts val="600"/>
+              </a:spcBef>
+              <a:spcAft>
+                <a:spcPts val="0"/>
+              </a:spcAft>
+            </a:pPr>
+            <a:r>
+              <a:rPr lang="en-US" dirty="0" smtClean="0">
+                <a:solidFill>
+                  <a:srgbClr val="7F007F"/>
+                </a:solidFill>
+                <a:effectLst/>
+                <a:latin typeface="Times New Roman"/>
+                <a:ea typeface="Calibri"/>
+                <a:cs typeface="Times New Roman"/>
+              </a:rPr>
+              <a:t>		importType</a:t>
+            </a:r>
+            <a:r>
+              <a:rPr lang="en-US" dirty="0">
+                <a:solidFill>
+                  <a:srgbClr val="000000"/>
+                </a:solidFill>
+                <a:effectLst/>
+                <a:latin typeface="Times New Roman"/>
+                <a:ea typeface="Calibri"/>
+                <a:cs typeface="Times New Roman"/>
+              </a:rPr>
+              <a:t>=</a:t>
+            </a:r>
+            <a:r>
+              <a:rPr lang="en-US" i="1" dirty="0">
+                <a:solidFill>
+                  <a:srgbClr val="2A00FF"/>
+                </a:solidFill>
+                <a:effectLst/>
+                <a:latin typeface="Times New Roman"/>
+                <a:ea typeface="Calibri"/>
+                <a:cs typeface="Times New Roman"/>
+              </a:rPr>
+              <a:t>"http://schemas.xmlsoap.org/wsdl/"</a:t>
+            </a:r>
+            <a:r>
+              <a:rPr lang="en-US" dirty="0">
+                <a:effectLst/>
+                <a:latin typeface="Times New Roman"/>
+                <a:ea typeface="Calibri"/>
+                <a:cs typeface="Times New Roman"/>
+              </a:rPr>
+              <a:t> </a:t>
+            </a:r>
+            <a:r>
+              <a:rPr lang="en-US" dirty="0">
+                <a:solidFill>
+                  <a:srgbClr val="008080"/>
+                </a:solidFill>
+                <a:effectLst/>
+                <a:latin typeface="Times New Roman"/>
+                <a:ea typeface="Calibri"/>
+                <a:cs typeface="Times New Roman"/>
+              </a:rPr>
+              <a:t>/&gt;</a:t>
+            </a:r>
+            <a:endParaRPr lang="en-US" dirty="0">
+              <a:effectLst/>
+              <a:latin typeface="Times New Roman"/>
+              <a:ea typeface="Calibri"/>
+              <a:cs typeface="Times New Roman"/>
+            </a:endParaRPr>
+          </a:p>
+          <a:p>
+            <a:pPr indent="457200" algn="l">
+              <a:spcBef>
+                <a:spcPts val="600"/>
+              </a:spcBef>
+              <a:spcAft>
+                <a:spcPts val="0"/>
+              </a:spcAft>
+            </a:pPr>
+            <a:r>
+              <a:rPr lang="en-US" dirty="0">
+                <a:solidFill>
+                  <a:srgbClr val="000000"/>
+                </a:solidFill>
+                <a:effectLst/>
+                <a:latin typeface="Times New Roman"/>
+                <a:ea typeface="Calibri"/>
+                <a:cs typeface="Times New Roman"/>
+              </a:rPr>
+              <a:t>	</a:t>
+            </a:r>
+            <a:r>
+              <a:rPr lang="en-US" dirty="0">
+                <a:solidFill>
+                  <a:srgbClr val="008080"/>
+                </a:solidFill>
+                <a:effectLst/>
+                <a:latin typeface="Times New Roman"/>
+                <a:ea typeface="Calibri"/>
+                <a:cs typeface="Times New Roman"/>
+              </a:rPr>
+              <a:t>&lt;</a:t>
+            </a:r>
+            <a:r>
+              <a:rPr lang="en-US" dirty="0">
+                <a:solidFill>
+                  <a:srgbClr val="3F7F7F"/>
+                </a:solidFill>
+                <a:effectLst/>
+                <a:latin typeface="Times New Roman"/>
+                <a:ea typeface="Calibri"/>
+                <a:cs typeface="Times New Roman"/>
+              </a:rPr>
+              <a:t>bpel:partnerLinks</a:t>
+            </a:r>
+            <a:r>
+              <a:rPr lang="en-US" dirty="0" smtClean="0">
+                <a:solidFill>
+                  <a:srgbClr val="008080"/>
+                </a:solidFill>
+                <a:effectLst/>
+                <a:latin typeface="Times New Roman"/>
+                <a:ea typeface="Calibri"/>
+                <a:cs typeface="Times New Roman"/>
+              </a:rPr>
+              <a:t>&gt;………..&lt;/</a:t>
+            </a:r>
+            <a:r>
+              <a:rPr lang="en-US" dirty="0">
+                <a:solidFill>
+                  <a:srgbClr val="3F7F7F"/>
+                </a:solidFill>
+                <a:effectLst/>
+                <a:latin typeface="Times New Roman"/>
+                <a:ea typeface="Calibri"/>
+                <a:cs typeface="Times New Roman"/>
+              </a:rPr>
+              <a:t>bpel:partnerLinks</a:t>
+            </a:r>
+            <a:r>
+              <a:rPr lang="en-US" dirty="0">
+                <a:solidFill>
+                  <a:srgbClr val="008080"/>
+                </a:solidFill>
+                <a:effectLst/>
+                <a:latin typeface="Times New Roman"/>
+                <a:ea typeface="Calibri"/>
+                <a:cs typeface="Times New Roman"/>
+              </a:rPr>
+              <a:t>&gt;</a:t>
+            </a:r>
+            <a:endParaRPr lang="en-US" dirty="0">
+              <a:effectLst/>
+              <a:latin typeface="Times New Roman"/>
+              <a:ea typeface="Calibri"/>
+              <a:cs typeface="Times New Roman"/>
+            </a:endParaRPr>
+          </a:p>
+          <a:p>
+            <a:pPr indent="457200" algn="l">
+              <a:spcBef>
+                <a:spcPts val="600"/>
+              </a:spcBef>
+              <a:spcAft>
+                <a:spcPts val="0"/>
+              </a:spcAft>
+            </a:pPr>
+            <a:r>
+              <a:rPr lang="en-US" dirty="0">
+                <a:solidFill>
+                  <a:srgbClr val="000000"/>
+                </a:solidFill>
+                <a:effectLst/>
+                <a:latin typeface="Times New Roman"/>
+                <a:ea typeface="Calibri"/>
+                <a:cs typeface="Times New Roman"/>
+              </a:rPr>
+              <a:t>   	</a:t>
+            </a:r>
+            <a:r>
+              <a:rPr lang="en-US" dirty="0">
+                <a:solidFill>
+                  <a:srgbClr val="008080"/>
+                </a:solidFill>
+                <a:effectLst/>
+                <a:latin typeface="Times New Roman"/>
+                <a:ea typeface="Calibri"/>
+                <a:cs typeface="Times New Roman"/>
+              </a:rPr>
+              <a:t>&lt;</a:t>
+            </a:r>
+            <a:r>
+              <a:rPr lang="en-US" dirty="0">
+                <a:solidFill>
+                  <a:srgbClr val="3F7F7F"/>
+                </a:solidFill>
+                <a:effectLst/>
+                <a:latin typeface="Times New Roman"/>
+                <a:ea typeface="Calibri"/>
+                <a:cs typeface="Times New Roman"/>
+              </a:rPr>
+              <a:t>bpel:variables</a:t>
+            </a:r>
+            <a:r>
+              <a:rPr lang="en-US" dirty="0" smtClean="0">
+                <a:solidFill>
+                  <a:srgbClr val="008080"/>
+                </a:solidFill>
+                <a:effectLst/>
+                <a:latin typeface="Times New Roman"/>
+                <a:ea typeface="Calibri"/>
+                <a:cs typeface="Times New Roman"/>
+              </a:rPr>
+              <a:t>&gt;…………….&lt;/</a:t>
+            </a:r>
+            <a:r>
+              <a:rPr lang="en-US" dirty="0">
+                <a:solidFill>
+                  <a:srgbClr val="3F7F7F"/>
+                </a:solidFill>
+                <a:effectLst/>
+                <a:latin typeface="Times New Roman"/>
+                <a:ea typeface="Calibri"/>
+                <a:cs typeface="Times New Roman"/>
+              </a:rPr>
+              <a:t>bpel:variables</a:t>
+            </a:r>
+            <a:r>
+              <a:rPr lang="en-US" dirty="0">
+                <a:solidFill>
+                  <a:srgbClr val="008080"/>
+                </a:solidFill>
+                <a:effectLst/>
+                <a:latin typeface="Times New Roman"/>
+                <a:ea typeface="Calibri"/>
+                <a:cs typeface="Times New Roman"/>
+              </a:rPr>
+              <a:t>&gt;</a:t>
+            </a:r>
+            <a:endParaRPr lang="en-US" dirty="0">
+              <a:effectLst/>
+              <a:latin typeface="Times New Roman"/>
+              <a:ea typeface="Calibri"/>
+              <a:cs typeface="Times New Roman"/>
+            </a:endParaRPr>
+          </a:p>
+          <a:p>
+            <a:pPr indent="457200" algn="l">
+              <a:spcBef>
+                <a:spcPts val="600"/>
+              </a:spcBef>
+              <a:spcAft>
+                <a:spcPts val="0"/>
+              </a:spcAft>
+            </a:pPr>
+            <a:r>
+              <a:rPr lang="en-US" dirty="0">
+                <a:solidFill>
+                  <a:srgbClr val="000000"/>
+                </a:solidFill>
+                <a:effectLst/>
+                <a:latin typeface="Times New Roman"/>
+                <a:ea typeface="Calibri"/>
+                <a:cs typeface="Times New Roman"/>
+              </a:rPr>
+              <a:t>     	</a:t>
+            </a:r>
+            <a:r>
+              <a:rPr lang="en-US" dirty="0">
+                <a:solidFill>
+                  <a:srgbClr val="008080"/>
+                </a:solidFill>
+                <a:effectLst/>
+                <a:latin typeface="Times New Roman"/>
+                <a:ea typeface="Calibri"/>
+                <a:cs typeface="Times New Roman"/>
+              </a:rPr>
+              <a:t>&lt;</a:t>
+            </a:r>
+            <a:r>
+              <a:rPr lang="en-US" dirty="0">
+                <a:solidFill>
+                  <a:srgbClr val="3F7F7F"/>
+                </a:solidFill>
+                <a:effectLst/>
+                <a:latin typeface="Times New Roman"/>
+                <a:ea typeface="Calibri"/>
+                <a:cs typeface="Times New Roman"/>
+              </a:rPr>
+              <a:t>bpel:sequence</a:t>
+            </a:r>
+            <a:r>
+              <a:rPr lang="en-US" dirty="0">
+                <a:effectLst/>
+                <a:latin typeface="Times New Roman"/>
+                <a:ea typeface="Calibri"/>
+                <a:cs typeface="Times New Roman"/>
+              </a:rPr>
+              <a:t> </a:t>
+            </a:r>
+            <a:r>
+              <a:rPr lang="en-US" dirty="0">
+                <a:solidFill>
+                  <a:srgbClr val="7F007F"/>
+                </a:solidFill>
+                <a:effectLst/>
+                <a:latin typeface="Times New Roman"/>
+                <a:ea typeface="Calibri"/>
+                <a:cs typeface="Times New Roman"/>
+              </a:rPr>
+              <a:t>name</a:t>
+            </a:r>
+            <a:r>
+              <a:rPr lang="en-US" dirty="0">
+                <a:solidFill>
+                  <a:srgbClr val="000000"/>
+                </a:solidFill>
+                <a:effectLst/>
+                <a:latin typeface="Times New Roman"/>
+                <a:ea typeface="Calibri"/>
+                <a:cs typeface="Times New Roman"/>
+              </a:rPr>
+              <a:t>=</a:t>
+            </a:r>
+            <a:r>
+              <a:rPr lang="en-US" i="1" dirty="0">
+                <a:solidFill>
+                  <a:srgbClr val="2A00FF"/>
+                </a:solidFill>
+                <a:effectLst/>
+                <a:latin typeface="Times New Roman"/>
+                <a:ea typeface="Calibri"/>
+                <a:cs typeface="Times New Roman"/>
+              </a:rPr>
+              <a:t>"main</a:t>
+            </a:r>
+            <a:r>
+              <a:rPr lang="en-US" i="1" dirty="0" smtClean="0">
+                <a:solidFill>
+                  <a:srgbClr val="2A00FF"/>
+                </a:solidFill>
+                <a:effectLst/>
+                <a:latin typeface="Times New Roman"/>
+                <a:ea typeface="Calibri"/>
+                <a:cs typeface="Times New Roman"/>
+              </a:rPr>
+              <a:t>"</a:t>
+            </a:r>
+            <a:r>
+              <a:rPr lang="en-US" dirty="0" smtClean="0">
+                <a:solidFill>
+                  <a:srgbClr val="008080"/>
+                </a:solidFill>
+                <a:effectLst/>
+                <a:latin typeface="Times New Roman"/>
+                <a:ea typeface="Calibri"/>
+                <a:cs typeface="Times New Roman"/>
+              </a:rPr>
+              <a:t>&gt;……………….&lt;/</a:t>
+            </a:r>
+            <a:r>
+              <a:rPr lang="en-US" dirty="0">
+                <a:solidFill>
+                  <a:srgbClr val="3F7F7F"/>
+                </a:solidFill>
+                <a:effectLst/>
+                <a:latin typeface="Times New Roman"/>
+                <a:ea typeface="Calibri"/>
+                <a:cs typeface="Times New Roman"/>
+              </a:rPr>
+              <a:t>bpel:sequence</a:t>
+            </a:r>
+            <a:r>
+              <a:rPr lang="en-US" dirty="0">
+                <a:solidFill>
+                  <a:srgbClr val="008080"/>
+                </a:solidFill>
+                <a:effectLst/>
+                <a:latin typeface="Times New Roman"/>
+                <a:ea typeface="Calibri"/>
+                <a:cs typeface="Times New Roman"/>
+              </a:rPr>
+              <a:t>&gt;</a:t>
+            </a:r>
+            <a:endParaRPr lang="en-US" dirty="0">
+              <a:effectLst/>
+              <a:latin typeface="Times New Roman"/>
+              <a:ea typeface="Calibri"/>
+              <a:cs typeface="Times New Roman"/>
+            </a:endParaRPr>
+          </a:p>
+          <a:p>
+            <a:pPr indent="457200" algn="l">
+              <a:spcBef>
+                <a:spcPts val="600"/>
+              </a:spcBef>
+              <a:spcAft>
+                <a:spcPts val="0"/>
+              </a:spcAft>
+            </a:pPr>
+            <a:r>
+              <a:rPr lang="en-US" dirty="0">
+                <a:solidFill>
+                  <a:srgbClr val="008080"/>
+                </a:solidFill>
+                <a:effectLst/>
+                <a:latin typeface="Times New Roman"/>
+                <a:ea typeface="Calibri"/>
+                <a:cs typeface="Times New Roman"/>
+              </a:rPr>
+              <a:t>&lt;/</a:t>
+            </a:r>
+            <a:r>
+              <a:rPr lang="en-US" dirty="0">
+                <a:solidFill>
+                  <a:srgbClr val="3F7F7F"/>
+                </a:solidFill>
+                <a:effectLst/>
+                <a:latin typeface="Times New Roman"/>
+                <a:ea typeface="Calibri"/>
+                <a:cs typeface="Times New Roman"/>
+              </a:rPr>
+              <a:t>bpel:process</a:t>
+            </a:r>
+            <a:r>
+              <a:rPr lang="en-US" dirty="0">
+                <a:solidFill>
+                  <a:srgbClr val="008080"/>
+                </a:solidFill>
+                <a:effectLst/>
+                <a:latin typeface="Times New Roman"/>
+                <a:ea typeface="Calibri"/>
+                <a:cs typeface="Times New Roman"/>
+              </a:rPr>
+              <a:t>&gt;</a:t>
+            </a:r>
+            <a:endParaRPr lang="en-US" dirty="0">
+              <a:effectLst/>
+              <a:latin typeface="Times New Roman"/>
+              <a:ea typeface="Calibri"/>
+              <a:cs typeface="Times New Roman"/>
+            </a:endParaRPr>
+          </a:p>
+          <a:p>
+            <a:pPr indent="457200" algn="l">
+              <a:lnSpc>
+                <a:spcPct val="150000"/>
+              </a:lnSpc>
+              <a:spcBef>
+                <a:spcPts val="600"/>
+              </a:spcBef>
+              <a:spcAft>
+                <a:spcPts val="600"/>
+              </a:spcAft>
+            </a:pPr>
+            <a:r>
+              <a:rPr lang="en-US" sz="1400" dirty="0">
+                <a:effectLst/>
+                <a:latin typeface="Times New Roman"/>
+                <a:ea typeface="Calibri"/>
+                <a:cs typeface="Times New Roman"/>
+              </a:rPr>
+              <a:t> </a:t>
+            </a:r>
+          </a:p>
+        </p:txBody>
+      </p:sp>
+    </p:spTree>
+    <p:extLst>
+      <p:ext uri="{BB962C8B-B14F-4D97-AF65-F5344CB8AC3E}">
+        <p14:creationId xmlns:p14="http://schemas.microsoft.com/office/powerpoint/2010/main" val="1029150841"/>
+      </p:ext>
+    </p:extLst>
+  </p:cSld>
+  <p:clrMapOvr>
+    <a:masterClrMapping/>
+  </p:clrMapOvr>
+  <p:timing>
+    <p:tnLst>
+      <p:par>
+        <p:cTn id="1" dur="indefinite" restart="never" nodeType="tmRoot"/>
+      </p:par>
+    </p:tnLst>
+  </p:timing>
+</p:sld>
+</file>
+
+<file path=ppt/slides/slide32.xml><?xml version="1.0" encoding="utf-8"?>
+<p:sld xmlns:a="http://schemas.openxmlformats.org/drawingml/2006/main" xmlns:r="http://schemas.openxmlformats.org/officeDocument/2006/relationships" xmlns:p="http://schemas.openxmlformats.org/presentationml/2006/main">
+  <p:cSld>
+    <p:spTree>
+      <p:nvGrpSpPr>
+        <p:cNvPr id="1" name=""/>
+        <p:cNvGrpSpPr/>
+        <p:nvPr/>
+      </p:nvGrpSpPr>
+      <p:grpSpPr>
+        <a:xfrm>
+          <a:off x="0" y="0"/>
+          <a:ext cx="0" cy="0"/>
+          <a:chOff x="0" y="0"/>
+          <a:chExt cx="0" cy="0"/>
+        </a:xfrm>
+      </p:grpSpPr>
+      <p:sp>
+        <p:nvSpPr>
+          <p:cNvPr id="2" name="Slide Number Placeholder 1"/>
+          <p:cNvSpPr>
+            <a:spLocks noGrp="1"/>
+          </p:cNvSpPr>
+          <p:nvPr>
+            <p:ph type="sldNum" sz="quarter" idx="12"/>
+          </p:nvPr>
+        </p:nvSpPr>
+        <p:spPr/>
+        <p:txBody>
+          <a:bodyPr/>
+          <a:lstStyle/>
+          <a:p>
+            <a:fld id="{9DFD9A34-EC64-4F0B-9C9B-2C0A202A050B}" type="slidenum">
+              <a:rPr lang="en-US" smtClean="0"/>
+              <a:pPr/>
+              <a:t>32</a:t>
+            </a:fld>
+            <a:endParaRPr lang="en-US" dirty="0"/>
+          </a:p>
+        </p:txBody>
+      </p:sp>
+      <p:sp>
+        <p:nvSpPr>
+          <p:cNvPr id="3" name="Content Placeholder 2"/>
+          <p:cNvSpPr>
+            <a:spLocks noGrp="1"/>
+          </p:cNvSpPr>
+          <p:nvPr>
+            <p:ph sz="quarter" idx="14"/>
+          </p:nvPr>
+        </p:nvSpPr>
+        <p:spPr>
+          <a:xfrm>
+            <a:off x="779926" y="990600"/>
+            <a:ext cx="10496086" cy="5867400"/>
+          </a:xfrm>
+        </p:spPr>
+        <p:txBody>
+          <a:bodyPr>
+            <a:normAutofit/>
+          </a:bodyPr>
+          <a:lstStyle/>
+          <a:p>
+            <a:pPr lvl="2" indent="0"/>
+            <a:r>
+              <a:rPr lang="en-US" sz="3000" b="1" dirty="0" smtClean="0"/>
+              <a:t>Các thành phần</a:t>
+            </a:r>
+          </a:p>
+          <a:p>
+            <a:pPr lvl="2"/>
+            <a:r>
+              <a:rPr lang="en-US" sz="2600" b="1" dirty="0"/>
+              <a:t>Basic Activity:</a:t>
+            </a:r>
+            <a:r>
+              <a:rPr lang="en-US" sz="2600" dirty="0"/>
+              <a:t> là các Activity đơn thể, nó không thể chứa được bất kỳ các Actyvity nào khác bên trong nó nữa.</a:t>
+            </a:r>
+          </a:p>
+          <a:p>
+            <a:pPr lvl="2"/>
+            <a:r>
+              <a:rPr lang="en-US" sz="2600" b="1" dirty="0"/>
+              <a:t>Structrer Activity:</a:t>
+            </a:r>
+            <a:r>
+              <a:rPr lang="en-US" sz="2600" dirty="0"/>
+              <a:t> là các Activity có cấu trúc, nó có thể chứa được các Activity khác bên trong nó.</a:t>
+            </a:r>
+          </a:p>
+          <a:p>
+            <a:pPr lvl="2"/>
+            <a:r>
+              <a:rPr lang="en-US" sz="2600" b="1" dirty="0"/>
+              <a:t>Faul Handle Activity:</a:t>
+            </a:r>
+            <a:r>
+              <a:rPr lang="en-US" sz="2600" dirty="0"/>
+              <a:t> các Activity này được sử dụng để thụ lý lỗi và các ngoại lệ xảy ra trong quá trình hoạt động của một tiến trình</a:t>
+            </a:r>
+          </a:p>
+          <a:p>
+            <a:pPr lvl="2">
+              <a:lnSpc>
+                <a:spcPct val="140000"/>
+              </a:lnSpc>
+            </a:pPr>
+            <a:endParaRPr lang="en-US" sz="3100" dirty="0"/>
+          </a:p>
+          <a:p>
+            <a:pPr lvl="2"/>
+            <a:endParaRPr lang="en-US" sz="2800" dirty="0"/>
+          </a:p>
+          <a:p>
+            <a:pPr lvl="2"/>
+            <a:endParaRPr lang="en-US" sz="2800" dirty="0"/>
+          </a:p>
+          <a:p>
+            <a:pPr lvl="2"/>
+            <a:endParaRPr lang="en-US" sz="2800" dirty="0" smtClean="0"/>
+          </a:p>
+          <a:p>
+            <a:endParaRPr lang="en-US" dirty="0"/>
+          </a:p>
+        </p:txBody>
+      </p:sp>
+      <p:sp>
+        <p:nvSpPr>
+          <p:cNvPr id="4" name="Title 3"/>
+          <p:cNvSpPr>
+            <a:spLocks noGrp="1"/>
+          </p:cNvSpPr>
+          <p:nvPr>
+            <p:ph type="title"/>
+          </p:nvPr>
+        </p:nvSpPr>
+        <p:spPr/>
+        <p:txBody>
+          <a:bodyPr>
+            <a:normAutofit fontScale="90000"/>
+          </a:bodyPr>
+          <a:lstStyle/>
+          <a:p>
+            <a:r>
+              <a:rPr lang="en-US" dirty="0"/>
+              <a:t>1.4  Ngôn ngữ thi hành quy trình nghiệp vụ - BPEL</a:t>
+            </a:r>
+            <a:endParaRPr lang="en-US" dirty="0"/>
+          </a:p>
+        </p:txBody>
+      </p:sp>
+    </p:spTree>
+    <p:extLst>
+      <p:ext uri="{BB962C8B-B14F-4D97-AF65-F5344CB8AC3E}">
+        <p14:creationId xmlns:p14="http://schemas.microsoft.com/office/powerpoint/2010/main" val="269385439"/>
+      </p:ext>
+    </p:extLst>
+  </p:cSld>
+  <p:clrMapOvr>
+    <a:masterClrMapping/>
+  </p:clrMapOvr>
+  <p:timing>
+    <p:tnLst>
+      <p:par>
+        <p:cTn id="1" dur="indefinite" restart="never" nodeType="tmRoot"/>
+      </p:par>
+    </p:tnLst>
+  </p:timing>
+</p:sld>
+</file>
+
+<file path=ppt/slides/slide33.xml><?xml version="1.0" encoding="utf-8"?>
+<p:sld xmlns:a="http://schemas.openxmlformats.org/drawingml/2006/main" xmlns:r="http://schemas.openxmlformats.org/officeDocument/2006/relationships" xmlns:p="http://schemas.openxmlformats.org/presentationml/2006/main">
+  <p:cSld>
+    <p:spTree>
+      <p:nvGrpSpPr>
+        <p:cNvPr id="1" name=""/>
+        <p:cNvGrpSpPr/>
+        <p:nvPr/>
+      </p:nvGrpSpPr>
+      <p:grpSpPr>
+        <a:xfrm>
+          <a:off x="0" y="0"/>
+          <a:ext cx="0" cy="0"/>
+          <a:chOff x="0" y="0"/>
+          <a:chExt cx="0" cy="0"/>
+        </a:xfrm>
+      </p:grpSpPr>
+      <p:sp>
+        <p:nvSpPr>
+          <p:cNvPr id="2" name="Slide Number Placeholder 1"/>
+          <p:cNvSpPr>
+            <a:spLocks noGrp="1"/>
+          </p:cNvSpPr>
+          <p:nvPr>
+            <p:ph type="sldNum" sz="quarter" idx="12"/>
+          </p:nvPr>
+        </p:nvSpPr>
+        <p:spPr/>
+        <p:txBody>
+          <a:bodyPr/>
+          <a:lstStyle/>
+          <a:p>
+            <a:fld id="{9DFD9A34-EC64-4F0B-9C9B-2C0A202A050B}" type="slidenum">
+              <a:rPr lang="en-US" smtClean="0"/>
+              <a:pPr/>
+              <a:t>33</a:t>
+            </a:fld>
+            <a:endParaRPr lang="en-US" dirty="0"/>
+          </a:p>
+        </p:txBody>
+      </p:sp>
+      <p:sp>
+        <p:nvSpPr>
+          <p:cNvPr id="3" name="Content Placeholder 2"/>
+          <p:cNvSpPr>
+            <a:spLocks noGrp="1"/>
+          </p:cNvSpPr>
+          <p:nvPr>
+            <p:ph sz="quarter" idx="14"/>
+          </p:nvPr>
+        </p:nvSpPr>
+        <p:spPr>
+          <a:xfrm>
+            <a:off x="779926" y="990600"/>
+            <a:ext cx="10496086" cy="5867400"/>
+          </a:xfrm>
+        </p:spPr>
+        <p:txBody>
+          <a:bodyPr>
+            <a:normAutofit fontScale="85000" lnSpcReduction="20000"/>
+          </a:bodyPr>
+          <a:lstStyle/>
+          <a:p>
+            <a:pPr lvl="2">
+              <a:lnSpc>
+                <a:spcPct val="170000"/>
+              </a:lnSpc>
+            </a:pPr>
+            <a:r>
+              <a:rPr lang="en-US" sz="3100" dirty="0"/>
+              <a:t>&lt;throw&gt;: cho phép ném lỗi từ bên trong một tiến trình.</a:t>
+            </a:r>
+          </a:p>
+          <a:p>
+            <a:pPr lvl="2">
+              <a:lnSpc>
+                <a:spcPct val="170000"/>
+              </a:lnSpc>
+            </a:pPr>
+            <a:r>
+              <a:rPr lang="en-US" sz="3100" dirty="0"/>
+              <a:t>&lt;terminate&gt;: là một cấu trúc cho phép bạn chấm dứt một quá trình </a:t>
+            </a:r>
+            <a:r>
+              <a:rPr lang="en-US" sz="3100" dirty="0" smtClean="0"/>
+              <a:t>nghiệp </a:t>
+            </a:r>
+            <a:r>
+              <a:rPr lang="en-US" sz="3100" dirty="0"/>
+              <a:t>vụ ngay lập tức</a:t>
+            </a:r>
+          </a:p>
+          <a:p>
+            <a:pPr lvl="2">
+              <a:lnSpc>
+                <a:spcPct val="170000"/>
+              </a:lnSpc>
+            </a:pPr>
+            <a:r>
+              <a:rPr lang="en-US" sz="3100" dirty="0"/>
+              <a:t>&lt;wait&gt;: cho phép dừng xử lý trong bao lâu hay tới một thời điểm nào đó</a:t>
+            </a:r>
+          </a:p>
+          <a:p>
+            <a:pPr lvl="2">
+              <a:lnSpc>
+                <a:spcPct val="170000"/>
+              </a:lnSpc>
+            </a:pPr>
+            <a:r>
+              <a:rPr lang="en-US" sz="3100" dirty="0"/>
+              <a:t>&lt;empty&gt;: cho phép chèn một xử lý không làm gì cả vào tiến trình, điều </a:t>
+            </a:r>
+            <a:r>
+              <a:rPr lang="en-US" sz="3100" dirty="0" smtClean="0"/>
+              <a:t>này </a:t>
+            </a:r>
+            <a:r>
+              <a:rPr lang="en-US" sz="3100" dirty="0"/>
+              <a:t>rất cần thiết khi cần phải đồng bộ những xữ lý đang được xữ lý </a:t>
+            </a:r>
+            <a:r>
+              <a:rPr lang="en-US" sz="3100" dirty="0" smtClean="0"/>
+              <a:t>cùng lúc</a:t>
+            </a:r>
+            <a:endParaRPr lang="en-US" sz="3100" dirty="0"/>
+          </a:p>
+          <a:p>
+            <a:pPr lvl="2">
+              <a:lnSpc>
+                <a:spcPct val="170000"/>
+              </a:lnSpc>
+            </a:pPr>
+            <a:r>
+              <a:rPr lang="en-US" sz="3100" dirty="0"/>
+              <a:t>&lt;sequence&gt;: cho phép chỉ định những xử lý cần được thức hiện tuần </a:t>
+            </a:r>
+            <a:r>
+              <a:rPr lang="en-US" sz="3100" dirty="0" smtClean="0"/>
+              <a:t>tự</a:t>
+            </a:r>
+            <a:endParaRPr lang="en-US" sz="3100" dirty="0"/>
+          </a:p>
+          <a:p>
+            <a:pPr lvl="2">
+              <a:lnSpc>
+                <a:spcPct val="170000"/>
+              </a:lnSpc>
+            </a:pPr>
+            <a:r>
+              <a:rPr lang="en-US" sz="3100" dirty="0"/>
+              <a:t>&lt;flow&gt;: cho phép chỉ định các xử lý cần được xử lý song song</a:t>
+            </a:r>
+          </a:p>
+          <a:p>
+            <a:pPr lvl="2"/>
+            <a:endParaRPr lang="en-US" sz="2800" dirty="0"/>
+          </a:p>
+          <a:p>
+            <a:pPr lvl="2"/>
+            <a:endParaRPr lang="en-US" sz="2800" dirty="0"/>
+          </a:p>
+          <a:p>
+            <a:pPr lvl="2"/>
+            <a:endParaRPr lang="en-US" sz="2800" dirty="0" smtClean="0"/>
+          </a:p>
+          <a:p>
+            <a:endParaRPr lang="en-US" dirty="0"/>
+          </a:p>
+        </p:txBody>
+      </p:sp>
+      <p:sp>
+        <p:nvSpPr>
+          <p:cNvPr id="4" name="Title 3"/>
+          <p:cNvSpPr>
+            <a:spLocks noGrp="1"/>
+          </p:cNvSpPr>
+          <p:nvPr>
+            <p:ph type="title"/>
+          </p:nvPr>
+        </p:nvSpPr>
+        <p:spPr/>
+        <p:txBody>
+          <a:bodyPr>
+            <a:normAutofit fontScale="90000"/>
+          </a:bodyPr>
+          <a:lstStyle/>
+          <a:p>
+            <a:r>
+              <a:rPr lang="en-US" dirty="0"/>
+              <a:t>1.4  Ngôn ngữ thi hành quy trình nghiệp vụ - BPEL</a:t>
+            </a:r>
+            <a:endParaRPr lang="en-US" dirty="0"/>
+          </a:p>
+        </p:txBody>
+      </p:sp>
+    </p:spTree>
+    <p:extLst>
+      <p:ext uri="{BB962C8B-B14F-4D97-AF65-F5344CB8AC3E}">
+        <p14:creationId xmlns:p14="http://schemas.microsoft.com/office/powerpoint/2010/main" val="3796008667"/>
       </p:ext>
     </p:extLst>
   </p:cSld>

--- a/WORD/luanvan_nhanhnt_ver1.pptx
+++ b/WORD/luanvan_nhanhnt_ver1.pptx
@@ -7,7 +7,7 @@
     <p:sldMasterId id="2147483652" r:id="rId3"/>
   </p:sldMasterIdLst>
   <p:notesMasterIdLst>
-    <p:notesMasterId r:id="rId37"/>
+    <p:notesMasterId r:id="rId48"/>
   </p:notesMasterIdLst>
   <p:sldIdLst>
     <p:sldId id="256" r:id="rId4"/>
@@ -42,7 +42,18 @@
     <p:sldId id="287" r:id="rId33"/>
     <p:sldId id="291" r:id="rId34"/>
     <p:sldId id="289" r:id="rId35"/>
-    <p:sldId id="290" r:id="rId36"/>
+    <p:sldId id="292" r:id="rId36"/>
+    <p:sldId id="293" r:id="rId37"/>
+    <p:sldId id="294" r:id="rId38"/>
+    <p:sldId id="295" r:id="rId39"/>
+    <p:sldId id="296" r:id="rId40"/>
+    <p:sldId id="297" r:id="rId41"/>
+    <p:sldId id="298" r:id="rId42"/>
+    <p:sldId id="299" r:id="rId43"/>
+    <p:sldId id="300" r:id="rId44"/>
+    <p:sldId id="301" r:id="rId45"/>
+    <p:sldId id="302" r:id="rId46"/>
+    <p:sldId id="303" r:id="rId47"/>
   </p:sldIdLst>
   <p:sldSz cx="12188825" cy="6858000"/>
   <p:notesSz cx="6858000" cy="9144000"/>
@@ -226,7 +237,7 @@
           <a:p>
             <a:fld id="{CA3BC56F-4620-49B9-A5A5-EC9358827620}" type="datetimeFigureOut">
               <a:rPr lang="en-US" smtClean="0"/>
-              <a:t>4/1/2016</a:t>
+              <a:t>6/1/2016</a:t>
             </a:fld>
             <a:endParaRPr lang="en-US"/>
           </a:p>
@@ -5957,7 +5968,6 @@
               <a:rPr lang="en-US" dirty="0"/>
               <a:t>phần &lt; wsdl:porttype&gt;, ta thường gặp 4 kiểu thao tác được WSDL định nghĩa dưới đây</a:t>
             </a:r>
-            <a:endParaRPr lang="en-US" dirty="0"/>
           </a:p>
           <a:p>
             <a:pPr marL="342900" indent="-342900">
@@ -7024,7 +7034,6 @@
               <a:rPr lang="en-US" b="1" dirty="0" smtClean="0"/>
               <a:t>1.2 Kiến trúc hướng dịch vụ</a:t>
             </a:r>
-            <a:endParaRPr lang="en-US" b="1" dirty="0" smtClean="0"/>
           </a:p>
           <a:p>
             <a:pPr>
@@ -7036,7 +7045,6 @@
               <a:rPr lang="en-US" b="1" dirty="0" smtClean="0"/>
               <a:t>1.2.1 Kiến trúc hướng dịch vụ là gì?</a:t>
             </a:r>
-            <a:endParaRPr lang="en-US" b="1" dirty="0" smtClean="0"/>
           </a:p>
           <a:p>
             <a:pPr lvl="2">
@@ -7078,15 +7086,7 @@
           <a:p>
             <a:r>
               <a:rPr lang="en-US" dirty="0" smtClean="0"/>
-              <a:t>Chương </a:t>
-            </a:r>
-            <a:r>
-              <a:rPr lang="en-US" dirty="0" smtClean="0"/>
-              <a:t>1 </a:t>
-            </a:r>
-            <a:r>
-              <a:rPr lang="en-US" dirty="0" smtClean="0"/>
-              <a:t>: Tổng quan về kiến trúc hướng dịch vụ</a:t>
+              <a:t>Chương 1 : Tổng quan về kiến trúc hướng dịch vụ</a:t>
             </a:r>
             <a:endParaRPr lang="en-US" dirty="0"/>
           </a:p>
@@ -7447,11 +7447,7 @@
             </a:r>
             <a:r>
               <a:rPr lang="vi-VN" sz="2800" dirty="0"/>
-              <a:t>các yêu cầu. </a:t>
-            </a:r>
-            <a:r>
-              <a:rPr lang="vi-VN" sz="2800" dirty="0"/>
-              <a:t>Điều này giúp giảm thiểu chi phí trong quá trình phát triển.</a:t>
+              <a:t>các yêu cầu. Điều này giúp giảm thiểu chi phí trong quá trình phát triển.</a:t>
             </a:r>
             <a:endParaRPr lang="en-US" sz="2800" dirty="0" smtClean="0"/>
           </a:p>
@@ -7571,11 +7567,7 @@
             <a:pPr lvl="2"/>
             <a:r>
               <a:rPr lang="vi-VN" sz="2800" dirty="0"/>
-              <a:t>Với tính chất kết nối lỏng lẻo: mỗi thành phần hoàn toàn độc lập với nhau giúp cho hệ thống hết sức linh hoạt, ít xảy ra sự cố. </a:t>
-            </a:r>
-            <a:r>
-              <a:rPr lang="vi-VN" sz="2800" dirty="0"/>
-              <a:t>Thậm chí nếu có sự cố thì hệ thống vẫn có thể tiếp tục hoạt động trong khi có thành phần bị lỗi hoặc </a:t>
+              <a:t>Với tính chất kết nối lỏng lẻo: mỗi thành phần hoàn toàn độc lập với nhau giúp cho hệ thống hết sức linh hoạt, ít xảy ra sự cố. Thậm chí nếu có sự cố thì hệ thống vẫn có thể tiếp tục hoạt động trong khi có thành phần bị lỗi hoặc </a:t>
             </a:r>
             <a:r>
               <a:rPr lang="vi-VN" sz="2800" dirty="0" smtClean="0"/>
@@ -7697,7 +7689,6 @@
               <a:rPr lang="en-US" dirty="0"/>
               <a:t>1.2.1 Kiến trúc hướng dịch vụ là gì?</a:t>
             </a:r>
-            <a:endParaRPr lang="en-US" dirty="0"/>
           </a:p>
         </p:txBody>
       </p:sp>
@@ -7789,7 +7780,6 @@
               <a:rPr lang="en-US" sz="2800" dirty="0" smtClean="0"/>
               <a:t>Mô hình tổng quan của SOA</a:t>
             </a:r>
-            <a:endParaRPr lang="en-US" sz="2800" dirty="0" smtClean="0"/>
           </a:p>
           <a:p>
             <a:endParaRPr lang="en-US" dirty="0"/>
@@ -7817,7 +7807,6 @@
               <a:rPr lang="en-US" dirty="0"/>
               <a:t>1.2.1 Kiến trúc hướng dịch vụ là gì?</a:t>
             </a:r>
-            <a:endParaRPr lang="en-US" dirty="0"/>
           </a:p>
         </p:txBody>
       </p:sp>
@@ -8571,7 +8560,6 @@
               <a:rPr lang="en-US" sz="2800" dirty="0"/>
               <a:t>được truyền nhận giữa các dịch vụ</a:t>
             </a:r>
-            <a:endParaRPr lang="en-US" sz="2800" dirty="0"/>
           </a:p>
           <a:p>
             <a:pPr lvl="2"/>
@@ -8603,7 +8591,6 @@
               <a:rPr lang="en-US" dirty="0"/>
               <a:t>1.2.1 Kiến trúc hướng dịch vụ là gì?</a:t>
             </a:r>
-            <a:endParaRPr lang="en-US" dirty="0"/>
           </a:p>
         </p:txBody>
       </p:sp>
@@ -9712,7 +9699,6 @@
               <a:rPr lang="en-US" dirty="0"/>
               <a:t>1.4  Ngôn ngữ thi hành quy trình nghiệp vụ - BPEL</a:t>
             </a:r>
-            <a:endParaRPr lang="en-US" dirty="0"/>
           </a:p>
         </p:txBody>
       </p:sp>
@@ -9993,7 +9979,6 @@
               <a:rPr lang="en-US" dirty="0"/>
               <a:t>1.4  Ngôn ngữ thi hành quy trình nghiệp vụ - BPEL</a:t>
             </a:r>
-            <a:endParaRPr lang="en-US" dirty="0"/>
           </a:p>
         </p:txBody>
       </p:sp>
@@ -10128,7 +10113,6 @@
               <a:rPr lang="en-US" dirty="0"/>
               <a:t>1.4  Ngôn ngữ thi hành quy trình nghiệp vụ - BPEL</a:t>
             </a:r>
-            <a:endParaRPr lang="en-US" dirty="0"/>
           </a:p>
         </p:txBody>
       </p:sp>
@@ -11024,46 +11008,61 @@
         </p:spPr>
         <p:txBody>
           <a:bodyPr>
-            <a:normAutofit/>
+            <a:normAutofit fontScale="85000" lnSpcReduction="20000"/>
           </a:bodyPr>
           <a:lstStyle/>
           <a:p>
             <a:pPr lvl="2" indent="0"/>
             <a:r>
               <a:rPr lang="en-US" sz="3000" b="1" dirty="0" smtClean="0"/>
-              <a:t>Các thành phần</a:t>
+              <a:t>Các thành </a:t>
+            </a:r>
+            <a:r>
+              <a:rPr lang="en-US" sz="3000" b="1" dirty="0" smtClean="0"/>
+              <a:t>phần</a:t>
+            </a:r>
+          </a:p>
+          <a:p>
+            <a:pPr lvl="2">
+              <a:lnSpc>
+                <a:spcPct val="170000"/>
+              </a:lnSpc>
+            </a:pPr>
+            <a:r>
+              <a:rPr lang="en-US" sz="2800" dirty="0"/>
+              <a:t>Một tiến trình BPEL được thể hiện qua các Activity, các Activity trong BPEL được thực hiện tuần tự theo cấu trúc được khai báo trong tiến trình. Được chia làm ba nhóm:</a:t>
             </a:r>
           </a:p>
           <a:p>
             <a:pPr lvl="2"/>
             <a:r>
-              <a:rPr lang="en-US" sz="2600" b="1" dirty="0"/>
+              <a:rPr lang="en-US" sz="2800" b="1" dirty="0"/>
               <a:t>Basic Activity:</a:t>
             </a:r>
             <a:r>
-              <a:rPr lang="en-US" sz="2600" dirty="0"/>
+              <a:rPr lang="en-US" sz="2800" dirty="0"/>
               <a:t> là các Activity đơn thể, nó không thể chứa được bất kỳ các Actyvity nào khác bên trong nó nữa.</a:t>
             </a:r>
           </a:p>
           <a:p>
             <a:pPr lvl="2"/>
             <a:r>
-              <a:rPr lang="en-US" sz="2600" b="1" dirty="0"/>
+              <a:rPr lang="en-US" sz="2800" b="1" dirty="0"/>
               <a:t>Structrer Activity:</a:t>
             </a:r>
             <a:r>
-              <a:rPr lang="en-US" sz="2600" dirty="0"/>
+              <a:rPr lang="en-US" sz="2800" dirty="0"/>
               <a:t> là các Activity có cấu trúc, nó có thể chứa được các Activity khác bên trong nó.</a:t>
             </a:r>
           </a:p>
           <a:p>
             <a:pPr lvl="2"/>
             <a:r>
-              <a:rPr lang="en-US" sz="2600" b="1" dirty="0"/>
+              <a:rPr lang="en-US" sz="2800" b="1" dirty="0"/>
               <a:t>Faul Handle Activity:</a:t>
             </a:r>
             <a:r>
-              <a:rPr lang="en-US" sz="2600" dirty="0"/>
+              <a:rPr lang="en-US" sz="2800" dirty="0"/>
               <a:t> các Activity này được sử dụng để thụ lý lỗi và các ngoại lệ xảy ra trong quá trình hoạt động của một tiến trình</a:t>
             </a:r>
           </a:p>
@@ -11113,7 +11112,6 @@
               <a:rPr lang="en-US" dirty="0"/>
               <a:t>1.4  Ngôn ngữ thi hành quy trình nghiệp vụ - BPEL</a:t>
             </a:r>
-            <a:endParaRPr lang="en-US" dirty="0"/>
           </a:p>
         </p:txBody>
       </p:sp>
@@ -11196,7 +11194,7 @@
         </p:spPr>
         <p:txBody>
           <a:bodyPr>
-            <a:normAutofit fontScale="85000" lnSpcReduction="20000"/>
+            <a:normAutofit/>
           </a:bodyPr>
           <a:lstStyle/>
           <a:p>
@@ -11206,8 +11204,16 @@
               </a:lnSpc>
             </a:pPr>
             <a:r>
-              <a:rPr lang="en-US" sz="3100" dirty="0"/>
-              <a:t>&lt;throw&gt;: cho phép ném lỗi từ bên trong một tiến trình.</a:t>
+              <a:rPr lang="en-US" sz="2800" dirty="0" smtClean="0"/>
+              <a:t>Kiến </a:t>
+            </a:r>
+            <a:r>
+              <a:rPr lang="en-US" sz="2800" dirty="0"/>
+              <a:t>trúc hướng dịch vụ (SOA) là một kiểu kiến trúc có khả năng tái sử dụng lại các tài nguyên sẵn có, khả năng mở rộng và liên kết tốt với các hệ thống mới để tạo nên một môi trường đồng nhất, nó bao gồm các dịch vụ nghiệp vụ độc lập, không đồng nhất được kết hợp với nhau trong quy trình nghiệp vụ linh hoạt mềm </a:t>
+            </a:r>
+            <a:r>
+              <a:rPr lang="en-US" sz="2800" dirty="0" smtClean="0"/>
+              <a:t>dẻo. </a:t>
             </a:r>
           </a:p>
           <a:p>
@@ -11216,19 +11222,140 @@
                 <a:spcPct val="170000"/>
               </a:lnSpc>
             </a:pPr>
-            <a:r>
-              <a:rPr lang="en-US" sz="3100" dirty="0"/>
-              <a:t>&lt;terminate&gt;: là một cấu trúc cho phép bạn chấm dứt một quá trình </a:t>
-            </a:r>
-            <a:r>
-              <a:rPr lang="en-US" sz="3100" dirty="0" smtClean="0"/>
-              <a:t>nghiệp </a:t>
-            </a:r>
-            <a:r>
-              <a:rPr lang="en-US" sz="3100" dirty="0"/>
-              <a:t>vụ ngay lập tức</a:t>
-            </a:r>
-          </a:p>
+            <a:endParaRPr lang="en-US" sz="2800" dirty="0"/>
+          </a:p>
+          <a:p>
+            <a:pPr lvl="2">
+              <a:lnSpc>
+                <a:spcPct val="140000"/>
+              </a:lnSpc>
+            </a:pPr>
+            <a:endParaRPr lang="en-US" sz="3100" dirty="0"/>
+          </a:p>
+          <a:p>
+            <a:pPr lvl="2"/>
+            <a:endParaRPr lang="en-US" sz="2800" dirty="0"/>
+          </a:p>
+          <a:p>
+            <a:pPr lvl="2"/>
+            <a:endParaRPr lang="en-US" sz="2800" dirty="0"/>
+          </a:p>
+          <a:p>
+            <a:pPr lvl="2"/>
+            <a:endParaRPr lang="en-US" sz="2800" dirty="0" smtClean="0"/>
+          </a:p>
+          <a:p>
+            <a:endParaRPr lang="en-US" dirty="0"/>
+          </a:p>
+        </p:txBody>
+      </p:sp>
+      <p:sp>
+        <p:nvSpPr>
+          <p:cNvPr id="4" name="Title 3"/>
+          <p:cNvSpPr>
+            <a:spLocks noGrp="1"/>
+          </p:cNvSpPr>
+          <p:nvPr>
+            <p:ph type="title"/>
+          </p:nvPr>
+        </p:nvSpPr>
+        <p:spPr/>
+        <p:txBody>
+          <a:bodyPr>
+            <a:normAutofit fontScale="90000"/>
+          </a:bodyPr>
+          <a:lstStyle/>
+          <a:p>
+            <a:r>
+              <a:rPr lang="en-US" dirty="0" smtClean="0"/>
+              <a:t>1.5  Tổng kết chương 1</a:t>
+            </a:r>
+            <a:endParaRPr lang="en-US" dirty="0"/>
+          </a:p>
+        </p:txBody>
+      </p:sp>
+    </p:spTree>
+    <p:extLst>
+      <p:ext uri="{BB962C8B-B14F-4D97-AF65-F5344CB8AC3E}">
+        <p14:creationId xmlns:p14="http://schemas.microsoft.com/office/powerpoint/2010/main" val="424622559"/>
+      </p:ext>
+    </p:extLst>
+  </p:cSld>
+  <p:clrMapOvr>
+    <a:masterClrMapping/>
+  </p:clrMapOvr>
+  <p:timing>
+    <p:tnLst>
+      <p:par>
+        <p:cTn id="1" dur="indefinite" restart="never" nodeType="tmRoot"/>
+      </p:par>
+    </p:tnLst>
+  </p:timing>
+</p:sld>
+</file>
+
+<file path=ppt/slides/slide34.xml><?xml version="1.0" encoding="utf-8"?>
+<p:sld xmlns:a="http://schemas.openxmlformats.org/drawingml/2006/main" xmlns:r="http://schemas.openxmlformats.org/officeDocument/2006/relationships" xmlns:p="http://schemas.openxmlformats.org/presentationml/2006/main">
+  <p:cSld>
+    <p:spTree>
+      <p:nvGrpSpPr>
+        <p:cNvPr id="1" name=""/>
+        <p:cNvGrpSpPr/>
+        <p:nvPr/>
+      </p:nvGrpSpPr>
+      <p:grpSpPr>
+        <a:xfrm>
+          <a:off x="0" y="0"/>
+          <a:ext cx="0" cy="0"/>
+          <a:chOff x="0" y="0"/>
+          <a:chExt cx="0" cy="0"/>
+        </a:xfrm>
+      </p:grpSpPr>
+      <p:sp>
+        <p:nvSpPr>
+          <p:cNvPr id="2" name="Slide Number Placeholder 1"/>
+          <p:cNvSpPr>
+            <a:spLocks noGrp="1"/>
+          </p:cNvSpPr>
+          <p:nvPr>
+            <p:ph type="sldNum" sz="quarter" idx="12"/>
+          </p:nvPr>
+        </p:nvSpPr>
+        <p:spPr/>
+        <p:txBody>
+          <a:bodyPr/>
+          <a:lstStyle/>
+          <a:p>
+            <a:fld id="{9DFD9A34-EC64-4F0B-9C9B-2C0A202A050B}" type="slidenum">
+              <a:rPr lang="en-US" smtClean="0"/>
+              <a:pPr/>
+              <a:t>34</a:t>
+            </a:fld>
+            <a:endParaRPr lang="en-US" dirty="0"/>
+          </a:p>
+        </p:txBody>
+      </p:sp>
+      <p:sp>
+        <p:nvSpPr>
+          <p:cNvPr id="3" name="Content Placeholder 2"/>
+          <p:cNvSpPr>
+            <a:spLocks noGrp="1"/>
+          </p:cNvSpPr>
+          <p:nvPr>
+            <p:ph sz="quarter" idx="14"/>
+          </p:nvPr>
+        </p:nvSpPr>
+        <p:spPr>
+          <a:xfrm>
+            <a:off x="779926" y="990600"/>
+            <a:ext cx="10496086" cy="5867400"/>
+          </a:xfrm>
+        </p:spPr>
+        <p:txBody>
+          <a:bodyPr>
+            <a:normAutofit fontScale="92500" lnSpcReduction="20000"/>
+          </a:bodyPr>
+          <a:lstStyle/>
           <a:p>
             <a:pPr lvl="2">
               <a:lnSpc>
@@ -11236,8 +11363,8 @@
               </a:lnSpc>
             </a:pPr>
             <a:r>
-              <a:rPr lang="en-US" sz="3100" dirty="0"/>
-              <a:t>&lt;wait&gt;: cho phép dừng xử lý trong bao lâu hay tới một thời điểm nào đó</a:t>
+              <a:rPr lang="en-US" sz="2800" dirty="0" smtClean="0"/>
+              <a:t>Và công nghệ web service là một lựa chọn lý tưởng để triển khai kiến trúc hướng dịch vụ bởi khả năng đáp ứng mềm dẻo và linh hoạt của nó. Cùng với ngôn ngữ thi hành quy trình nghiệp vụ (BPEL) để định nghĩa tiến trình, các dịch vụ ngoài và sử dụng các tác vụ, các phép toán logic để tạo thành một quy trình.</a:t>
             </a:r>
           </a:p>
           <a:p>
@@ -11247,22 +11374,9 @@
               </a:lnSpc>
             </a:pPr>
             <a:r>
-              <a:rPr lang="en-US" sz="3100" dirty="0"/>
-              <a:t>&lt;empty&gt;: cho phép chèn một xử lý không làm gì cả vào tiến trình, điều </a:t>
-            </a:r>
-            <a:r>
-              <a:rPr lang="en-US" sz="3100" dirty="0" smtClean="0"/>
-              <a:t>này </a:t>
-            </a:r>
-            <a:r>
-              <a:rPr lang="en-US" sz="3100" dirty="0"/>
-              <a:t>rất cần thiết khi cần phải đồng bộ những xữ lý đang được xữ lý </a:t>
-            </a:r>
-            <a:r>
-              <a:rPr lang="en-US" sz="3100" dirty="0" smtClean="0"/>
-              <a:t>cùng lúc</a:t>
-            </a:r>
-            <a:endParaRPr lang="en-US" sz="3100" dirty="0"/>
+              <a:rPr lang="en-US" sz="2800" dirty="0"/>
+              <a:t>Tóm lại, công nghệ  Web service cùng với ngôn ngữ thi hành quy trình nghiệp vụ - BPEL đã hiện thực hóa kiến trúc hướng dịch vụ (SOA), cho phép kết hợp các dịch vụ đơn lẻ và các hệ thống ứng dụng thành một quy trình nghiệp vụ đầy đủ.</a:t>
+            </a:r>
           </a:p>
           <a:p>
             <a:pPr lvl="2">
@@ -11270,26 +11384,15 @@
                 <a:spcPct val="170000"/>
               </a:lnSpc>
             </a:pPr>
-            <a:r>
-              <a:rPr lang="en-US" sz="3100" dirty="0"/>
-              <a:t>&lt;sequence&gt;: cho phép chỉ định những xử lý cần được thức hiện tuần </a:t>
-            </a:r>
-            <a:r>
-              <a:rPr lang="en-US" sz="3100" dirty="0" smtClean="0"/>
-              <a:t>tự</a:t>
-            </a:r>
-            <a:endParaRPr lang="en-US" sz="3100" dirty="0"/>
+            <a:endParaRPr lang="en-US" sz="2800" dirty="0"/>
           </a:p>
           <a:p>
             <a:pPr lvl="2">
               <a:lnSpc>
-                <a:spcPct val="170000"/>
+                <a:spcPct val="140000"/>
               </a:lnSpc>
             </a:pPr>
-            <a:r>
-              <a:rPr lang="en-US" sz="3100" dirty="0"/>
-              <a:t>&lt;flow&gt;: cho phép chỉ định các xử lý cần được xử lý song song</a:t>
-            </a:r>
+            <a:endParaRPr lang="en-US" sz="3100" dirty="0"/>
           </a:p>
           <a:p>
             <a:pPr lvl="2"/>
@@ -11326,8 +11429,8 @@
           <a:lstStyle/>
           <a:p>
             <a:r>
-              <a:rPr lang="en-US" dirty="0"/>
-              <a:t>1.4  Ngôn ngữ thi hành quy trình nghiệp vụ - BPEL</a:t>
+              <a:rPr lang="en-US" dirty="0" smtClean="0"/>
+              <a:t>1.5  Tổng kết chương 1</a:t>
             </a:r>
             <a:endParaRPr lang="en-US" dirty="0"/>
           </a:p>
@@ -11336,7 +11439,858 @@
     </p:spTree>
     <p:extLst>
       <p:ext uri="{BB962C8B-B14F-4D97-AF65-F5344CB8AC3E}">
-        <p14:creationId xmlns:p14="http://schemas.microsoft.com/office/powerpoint/2010/main" val="3796008667"/>
+        <p14:creationId xmlns:p14="http://schemas.microsoft.com/office/powerpoint/2010/main" val="3329713738"/>
+      </p:ext>
+    </p:extLst>
+  </p:cSld>
+  <p:clrMapOvr>
+    <a:masterClrMapping/>
+  </p:clrMapOvr>
+  <p:timing>
+    <p:tnLst>
+      <p:par>
+        <p:cTn id="1" dur="indefinite" restart="never" nodeType="tmRoot"/>
+      </p:par>
+    </p:tnLst>
+  </p:timing>
+</p:sld>
+</file>
+
+<file path=ppt/slides/slide35.xml><?xml version="1.0" encoding="utf-8"?>
+<p:sld xmlns:a="http://schemas.openxmlformats.org/drawingml/2006/main" xmlns:r="http://schemas.openxmlformats.org/officeDocument/2006/relationships" xmlns:p="http://schemas.openxmlformats.org/presentationml/2006/main">
+  <p:cSld>
+    <p:spTree>
+      <p:nvGrpSpPr>
+        <p:cNvPr id="1" name=""/>
+        <p:cNvGrpSpPr/>
+        <p:nvPr/>
+      </p:nvGrpSpPr>
+      <p:grpSpPr>
+        <a:xfrm>
+          <a:off x="0" y="0"/>
+          <a:ext cx="0" cy="0"/>
+          <a:chOff x="0" y="0"/>
+          <a:chExt cx="0" cy="0"/>
+        </a:xfrm>
+      </p:grpSpPr>
+      <p:sp>
+        <p:nvSpPr>
+          <p:cNvPr id="2" name="Slide Number Placeholder 1"/>
+          <p:cNvSpPr>
+            <a:spLocks noGrp="1"/>
+          </p:cNvSpPr>
+          <p:nvPr>
+            <p:ph type="sldNum" sz="quarter" idx="12"/>
+          </p:nvPr>
+        </p:nvSpPr>
+        <p:spPr/>
+        <p:txBody>
+          <a:bodyPr/>
+          <a:lstStyle/>
+          <a:p>
+            <a:fld id="{9DFD9A34-EC64-4F0B-9C9B-2C0A202A050B}" type="slidenum">
+              <a:rPr lang="en-US" smtClean="0"/>
+              <a:pPr/>
+              <a:t>35</a:t>
+            </a:fld>
+            <a:endParaRPr lang="en-US" dirty="0"/>
+          </a:p>
+        </p:txBody>
+      </p:sp>
+      <p:sp>
+        <p:nvSpPr>
+          <p:cNvPr id="3" name="Content Placeholder 2"/>
+          <p:cNvSpPr>
+            <a:spLocks noGrp="1"/>
+          </p:cNvSpPr>
+          <p:nvPr>
+            <p:ph sz="quarter" idx="14"/>
+          </p:nvPr>
+        </p:nvSpPr>
+        <p:spPr>
+          <a:xfrm>
+            <a:off x="779926" y="990600"/>
+            <a:ext cx="10496086" cy="5867400"/>
+          </a:xfrm>
+        </p:spPr>
+        <p:txBody>
+          <a:bodyPr>
+            <a:normAutofit fontScale="92500" lnSpcReduction="20000"/>
+          </a:bodyPr>
+          <a:lstStyle/>
+          <a:p>
+            <a:pPr>
+              <a:lnSpc>
+                <a:spcPct val="200000"/>
+              </a:lnSpc>
+            </a:pPr>
+            <a:r>
+              <a:rPr lang="en-US" sz="2600" b="1" dirty="0" smtClean="0"/>
+              <a:t>2.1 Nền tảng Eclipse</a:t>
+            </a:r>
+            <a:endParaRPr lang="en-US" sz="2600" b="1" dirty="0" smtClean="0"/>
+          </a:p>
+          <a:p>
+            <a:pPr>
+              <a:lnSpc>
+                <a:spcPct val="200000"/>
+              </a:lnSpc>
+            </a:pPr>
+            <a:r>
+              <a:rPr lang="en-US" sz="2600" b="1" dirty="0" smtClean="0"/>
+              <a:t>2.1.1 Giới thiệu</a:t>
+            </a:r>
+            <a:endParaRPr lang="en-US" sz="2600" b="1" dirty="0" smtClean="0"/>
+          </a:p>
+          <a:p>
+            <a:pPr lvl="2">
+              <a:lnSpc>
+                <a:spcPct val="200000"/>
+              </a:lnSpc>
+            </a:pPr>
+            <a:r>
+              <a:rPr lang="en-US" sz="2600" dirty="0"/>
+              <a:t>Eclipse là một nền tảng phát triển phần mềm mã nguồn mở, bao gồm một IDE (Intergrated Development Environment) và một hệ thống plug-in có khả năng mở rộng được</a:t>
+            </a:r>
+            <a:r>
+              <a:rPr lang="en-US" sz="2600" dirty="0" smtClean="0"/>
+              <a:t>.</a:t>
+            </a:r>
+          </a:p>
+          <a:p>
+            <a:pPr lvl="2">
+              <a:lnSpc>
+                <a:spcPct val="200000"/>
+              </a:lnSpc>
+            </a:pPr>
+            <a:r>
+              <a:rPr lang="en-US" sz="2600" dirty="0" smtClean="0"/>
+              <a:t>Eclipse đã xây dựng PDE (</a:t>
+            </a:r>
+            <a:r>
+              <a:rPr lang="en-US" sz="2600" dirty="0"/>
+              <a:t>Plug-in Development </a:t>
+            </a:r>
+            <a:r>
+              <a:rPr lang="en-US" sz="2600" dirty="0" smtClean="0"/>
+              <a:t>Environment) dành cho người muốn mở rộng Eclipse, nó cho phép xây dựng các plug-in tích hợp vào môi trường Eclipse.</a:t>
+            </a:r>
+            <a:endParaRPr lang="en-US" sz="2600" dirty="0" smtClean="0"/>
+          </a:p>
+          <a:p>
+            <a:endParaRPr lang="en-US" dirty="0"/>
+          </a:p>
+        </p:txBody>
+      </p:sp>
+      <p:sp>
+        <p:nvSpPr>
+          <p:cNvPr id="4" name="Title 3"/>
+          <p:cNvSpPr>
+            <a:spLocks noGrp="1"/>
+          </p:cNvSpPr>
+          <p:nvPr>
+            <p:ph type="title"/>
+          </p:nvPr>
+        </p:nvSpPr>
+        <p:spPr/>
+        <p:txBody>
+          <a:bodyPr>
+            <a:normAutofit fontScale="90000"/>
+          </a:bodyPr>
+          <a:lstStyle/>
+          <a:p>
+            <a:r>
+              <a:rPr lang="en-US" dirty="0" smtClean="0"/>
+              <a:t>Chương </a:t>
+            </a:r>
+            <a:r>
+              <a:rPr lang="en-US" dirty="0" smtClean="0"/>
+              <a:t>2 </a:t>
+            </a:r>
+            <a:r>
+              <a:rPr lang="en-US" dirty="0" smtClean="0"/>
+              <a:t>: </a:t>
+            </a:r>
+            <a:r>
+              <a:rPr lang="en-US" dirty="0" smtClean="0"/>
+              <a:t>Khung ứng dụng hỗ trợ lập trình SOA</a:t>
+            </a:r>
+            <a:endParaRPr lang="en-US" dirty="0"/>
+          </a:p>
+        </p:txBody>
+      </p:sp>
+    </p:spTree>
+    <p:extLst>
+      <p:ext uri="{BB962C8B-B14F-4D97-AF65-F5344CB8AC3E}">
+        <p14:creationId xmlns:p14="http://schemas.microsoft.com/office/powerpoint/2010/main" val="1119938358"/>
+      </p:ext>
+    </p:extLst>
+  </p:cSld>
+  <p:clrMapOvr>
+    <a:masterClrMapping/>
+  </p:clrMapOvr>
+  <p:timing>
+    <p:tnLst>
+      <p:par>
+        <p:cTn id="1" dur="indefinite" restart="never" nodeType="tmRoot"/>
+      </p:par>
+    </p:tnLst>
+  </p:timing>
+</p:sld>
+</file>
+
+<file path=ppt/slides/slide36.xml><?xml version="1.0" encoding="utf-8"?>
+<p:sld xmlns:a="http://schemas.openxmlformats.org/drawingml/2006/main" xmlns:r="http://schemas.openxmlformats.org/officeDocument/2006/relationships" xmlns:p="http://schemas.openxmlformats.org/presentationml/2006/main">
+  <p:cSld>
+    <p:spTree>
+      <p:nvGrpSpPr>
+        <p:cNvPr id="1" name=""/>
+        <p:cNvGrpSpPr/>
+        <p:nvPr/>
+      </p:nvGrpSpPr>
+      <p:grpSpPr>
+        <a:xfrm>
+          <a:off x="0" y="0"/>
+          <a:ext cx="0" cy="0"/>
+          <a:chOff x="0" y="0"/>
+          <a:chExt cx="0" cy="0"/>
+        </a:xfrm>
+      </p:grpSpPr>
+      <p:sp>
+        <p:nvSpPr>
+          <p:cNvPr id="2" name="Slide Number Placeholder 1"/>
+          <p:cNvSpPr>
+            <a:spLocks noGrp="1"/>
+          </p:cNvSpPr>
+          <p:nvPr>
+            <p:ph type="sldNum" sz="quarter" idx="12"/>
+          </p:nvPr>
+        </p:nvSpPr>
+        <p:spPr/>
+        <p:txBody>
+          <a:bodyPr/>
+          <a:lstStyle/>
+          <a:p>
+            <a:fld id="{9DFD9A34-EC64-4F0B-9C9B-2C0A202A050B}" type="slidenum">
+              <a:rPr lang="en-US" smtClean="0"/>
+              <a:pPr/>
+              <a:t>36</a:t>
+            </a:fld>
+            <a:endParaRPr lang="en-US" dirty="0"/>
+          </a:p>
+        </p:txBody>
+      </p:sp>
+      <p:sp>
+        <p:nvSpPr>
+          <p:cNvPr id="3" name="Content Placeholder 2"/>
+          <p:cNvSpPr>
+            <a:spLocks noGrp="1"/>
+          </p:cNvSpPr>
+          <p:nvPr>
+            <p:ph sz="quarter" idx="14"/>
+          </p:nvPr>
+        </p:nvSpPr>
+        <p:spPr>
+          <a:xfrm>
+            <a:off x="779926" y="990600"/>
+            <a:ext cx="10496086" cy="5867400"/>
+          </a:xfrm>
+        </p:spPr>
+        <p:txBody>
+          <a:bodyPr>
+            <a:normAutofit/>
+          </a:bodyPr>
+          <a:lstStyle/>
+          <a:p>
+            <a:pPr lvl="2">
+              <a:lnSpc>
+                <a:spcPct val="200000"/>
+              </a:lnSpc>
+            </a:pPr>
+            <a:r>
+              <a:rPr lang="en-US" sz="2600" dirty="0" smtClean="0"/>
+              <a:t>Ban đầu được thiết kế để lập trình Java nhưng sau này đã cung cấp thêm các plug-in hỗ trợ các ngôn ngữ lập trình khác như: </a:t>
+            </a:r>
+            <a:r>
+              <a:rPr lang="en-US" sz="2600" dirty="0"/>
+              <a:t>C/C++, COBOL, Fortran, Javascript, php, </a:t>
+            </a:r>
+            <a:r>
+              <a:rPr lang="en-US" sz="2600" dirty="0" smtClean="0"/>
+              <a:t>ruby…</a:t>
+            </a:r>
+            <a:r>
+              <a:rPr lang="vi-VN" sz="2600" dirty="0" smtClean="0"/>
+              <a:t> </a:t>
+            </a:r>
+            <a:endParaRPr lang="en-US" sz="2600" dirty="0"/>
+          </a:p>
+          <a:p>
+            <a:endParaRPr lang="en-US" dirty="0"/>
+          </a:p>
+        </p:txBody>
+      </p:sp>
+      <p:sp>
+        <p:nvSpPr>
+          <p:cNvPr id="4" name="Title 3"/>
+          <p:cNvSpPr>
+            <a:spLocks noGrp="1"/>
+          </p:cNvSpPr>
+          <p:nvPr>
+            <p:ph type="title"/>
+          </p:nvPr>
+        </p:nvSpPr>
+        <p:spPr/>
+        <p:txBody>
+          <a:bodyPr>
+            <a:normAutofit fontScale="90000"/>
+          </a:bodyPr>
+          <a:lstStyle/>
+          <a:p>
+            <a:r>
+              <a:rPr lang="en-US" dirty="0" smtClean="0"/>
+              <a:t>Chương </a:t>
+            </a:r>
+            <a:r>
+              <a:rPr lang="en-US" dirty="0" smtClean="0"/>
+              <a:t>2 </a:t>
+            </a:r>
+            <a:r>
+              <a:rPr lang="en-US" dirty="0" smtClean="0"/>
+              <a:t>: </a:t>
+            </a:r>
+            <a:r>
+              <a:rPr lang="en-US" dirty="0" smtClean="0"/>
+              <a:t>Khung ứng dụng hỗ trợ lập trình SOA</a:t>
+            </a:r>
+            <a:endParaRPr lang="en-US" dirty="0"/>
+          </a:p>
+        </p:txBody>
+      </p:sp>
+    </p:spTree>
+    <p:extLst>
+      <p:ext uri="{BB962C8B-B14F-4D97-AF65-F5344CB8AC3E}">
+        <p14:creationId xmlns:p14="http://schemas.microsoft.com/office/powerpoint/2010/main" val="1393698381"/>
+      </p:ext>
+    </p:extLst>
+  </p:cSld>
+  <p:clrMapOvr>
+    <a:masterClrMapping/>
+  </p:clrMapOvr>
+  <p:timing>
+    <p:tnLst>
+      <p:par>
+        <p:cTn id="1" dur="indefinite" restart="never" nodeType="tmRoot"/>
+      </p:par>
+    </p:tnLst>
+  </p:timing>
+</p:sld>
+</file>
+
+<file path=ppt/slides/slide37.xml><?xml version="1.0" encoding="utf-8"?>
+<p:sld xmlns:a="http://schemas.openxmlformats.org/drawingml/2006/main" xmlns:r="http://schemas.openxmlformats.org/officeDocument/2006/relationships" xmlns:p="http://schemas.openxmlformats.org/presentationml/2006/main">
+  <p:cSld>
+    <p:spTree>
+      <p:nvGrpSpPr>
+        <p:cNvPr id="1" name=""/>
+        <p:cNvGrpSpPr/>
+        <p:nvPr/>
+      </p:nvGrpSpPr>
+      <p:grpSpPr>
+        <a:xfrm>
+          <a:off x="0" y="0"/>
+          <a:ext cx="0" cy="0"/>
+          <a:chOff x="0" y="0"/>
+          <a:chExt cx="0" cy="0"/>
+        </a:xfrm>
+      </p:grpSpPr>
+      <p:sp>
+        <p:nvSpPr>
+          <p:cNvPr id="2" name="Slide Number Placeholder 1"/>
+          <p:cNvSpPr>
+            <a:spLocks noGrp="1"/>
+          </p:cNvSpPr>
+          <p:nvPr>
+            <p:ph type="sldNum" sz="quarter" idx="12"/>
+          </p:nvPr>
+        </p:nvSpPr>
+        <p:spPr/>
+        <p:txBody>
+          <a:bodyPr/>
+          <a:lstStyle/>
+          <a:p>
+            <a:fld id="{9DFD9A34-EC64-4F0B-9C9B-2C0A202A050B}" type="slidenum">
+              <a:rPr lang="en-US" smtClean="0"/>
+              <a:pPr/>
+              <a:t>37</a:t>
+            </a:fld>
+            <a:endParaRPr lang="en-US" dirty="0"/>
+          </a:p>
+        </p:txBody>
+      </p:sp>
+      <p:sp>
+        <p:nvSpPr>
+          <p:cNvPr id="3" name="Content Placeholder 2"/>
+          <p:cNvSpPr>
+            <a:spLocks noGrp="1"/>
+          </p:cNvSpPr>
+          <p:nvPr>
+            <p:ph sz="quarter" idx="14"/>
+          </p:nvPr>
+        </p:nvSpPr>
+        <p:spPr>
+          <a:xfrm>
+            <a:off x="779926" y="990600"/>
+            <a:ext cx="10496086" cy="5867400"/>
+          </a:xfrm>
+        </p:spPr>
+        <p:txBody>
+          <a:bodyPr>
+            <a:normAutofit/>
+          </a:bodyPr>
+          <a:lstStyle/>
+          <a:p>
+            <a:pPr lvl="2" indent="0">
+              <a:spcBef>
+                <a:spcPts val="0"/>
+              </a:spcBef>
+              <a:spcAft>
+                <a:spcPts val="0"/>
+              </a:spcAft>
+            </a:pPr>
+            <a:r>
+              <a:rPr lang="en-US" b="1" dirty="0" smtClean="0"/>
+              <a:t>Các thành phần</a:t>
+            </a:r>
+            <a:endParaRPr lang="en-US" b="1" dirty="0"/>
+          </a:p>
+          <a:p>
+            <a:pPr lvl="2">
+              <a:spcBef>
+                <a:spcPts val="0"/>
+              </a:spcBef>
+              <a:spcAft>
+                <a:spcPts val="0"/>
+              </a:spcAft>
+            </a:pPr>
+            <a:r>
+              <a:rPr lang="en-US" dirty="0" smtClean="0"/>
+              <a:t>Gồm hai thành phần chính: thành phần lõi (core) và thành phần gắn thêm (plug-in)</a:t>
+            </a:r>
+          </a:p>
+          <a:p>
+            <a:pPr marL="60325" lvl="2" indent="396875">
+              <a:buFont typeface="Arial" pitchFamily="34" charset="0"/>
+              <a:buChar char="•"/>
+            </a:pPr>
+            <a:r>
+              <a:rPr lang="en-US" dirty="0"/>
+              <a:t>Thành phần lõi (core): bao gồm các chức năng, dịch vụ mà các hệ phát triển ứng dụng phải có như chức năng cung cấp giao diện, trình soạn thảo văn bản, gỡ lỗi… cần cho mọi nền tảng lập trình (cần cho các plug-in). </a:t>
+            </a:r>
+          </a:p>
+          <a:p>
+            <a:pPr marL="60325" lvl="2" indent="396875">
+              <a:buFont typeface="Arial" pitchFamily="34" charset="0"/>
+              <a:buChar char="•"/>
+            </a:pPr>
+            <a:r>
+              <a:rPr lang="en-US" dirty="0"/>
+              <a:t>Thành phần gắn thêm (plug-in): bao gồm nhiều thành phần dễ dàng tích hợp vào nhiều ứng dụng chạy trên nền Eclipse. Các chức năng của thành phần core tách biệt với các chức năng của phần giao diện.</a:t>
+            </a:r>
+            <a:endParaRPr lang="en-US" dirty="0"/>
+          </a:p>
+        </p:txBody>
+      </p:sp>
+      <p:sp>
+        <p:nvSpPr>
+          <p:cNvPr id="4" name="Title 3"/>
+          <p:cNvSpPr>
+            <a:spLocks noGrp="1"/>
+          </p:cNvSpPr>
+          <p:nvPr>
+            <p:ph type="title"/>
+          </p:nvPr>
+        </p:nvSpPr>
+        <p:spPr/>
+        <p:txBody>
+          <a:bodyPr>
+            <a:normAutofit fontScale="90000"/>
+          </a:bodyPr>
+          <a:lstStyle/>
+          <a:p>
+            <a:r>
+              <a:rPr lang="en-US" dirty="0" smtClean="0"/>
+              <a:t>2.1.2 Các thành phần và kiến trúc</a:t>
+            </a:r>
+            <a:endParaRPr lang="en-US" dirty="0"/>
+          </a:p>
+        </p:txBody>
+      </p:sp>
+    </p:spTree>
+    <p:extLst>
+      <p:ext uri="{BB962C8B-B14F-4D97-AF65-F5344CB8AC3E}">
+        <p14:creationId xmlns:p14="http://schemas.microsoft.com/office/powerpoint/2010/main" val="3543804375"/>
+      </p:ext>
+    </p:extLst>
+  </p:cSld>
+  <p:clrMapOvr>
+    <a:masterClrMapping/>
+  </p:clrMapOvr>
+  <p:timing>
+    <p:tnLst>
+      <p:par>
+        <p:cTn id="1" dur="indefinite" restart="never" nodeType="tmRoot"/>
+      </p:par>
+    </p:tnLst>
+  </p:timing>
+</p:sld>
+</file>
+
+<file path=ppt/slides/slide38.xml><?xml version="1.0" encoding="utf-8"?>
+<p:sld xmlns:a="http://schemas.openxmlformats.org/drawingml/2006/main" xmlns:r="http://schemas.openxmlformats.org/officeDocument/2006/relationships" xmlns:p="http://schemas.openxmlformats.org/presentationml/2006/main">
+  <p:cSld>
+    <p:spTree>
+      <p:nvGrpSpPr>
+        <p:cNvPr id="1" name=""/>
+        <p:cNvGrpSpPr/>
+        <p:nvPr/>
+      </p:nvGrpSpPr>
+      <p:grpSpPr>
+        <a:xfrm>
+          <a:off x="0" y="0"/>
+          <a:ext cx="0" cy="0"/>
+          <a:chOff x="0" y="0"/>
+          <a:chExt cx="0" cy="0"/>
+        </a:xfrm>
+      </p:grpSpPr>
+      <p:sp>
+        <p:nvSpPr>
+          <p:cNvPr id="2" name="Slide Number Placeholder 1"/>
+          <p:cNvSpPr>
+            <a:spLocks noGrp="1"/>
+          </p:cNvSpPr>
+          <p:nvPr>
+            <p:ph type="sldNum" sz="quarter" idx="12"/>
+          </p:nvPr>
+        </p:nvSpPr>
+        <p:spPr/>
+        <p:txBody>
+          <a:bodyPr/>
+          <a:lstStyle/>
+          <a:p>
+            <a:fld id="{9DFD9A34-EC64-4F0B-9C9B-2C0A202A050B}" type="slidenum">
+              <a:rPr lang="en-US" smtClean="0"/>
+              <a:pPr/>
+              <a:t>38</a:t>
+            </a:fld>
+            <a:endParaRPr lang="en-US" dirty="0"/>
+          </a:p>
+        </p:txBody>
+      </p:sp>
+      <p:sp>
+        <p:nvSpPr>
+          <p:cNvPr id="3" name="Content Placeholder 2"/>
+          <p:cNvSpPr>
+            <a:spLocks noGrp="1"/>
+          </p:cNvSpPr>
+          <p:nvPr>
+            <p:ph sz="quarter" idx="14"/>
+          </p:nvPr>
+        </p:nvSpPr>
+        <p:spPr>
+          <a:xfrm>
+            <a:off x="779926" y="990600"/>
+            <a:ext cx="10496086" cy="5867400"/>
+          </a:xfrm>
+        </p:spPr>
+        <p:txBody>
+          <a:bodyPr>
+            <a:normAutofit/>
+          </a:bodyPr>
+          <a:lstStyle/>
+          <a:p>
+            <a:pPr lvl="2" indent="0">
+              <a:spcBef>
+                <a:spcPts val="0"/>
+              </a:spcBef>
+              <a:spcAft>
+                <a:spcPts val="0"/>
+              </a:spcAft>
+            </a:pPr>
+            <a:r>
+              <a:rPr lang="en-US" b="1" dirty="0" smtClean="0"/>
+              <a:t>Kiến trúc tổng quan của Eclipse</a:t>
+            </a:r>
+            <a:endParaRPr lang="en-US" b="1" dirty="0"/>
+          </a:p>
+          <a:p>
+            <a:pPr lvl="2">
+              <a:spcBef>
+                <a:spcPts val="0"/>
+              </a:spcBef>
+              <a:spcAft>
+                <a:spcPts val="0"/>
+              </a:spcAft>
+            </a:pPr>
+            <a:endParaRPr lang="en-US" dirty="0"/>
+          </a:p>
+        </p:txBody>
+      </p:sp>
+      <p:sp>
+        <p:nvSpPr>
+          <p:cNvPr id="4" name="Title 3"/>
+          <p:cNvSpPr>
+            <a:spLocks noGrp="1"/>
+          </p:cNvSpPr>
+          <p:nvPr>
+            <p:ph type="title"/>
+          </p:nvPr>
+        </p:nvSpPr>
+        <p:spPr/>
+        <p:txBody>
+          <a:bodyPr>
+            <a:normAutofit fontScale="90000"/>
+          </a:bodyPr>
+          <a:lstStyle/>
+          <a:p>
+            <a:r>
+              <a:rPr lang="en-US" dirty="0" smtClean="0"/>
+              <a:t>2.1.2 Các thành phần và kiến trúc</a:t>
+            </a:r>
+            <a:endParaRPr lang="en-US" dirty="0"/>
+          </a:p>
+        </p:txBody>
+      </p:sp>
+      <p:pic>
+        <p:nvPicPr>
+          <p:cNvPr id="5" name="Picture 4" descr="http://www.electronicproducts.com/images2/FAJH_Eclipse_1Jan2008.gif"/>
+          <p:cNvPicPr/>
+          <p:nvPr/>
+        </p:nvPicPr>
+        <p:blipFill>
+          <a:blip r:embed="rId2">
+            <a:extLst>
+              <a:ext uri="{28A0092B-C50C-407E-A947-70E740481C1C}">
+                <a14:useLocalDpi xmlns:a14="http://schemas.microsoft.com/office/drawing/2010/main" val="0"/>
+              </a:ext>
+            </a:extLst>
+          </a:blip>
+          <a:srcRect/>
+          <a:stretch>
+            <a:fillRect/>
+          </a:stretch>
+        </p:blipFill>
+        <p:spPr bwMode="auto">
+          <a:xfrm>
+            <a:off x="2268854" y="1752600"/>
+            <a:ext cx="7406958" cy="3962400"/>
+          </a:xfrm>
+          <a:prstGeom prst="rect">
+            <a:avLst/>
+          </a:prstGeom>
+          <a:noFill/>
+          <a:ln>
+            <a:noFill/>
+          </a:ln>
+        </p:spPr>
+      </p:pic>
+    </p:spTree>
+    <p:extLst>
+      <p:ext uri="{BB962C8B-B14F-4D97-AF65-F5344CB8AC3E}">
+        <p14:creationId xmlns:p14="http://schemas.microsoft.com/office/powerpoint/2010/main" val="2286610871"/>
+      </p:ext>
+    </p:extLst>
+  </p:cSld>
+  <p:clrMapOvr>
+    <a:masterClrMapping/>
+  </p:clrMapOvr>
+  <p:timing>
+    <p:tnLst>
+      <p:par>
+        <p:cTn id="1" dur="indefinite" restart="never" nodeType="tmRoot"/>
+      </p:par>
+    </p:tnLst>
+  </p:timing>
+</p:sld>
+</file>
+
+<file path=ppt/slides/slide39.xml><?xml version="1.0" encoding="utf-8"?>
+<p:sld xmlns:a="http://schemas.openxmlformats.org/drawingml/2006/main" xmlns:r="http://schemas.openxmlformats.org/officeDocument/2006/relationships" xmlns:p="http://schemas.openxmlformats.org/presentationml/2006/main">
+  <p:cSld>
+    <p:spTree>
+      <p:nvGrpSpPr>
+        <p:cNvPr id="1" name=""/>
+        <p:cNvGrpSpPr/>
+        <p:nvPr/>
+      </p:nvGrpSpPr>
+      <p:grpSpPr>
+        <a:xfrm>
+          <a:off x="0" y="0"/>
+          <a:ext cx="0" cy="0"/>
+          <a:chOff x="0" y="0"/>
+          <a:chExt cx="0" cy="0"/>
+        </a:xfrm>
+      </p:grpSpPr>
+      <p:sp>
+        <p:nvSpPr>
+          <p:cNvPr id="2" name="Slide Number Placeholder 1"/>
+          <p:cNvSpPr>
+            <a:spLocks noGrp="1"/>
+          </p:cNvSpPr>
+          <p:nvPr>
+            <p:ph type="sldNum" sz="quarter" idx="12"/>
+          </p:nvPr>
+        </p:nvSpPr>
+        <p:spPr/>
+        <p:txBody>
+          <a:bodyPr/>
+          <a:lstStyle/>
+          <a:p>
+            <a:fld id="{9DFD9A34-EC64-4F0B-9C9B-2C0A202A050B}" type="slidenum">
+              <a:rPr lang="en-US" smtClean="0"/>
+              <a:pPr/>
+              <a:t>39</a:t>
+            </a:fld>
+            <a:endParaRPr lang="en-US" dirty="0"/>
+          </a:p>
+        </p:txBody>
+      </p:sp>
+      <p:sp>
+        <p:nvSpPr>
+          <p:cNvPr id="3" name="Content Placeholder 2"/>
+          <p:cNvSpPr>
+            <a:spLocks noGrp="1"/>
+          </p:cNvSpPr>
+          <p:nvPr>
+            <p:ph sz="quarter" idx="14"/>
+          </p:nvPr>
+        </p:nvSpPr>
+        <p:spPr>
+          <a:xfrm>
+            <a:off x="779926" y="990600"/>
+            <a:ext cx="10496086" cy="5867400"/>
+          </a:xfrm>
+        </p:spPr>
+        <p:txBody>
+          <a:bodyPr>
+            <a:normAutofit fontScale="85000" lnSpcReduction="10000"/>
+          </a:bodyPr>
+          <a:lstStyle/>
+          <a:p>
+            <a:pPr lvl="2" indent="0">
+              <a:spcBef>
+                <a:spcPts val="0"/>
+              </a:spcBef>
+              <a:spcAft>
+                <a:spcPts val="0"/>
+              </a:spcAft>
+            </a:pPr>
+            <a:r>
+              <a:rPr lang="en-US" b="1" dirty="0"/>
+              <a:t>Giới thiệu</a:t>
+            </a:r>
+          </a:p>
+          <a:p>
+            <a:pPr lvl="2">
+              <a:lnSpc>
+                <a:spcPct val="200000"/>
+              </a:lnSpc>
+            </a:pPr>
+            <a:r>
+              <a:rPr lang="en-US" sz="2600" dirty="0"/>
+              <a:t>EMF là một tập các plug-in có thể sử dụng để mô hình hóa dữ liệu và tạo ra mã nguồn hay xuất ra các định dạng khác dựa trên mô hình. </a:t>
+            </a:r>
+            <a:r>
+              <a:rPr lang="en-US" sz="2600"/>
+              <a:t>EMF </a:t>
+            </a:r>
+            <a:r>
+              <a:rPr lang="en-US" sz="2600" smtClean="0"/>
+              <a:t>là có sự phân biệt giữa </a:t>
+            </a:r>
+            <a:r>
+              <a:rPr lang="en-US" sz="2600" dirty="0" smtClean="0"/>
+              <a:t>meta-model </a:t>
+            </a:r>
+            <a:r>
+              <a:rPr lang="en-US" sz="2600" dirty="0"/>
+              <a:t>hay các mô hình hiện tại. </a:t>
+            </a:r>
+            <a:r>
+              <a:rPr lang="en-US" sz="2600" dirty="0" smtClean="0"/>
+              <a:t>Nó là một mô </a:t>
+            </a:r>
+            <a:r>
+              <a:rPr lang="en-US" sz="2600" dirty="0"/>
+              <a:t>hình </a:t>
+            </a:r>
+            <a:r>
+              <a:rPr lang="en-US" sz="2600" dirty="0" smtClean="0"/>
+              <a:t>cụ thể thể hiện của meta-model.</a:t>
+            </a:r>
+          </a:p>
+          <a:p>
+            <a:pPr lvl="2">
+              <a:lnSpc>
+                <a:spcPct val="200000"/>
+              </a:lnSpc>
+            </a:pPr>
+            <a:r>
+              <a:rPr lang="en-US" sz="2600" dirty="0"/>
+              <a:t>EMF cho phép các lập trình viên tạo ra </a:t>
+            </a:r>
+            <a:r>
+              <a:rPr lang="en-US" sz="2600" dirty="0" smtClean="0"/>
+              <a:t>meta-model </a:t>
+            </a:r>
+            <a:r>
+              <a:rPr lang="en-US" sz="2600" dirty="0"/>
+              <a:t>bằng nhiều phương tiện khác nhau, ví dụ như XMI, Java annotations, UML hay XML. </a:t>
+            </a:r>
+            <a:r>
+              <a:rPr lang="en-US" sz="2600" dirty="0"/>
+              <a:t>Nó cũng cho phép duy trì mô hình dữ liệu bằng cách sử dụng định dạng dữ liệu XML Metadata Interchange.</a:t>
+            </a:r>
+          </a:p>
+          <a:p>
+            <a:pPr lvl="2">
+              <a:lnSpc>
+                <a:spcPct val="200000"/>
+              </a:lnSpc>
+            </a:pPr>
+            <a:endParaRPr lang="en-US" sz="2600" dirty="0"/>
+          </a:p>
+        </p:txBody>
+      </p:sp>
+      <p:sp>
+        <p:nvSpPr>
+          <p:cNvPr id="4" name="Title 3"/>
+          <p:cNvSpPr>
+            <a:spLocks noGrp="1"/>
+          </p:cNvSpPr>
+          <p:nvPr>
+            <p:ph type="title"/>
+          </p:nvPr>
+        </p:nvSpPr>
+        <p:spPr/>
+        <p:txBody>
+          <a:bodyPr>
+            <a:normAutofit fontScale="90000"/>
+          </a:bodyPr>
+          <a:lstStyle/>
+          <a:p>
+            <a:r>
+              <a:rPr lang="en-US" dirty="0" smtClean="0"/>
+              <a:t>Eclipse Modeling Framework (EMF)</a:t>
+            </a:r>
+            <a:endParaRPr lang="en-US" dirty="0"/>
+          </a:p>
+        </p:txBody>
+      </p:sp>
+    </p:spTree>
+    <p:extLst>
+      <p:ext uri="{BB962C8B-B14F-4D97-AF65-F5344CB8AC3E}">
+        <p14:creationId xmlns:p14="http://schemas.microsoft.com/office/powerpoint/2010/main" val="1138970592"/>
       </p:ext>
     </p:extLst>
   </p:cSld>
@@ -11513,6 +12467,1033 @@
     <p:extLst>
       <p:ext uri="{BB962C8B-B14F-4D97-AF65-F5344CB8AC3E}">
         <p14:creationId xmlns:p14="http://schemas.microsoft.com/office/powerpoint/2010/main" val="828988666"/>
+      </p:ext>
+    </p:extLst>
+  </p:cSld>
+  <p:clrMapOvr>
+    <a:masterClrMapping/>
+  </p:clrMapOvr>
+  <p:timing>
+    <p:tnLst>
+      <p:par>
+        <p:cTn id="1" dur="indefinite" restart="never" nodeType="tmRoot"/>
+      </p:par>
+    </p:tnLst>
+  </p:timing>
+</p:sld>
+</file>
+
+<file path=ppt/slides/slide40.xml><?xml version="1.0" encoding="utf-8"?>
+<p:sld xmlns:a="http://schemas.openxmlformats.org/drawingml/2006/main" xmlns:r="http://schemas.openxmlformats.org/officeDocument/2006/relationships" xmlns:p="http://schemas.openxmlformats.org/presentationml/2006/main">
+  <p:cSld>
+    <p:spTree>
+      <p:nvGrpSpPr>
+        <p:cNvPr id="1" name=""/>
+        <p:cNvGrpSpPr/>
+        <p:nvPr/>
+      </p:nvGrpSpPr>
+      <p:grpSpPr>
+        <a:xfrm>
+          <a:off x="0" y="0"/>
+          <a:ext cx="0" cy="0"/>
+          <a:chOff x="0" y="0"/>
+          <a:chExt cx="0" cy="0"/>
+        </a:xfrm>
+      </p:grpSpPr>
+      <p:sp>
+        <p:nvSpPr>
+          <p:cNvPr id="2" name="Slide Number Placeholder 1"/>
+          <p:cNvSpPr>
+            <a:spLocks noGrp="1"/>
+          </p:cNvSpPr>
+          <p:nvPr>
+            <p:ph type="sldNum" sz="quarter" idx="12"/>
+          </p:nvPr>
+        </p:nvSpPr>
+        <p:spPr/>
+        <p:txBody>
+          <a:bodyPr/>
+          <a:lstStyle/>
+          <a:p>
+            <a:fld id="{9DFD9A34-EC64-4F0B-9C9B-2C0A202A050B}" type="slidenum">
+              <a:rPr lang="en-US" smtClean="0"/>
+              <a:pPr/>
+              <a:t>40</a:t>
+            </a:fld>
+            <a:endParaRPr lang="en-US" dirty="0"/>
+          </a:p>
+        </p:txBody>
+      </p:sp>
+      <p:sp>
+        <p:nvSpPr>
+          <p:cNvPr id="3" name="Content Placeholder 2"/>
+          <p:cNvSpPr>
+            <a:spLocks noGrp="1"/>
+          </p:cNvSpPr>
+          <p:nvPr>
+            <p:ph sz="quarter" idx="14"/>
+          </p:nvPr>
+        </p:nvSpPr>
+        <p:spPr>
+          <a:xfrm>
+            <a:off x="779926" y="990600"/>
+            <a:ext cx="10496086" cy="5867400"/>
+          </a:xfrm>
+        </p:spPr>
+        <p:txBody>
+          <a:bodyPr>
+            <a:normAutofit fontScale="92500"/>
+          </a:bodyPr>
+          <a:lstStyle/>
+          <a:p>
+            <a:pPr lvl="2" indent="0">
+              <a:spcBef>
+                <a:spcPts val="0"/>
+              </a:spcBef>
+              <a:spcAft>
+                <a:spcPts val="0"/>
+              </a:spcAft>
+            </a:pPr>
+            <a:r>
+              <a:rPr lang="en-US" b="1" dirty="0" smtClean="0"/>
+              <a:t>Tạo dữ liệu từ mô hình EMF</a:t>
+            </a:r>
+            <a:endParaRPr lang="en-US" b="1" dirty="0"/>
+          </a:p>
+          <a:p>
+            <a:pPr lvl="2">
+              <a:lnSpc>
+                <a:spcPct val="160000"/>
+              </a:lnSpc>
+            </a:pPr>
+            <a:r>
+              <a:rPr lang="en-US" sz="2600" dirty="0"/>
+              <a:t>Thông tin lưu trữ trong mô hình EMF có thể được sử dụng để tạo ra các đầu ra mong </a:t>
+            </a:r>
+            <a:r>
+              <a:rPr lang="en-US" sz="2600" dirty="0" smtClean="0"/>
+              <a:t>muốn. Trường </a:t>
+            </a:r>
+            <a:r>
+              <a:rPr lang="en-US" sz="2600" dirty="0"/>
+              <a:t>hợp sử dụng thông thường của EMF đó là từ các </a:t>
+            </a:r>
+            <a:r>
+              <a:rPr lang="en-US" sz="2600" dirty="0" smtClean="0"/>
+              <a:t>meta-data (siêu dữ liệu) </a:t>
+            </a:r>
+            <a:r>
+              <a:rPr lang="en-US" sz="2600" dirty="0"/>
+              <a:t>biểu diễn mô hình dữ liệu của ứng dụng, ta sử dụng các chức năng của EMF để tạo ra các class Java tương ứng từ mô hình đó.</a:t>
+            </a:r>
+          </a:p>
+          <a:p>
+            <a:pPr lvl="2">
+              <a:lnSpc>
+                <a:spcPct val="160000"/>
+              </a:lnSpc>
+            </a:pPr>
+            <a:r>
+              <a:rPr lang="en-US" sz="2600" dirty="0"/>
+              <a:t>Lưu </a:t>
+            </a:r>
+            <a:r>
+              <a:rPr lang="en-US" sz="2600" dirty="0" smtClean="0"/>
+              <a:t>ý: </a:t>
+            </a:r>
+            <a:r>
+              <a:rPr lang="en-US" sz="2600" dirty="0"/>
+              <a:t>EMF framework không chỉ giới hạn ở việc xuất ra các class Java, một số định dạng khác có thể được hỗ trợ và hoặc tự định nghĩa bởi người sử dụng.</a:t>
+            </a:r>
+          </a:p>
+          <a:p>
+            <a:pPr lvl="2">
+              <a:lnSpc>
+                <a:spcPct val="160000"/>
+              </a:lnSpc>
+            </a:pPr>
+            <a:r>
+              <a:rPr lang="en-US" sz="2600" dirty="0"/>
+              <a:t>Nói cách khác, mô hình EMF có thể sử dụng để tạo ra output,  hoặc có thể biên dịch tại thời điểm chạy chương trình.</a:t>
+            </a:r>
+          </a:p>
+          <a:p>
+            <a:pPr lvl="2">
+              <a:lnSpc>
+                <a:spcPct val="200000"/>
+              </a:lnSpc>
+            </a:pPr>
+            <a:endParaRPr lang="en-US" sz="2600" dirty="0"/>
+          </a:p>
+          <a:p>
+            <a:pPr lvl="2">
+              <a:lnSpc>
+                <a:spcPct val="200000"/>
+              </a:lnSpc>
+            </a:pPr>
+            <a:endParaRPr lang="en-US" sz="2600" dirty="0"/>
+          </a:p>
+        </p:txBody>
+      </p:sp>
+      <p:sp>
+        <p:nvSpPr>
+          <p:cNvPr id="4" name="Title 3"/>
+          <p:cNvSpPr>
+            <a:spLocks noGrp="1"/>
+          </p:cNvSpPr>
+          <p:nvPr>
+            <p:ph type="title"/>
+          </p:nvPr>
+        </p:nvSpPr>
+        <p:spPr/>
+        <p:txBody>
+          <a:bodyPr>
+            <a:normAutofit fontScale="90000"/>
+          </a:bodyPr>
+          <a:lstStyle/>
+          <a:p>
+            <a:r>
+              <a:rPr lang="en-US" dirty="0" smtClean="0"/>
+              <a:t>Eclipse Modeling Framework (EMF)</a:t>
+            </a:r>
+            <a:endParaRPr lang="en-US" dirty="0"/>
+          </a:p>
+        </p:txBody>
+      </p:sp>
+    </p:spTree>
+    <p:extLst>
+      <p:ext uri="{BB962C8B-B14F-4D97-AF65-F5344CB8AC3E}">
+        <p14:creationId xmlns:p14="http://schemas.microsoft.com/office/powerpoint/2010/main" val="3620966354"/>
+      </p:ext>
+    </p:extLst>
+  </p:cSld>
+  <p:clrMapOvr>
+    <a:masterClrMapping/>
+  </p:clrMapOvr>
+  <p:timing>
+    <p:tnLst>
+      <p:par>
+        <p:cTn id="1" dur="indefinite" restart="never" nodeType="tmRoot"/>
+      </p:par>
+    </p:tnLst>
+  </p:timing>
+</p:sld>
+</file>
+
+<file path=ppt/slides/slide41.xml><?xml version="1.0" encoding="utf-8"?>
+<p:sld xmlns:a="http://schemas.openxmlformats.org/drawingml/2006/main" xmlns:r="http://schemas.openxmlformats.org/officeDocument/2006/relationships" xmlns:p="http://schemas.openxmlformats.org/presentationml/2006/main">
+  <p:cSld>
+    <p:spTree>
+      <p:nvGrpSpPr>
+        <p:cNvPr id="1" name=""/>
+        <p:cNvGrpSpPr/>
+        <p:nvPr/>
+      </p:nvGrpSpPr>
+      <p:grpSpPr>
+        <a:xfrm>
+          <a:off x="0" y="0"/>
+          <a:ext cx="0" cy="0"/>
+          <a:chOff x="0" y="0"/>
+          <a:chExt cx="0" cy="0"/>
+        </a:xfrm>
+      </p:grpSpPr>
+      <p:sp>
+        <p:nvSpPr>
+          <p:cNvPr id="2" name="Slide Number Placeholder 1"/>
+          <p:cNvSpPr>
+            <a:spLocks noGrp="1"/>
+          </p:cNvSpPr>
+          <p:nvPr>
+            <p:ph type="sldNum" sz="quarter" idx="12"/>
+          </p:nvPr>
+        </p:nvSpPr>
+        <p:spPr/>
+        <p:txBody>
+          <a:bodyPr/>
+          <a:lstStyle/>
+          <a:p>
+            <a:fld id="{9DFD9A34-EC64-4F0B-9C9B-2C0A202A050B}" type="slidenum">
+              <a:rPr lang="en-US" smtClean="0"/>
+              <a:pPr/>
+              <a:t>41</a:t>
+            </a:fld>
+            <a:endParaRPr lang="en-US" dirty="0"/>
+          </a:p>
+        </p:txBody>
+      </p:sp>
+      <p:sp>
+        <p:nvSpPr>
+          <p:cNvPr id="3" name="Content Placeholder 2"/>
+          <p:cNvSpPr>
+            <a:spLocks noGrp="1"/>
+          </p:cNvSpPr>
+          <p:nvPr>
+            <p:ph sz="quarter" idx="14"/>
+          </p:nvPr>
+        </p:nvSpPr>
+        <p:spPr>
+          <a:xfrm>
+            <a:off x="779926" y="990600"/>
+            <a:ext cx="10496086" cy="5867400"/>
+          </a:xfrm>
+        </p:spPr>
+        <p:txBody>
+          <a:bodyPr>
+            <a:normAutofit/>
+          </a:bodyPr>
+          <a:lstStyle/>
+          <a:p>
+            <a:pPr lvl="2" indent="0">
+              <a:spcBef>
+                <a:spcPts val="0"/>
+              </a:spcBef>
+              <a:spcAft>
+                <a:spcPts val="0"/>
+              </a:spcAft>
+            </a:pPr>
+            <a:r>
+              <a:rPr lang="en-US" b="1" dirty="0" smtClean="0"/>
+              <a:t>Meta Models </a:t>
+            </a:r>
+            <a:r>
+              <a:rPr lang="en-US" b="1" dirty="0"/>
+              <a:t>– Ecore và Genmodel</a:t>
+            </a:r>
+          </a:p>
+          <a:p>
+            <a:pPr lvl="2">
+              <a:lnSpc>
+                <a:spcPct val="160000"/>
+              </a:lnSpc>
+            </a:pPr>
+            <a:r>
+              <a:rPr lang="en-US" dirty="0"/>
+              <a:t>EMF </a:t>
+            </a:r>
+            <a:r>
+              <a:rPr lang="en-US" dirty="0" smtClean="0"/>
+              <a:t>là meta-model. </a:t>
+            </a:r>
+            <a:r>
+              <a:rPr lang="en-US" dirty="0"/>
+              <a:t>Mô hình này gồm hai phần chính: phần ecore và genmodel.</a:t>
+            </a:r>
+          </a:p>
+          <a:p>
+            <a:pPr marL="60325" lvl="2" indent="396875">
+              <a:buFont typeface="Arial" pitchFamily="34" charset="0"/>
+              <a:buChar char="•"/>
+            </a:pPr>
+            <a:r>
+              <a:rPr lang="en-US" dirty="0"/>
+              <a:t>Phần ecore chứa thông tin về các class được định </a:t>
+            </a:r>
+            <a:r>
+              <a:rPr lang="en-US" dirty="0" smtClean="0"/>
+              <a:t>nghĩa</a:t>
+            </a:r>
+          </a:p>
+          <a:p>
+            <a:pPr marL="60325" lvl="2" indent="396875">
+              <a:buFont typeface="Arial" pitchFamily="34" charset="0"/>
+              <a:buChar char="•"/>
+            </a:pPr>
+            <a:r>
+              <a:rPr lang="en-US" dirty="0" smtClean="0"/>
+              <a:t>Phần </a:t>
+            </a:r>
+            <a:r>
+              <a:rPr lang="en-US" dirty="0"/>
+              <a:t>genmodel chứa các thông tin thêm để tạo mã nguồn, như đường dẫn và file thông tin. Genmodel cũng chứa một số tham số điều khiển đến việc tạo ra mã </a:t>
+            </a:r>
+            <a:r>
+              <a:rPr lang="en-US" dirty="0" smtClean="0"/>
+              <a:t>nguồn</a:t>
+            </a:r>
+            <a:endParaRPr lang="en-US" dirty="0"/>
+          </a:p>
+          <a:p>
+            <a:pPr lvl="2">
+              <a:lnSpc>
+                <a:spcPct val="200000"/>
+              </a:lnSpc>
+            </a:pPr>
+            <a:endParaRPr lang="en-US" sz="2600" dirty="0"/>
+          </a:p>
+          <a:p>
+            <a:pPr lvl="2">
+              <a:lnSpc>
+                <a:spcPct val="200000"/>
+              </a:lnSpc>
+            </a:pPr>
+            <a:endParaRPr lang="en-US" sz="2600" dirty="0"/>
+          </a:p>
+        </p:txBody>
+      </p:sp>
+      <p:sp>
+        <p:nvSpPr>
+          <p:cNvPr id="4" name="Title 3"/>
+          <p:cNvSpPr>
+            <a:spLocks noGrp="1"/>
+          </p:cNvSpPr>
+          <p:nvPr>
+            <p:ph type="title"/>
+          </p:nvPr>
+        </p:nvSpPr>
+        <p:spPr/>
+        <p:txBody>
+          <a:bodyPr>
+            <a:normAutofit fontScale="90000"/>
+          </a:bodyPr>
+          <a:lstStyle/>
+          <a:p>
+            <a:r>
+              <a:rPr lang="en-US" dirty="0" smtClean="0"/>
+              <a:t>Eclipse Modeling Framework (EMF)</a:t>
+            </a:r>
+            <a:endParaRPr lang="en-US" dirty="0"/>
+          </a:p>
+        </p:txBody>
+      </p:sp>
+    </p:spTree>
+    <p:extLst>
+      <p:ext uri="{BB962C8B-B14F-4D97-AF65-F5344CB8AC3E}">
+        <p14:creationId xmlns:p14="http://schemas.microsoft.com/office/powerpoint/2010/main" val="936205646"/>
+      </p:ext>
+    </p:extLst>
+  </p:cSld>
+  <p:clrMapOvr>
+    <a:masterClrMapping/>
+  </p:clrMapOvr>
+  <p:timing>
+    <p:tnLst>
+      <p:par>
+        <p:cTn id="1" dur="indefinite" restart="never" nodeType="tmRoot"/>
+      </p:par>
+    </p:tnLst>
+  </p:timing>
+</p:sld>
+</file>
+
+<file path=ppt/slides/slide42.xml><?xml version="1.0" encoding="utf-8"?>
+<p:sld xmlns:a="http://schemas.openxmlformats.org/drawingml/2006/main" xmlns:r="http://schemas.openxmlformats.org/officeDocument/2006/relationships" xmlns:p="http://schemas.openxmlformats.org/presentationml/2006/main">
+  <p:cSld>
+    <p:spTree>
+      <p:nvGrpSpPr>
+        <p:cNvPr id="1" name=""/>
+        <p:cNvGrpSpPr/>
+        <p:nvPr/>
+      </p:nvGrpSpPr>
+      <p:grpSpPr>
+        <a:xfrm>
+          <a:off x="0" y="0"/>
+          <a:ext cx="0" cy="0"/>
+          <a:chOff x="0" y="0"/>
+          <a:chExt cx="0" cy="0"/>
+        </a:xfrm>
+      </p:grpSpPr>
+      <p:sp>
+        <p:nvSpPr>
+          <p:cNvPr id="2" name="Slide Number Placeholder 1"/>
+          <p:cNvSpPr>
+            <a:spLocks noGrp="1"/>
+          </p:cNvSpPr>
+          <p:nvPr>
+            <p:ph type="sldNum" sz="quarter" idx="12"/>
+          </p:nvPr>
+        </p:nvSpPr>
+        <p:spPr/>
+        <p:txBody>
+          <a:bodyPr/>
+          <a:lstStyle/>
+          <a:p>
+            <a:fld id="{9DFD9A34-EC64-4F0B-9C9B-2C0A202A050B}" type="slidenum">
+              <a:rPr lang="en-US" smtClean="0"/>
+              <a:pPr/>
+              <a:t>42</a:t>
+            </a:fld>
+            <a:endParaRPr lang="en-US" dirty="0"/>
+          </a:p>
+        </p:txBody>
+      </p:sp>
+      <p:sp>
+        <p:nvSpPr>
+          <p:cNvPr id="3" name="Content Placeholder 2"/>
+          <p:cNvSpPr>
+            <a:spLocks noGrp="1"/>
+          </p:cNvSpPr>
+          <p:nvPr>
+            <p:ph sz="quarter" idx="14"/>
+          </p:nvPr>
+        </p:nvSpPr>
+        <p:spPr>
+          <a:xfrm>
+            <a:off x="779926" y="990600"/>
+            <a:ext cx="10496086" cy="5867400"/>
+          </a:xfrm>
+        </p:spPr>
+        <p:txBody>
+          <a:bodyPr>
+            <a:noAutofit/>
+          </a:bodyPr>
+          <a:lstStyle/>
+          <a:p>
+            <a:pPr lvl="2" indent="0">
+              <a:spcBef>
+                <a:spcPts val="0"/>
+              </a:spcBef>
+              <a:spcAft>
+                <a:spcPts val="0"/>
+              </a:spcAft>
+            </a:pPr>
+            <a:r>
+              <a:rPr lang="en-US" b="1" dirty="0" smtClean="0"/>
+              <a:t>Mô tả file Ecore</a:t>
+            </a:r>
+            <a:endParaRPr lang="en-US" b="1" dirty="0"/>
+          </a:p>
+          <a:p>
+            <a:pPr lvl="2"/>
+            <a:r>
+              <a:rPr lang="en-US" dirty="0"/>
+              <a:t>Ecore chứa một số thành phần</a:t>
+            </a:r>
+          </a:p>
+          <a:p>
+            <a:pPr marL="60325" lvl="2" indent="396875">
+              <a:spcBef>
+                <a:spcPts val="0"/>
+              </a:spcBef>
+              <a:spcAft>
+                <a:spcPts val="0"/>
+              </a:spcAft>
+              <a:buFont typeface="Arial" pitchFamily="34" charset="0"/>
+              <a:buChar char="•"/>
+            </a:pPr>
+            <a:r>
+              <a:rPr lang="en-US" dirty="0"/>
+              <a:t>EClass: biểu diễn lớp, với không hay nhiều thuộc tính và không hay nhiều tham </a:t>
+            </a:r>
+            <a:r>
+              <a:rPr lang="en-US" dirty="0" smtClean="0"/>
+              <a:t>chiếu</a:t>
+            </a:r>
+            <a:endParaRPr lang="en-US" dirty="0"/>
+          </a:p>
+          <a:p>
+            <a:pPr marL="60325" lvl="2" indent="396875">
+              <a:spcBef>
+                <a:spcPts val="0"/>
+              </a:spcBef>
+              <a:spcAft>
+                <a:spcPts val="0"/>
+              </a:spcAft>
+              <a:buFont typeface="Arial" pitchFamily="34" charset="0"/>
+              <a:buChar char="•"/>
+            </a:pPr>
+            <a:r>
+              <a:rPr lang="en-US" dirty="0"/>
+              <a:t>EAttribute : biểu diễn một thuộc tính với tên và </a:t>
+            </a:r>
+            <a:r>
+              <a:rPr lang="en-US" dirty="0" smtClean="0"/>
+              <a:t>kiểu</a:t>
+            </a:r>
+            <a:endParaRPr lang="en-US" dirty="0"/>
+          </a:p>
+          <a:p>
+            <a:pPr marL="60325" lvl="2" indent="396875">
+              <a:spcBef>
+                <a:spcPts val="0"/>
+              </a:spcBef>
+              <a:spcAft>
+                <a:spcPts val="0"/>
+              </a:spcAft>
+              <a:buFont typeface="Arial" pitchFamily="34" charset="0"/>
+              <a:buChar char="•"/>
+            </a:pPr>
+            <a:r>
+              <a:rPr lang="en-US" dirty="0"/>
+              <a:t>EReference: biểu diễn liên kết giữa hai lớp. </a:t>
+            </a:r>
+            <a:r>
+              <a:rPr lang="en-US" dirty="0"/>
+              <a:t>Nó có cờ chỉ thị để biểu diễn </a:t>
+            </a:r>
+            <a:r>
+              <a:rPr lang="en-US" dirty="0" smtClean="0"/>
+              <a:t>ràng </a:t>
+            </a:r>
+            <a:r>
+              <a:rPr lang="en-US" dirty="0"/>
+              <a:t>buộc và lớp tham chiếu mà nó trỏ đến.</a:t>
+            </a:r>
+          </a:p>
+          <a:p>
+            <a:pPr marL="60325" lvl="2" indent="396875">
+              <a:spcBef>
+                <a:spcPts val="0"/>
+              </a:spcBef>
+              <a:spcAft>
+                <a:spcPts val="0"/>
+              </a:spcAft>
+              <a:buFont typeface="Arial" pitchFamily="34" charset="0"/>
+              <a:buChar char="•"/>
+            </a:pPr>
+            <a:r>
+              <a:rPr lang="en-US" dirty="0"/>
+              <a:t>EDataType: biểu diễn </a:t>
+            </a:r>
+            <a:r>
+              <a:rPr lang="en-US" dirty="0" smtClean="0"/>
+              <a:t>kiểu của </a:t>
+            </a:r>
+            <a:r>
+              <a:rPr lang="en-US" dirty="0"/>
+              <a:t>thuộc tính, ví </a:t>
+            </a:r>
+            <a:r>
+              <a:rPr lang="en-US" dirty="0" smtClean="0"/>
+              <a:t>dụ: </a:t>
+            </a:r>
+            <a:r>
+              <a:rPr lang="en-US" dirty="0"/>
+              <a:t>int, float, hay </a:t>
+            </a:r>
+            <a:r>
+              <a:rPr lang="en-US" dirty="0" smtClean="0"/>
+              <a:t>java.util.Date…</a:t>
+            </a:r>
+            <a:endParaRPr lang="en-US" dirty="0"/>
+          </a:p>
+          <a:p>
+            <a:pPr lvl="2"/>
+            <a:r>
+              <a:rPr lang="en-US" dirty="0"/>
+              <a:t>Ecore biểu diễn các đối tượng gốc của mô hình với các thành phần con biểu diễn các gói, class và các thuộc tính.</a:t>
+            </a:r>
+          </a:p>
+          <a:p>
+            <a:pPr marL="60325" lvl="2" indent="396875">
+              <a:buFont typeface="Arial" pitchFamily="34" charset="0"/>
+              <a:buChar char="•"/>
+            </a:pPr>
+            <a:endParaRPr lang="en-US" dirty="0"/>
+          </a:p>
+          <a:p>
+            <a:pPr lvl="2">
+              <a:lnSpc>
+                <a:spcPct val="200000"/>
+              </a:lnSpc>
+            </a:pPr>
+            <a:endParaRPr lang="en-US" dirty="0"/>
+          </a:p>
+          <a:p>
+            <a:pPr lvl="2">
+              <a:lnSpc>
+                <a:spcPct val="200000"/>
+              </a:lnSpc>
+            </a:pPr>
+            <a:endParaRPr lang="en-US" dirty="0"/>
+          </a:p>
+        </p:txBody>
+      </p:sp>
+      <p:sp>
+        <p:nvSpPr>
+          <p:cNvPr id="4" name="Title 3"/>
+          <p:cNvSpPr>
+            <a:spLocks noGrp="1"/>
+          </p:cNvSpPr>
+          <p:nvPr>
+            <p:ph type="title"/>
+          </p:nvPr>
+        </p:nvSpPr>
+        <p:spPr/>
+        <p:txBody>
+          <a:bodyPr>
+            <a:normAutofit fontScale="90000"/>
+          </a:bodyPr>
+          <a:lstStyle/>
+          <a:p>
+            <a:r>
+              <a:rPr lang="en-US" dirty="0" smtClean="0"/>
+              <a:t>Eclipse Modeling Framework (EMF)</a:t>
+            </a:r>
+            <a:endParaRPr lang="en-US" dirty="0"/>
+          </a:p>
+        </p:txBody>
+      </p:sp>
+    </p:spTree>
+    <p:extLst>
+      <p:ext uri="{BB962C8B-B14F-4D97-AF65-F5344CB8AC3E}">
+        <p14:creationId xmlns:p14="http://schemas.microsoft.com/office/powerpoint/2010/main" val="1559155973"/>
+      </p:ext>
+    </p:extLst>
+  </p:cSld>
+  <p:clrMapOvr>
+    <a:masterClrMapping/>
+  </p:clrMapOvr>
+  <p:timing>
+    <p:tnLst>
+      <p:par>
+        <p:cTn id="1" dur="indefinite" restart="never" nodeType="tmRoot"/>
+      </p:par>
+    </p:tnLst>
+  </p:timing>
+</p:sld>
+</file>
+
+<file path=ppt/slides/slide43.xml><?xml version="1.0" encoding="utf-8"?>
+<p:sld xmlns:a="http://schemas.openxmlformats.org/drawingml/2006/main" xmlns:r="http://schemas.openxmlformats.org/officeDocument/2006/relationships" xmlns:p="http://schemas.openxmlformats.org/presentationml/2006/main">
+  <p:cSld>
+    <p:spTree>
+      <p:nvGrpSpPr>
+        <p:cNvPr id="1" name=""/>
+        <p:cNvGrpSpPr/>
+        <p:nvPr/>
+      </p:nvGrpSpPr>
+      <p:grpSpPr>
+        <a:xfrm>
+          <a:off x="0" y="0"/>
+          <a:ext cx="0" cy="0"/>
+          <a:chOff x="0" y="0"/>
+          <a:chExt cx="0" cy="0"/>
+        </a:xfrm>
+      </p:grpSpPr>
+      <p:sp>
+        <p:nvSpPr>
+          <p:cNvPr id="2" name="Slide Number Placeholder 1"/>
+          <p:cNvSpPr>
+            <a:spLocks noGrp="1"/>
+          </p:cNvSpPr>
+          <p:nvPr>
+            <p:ph type="sldNum" sz="quarter" idx="12"/>
+          </p:nvPr>
+        </p:nvSpPr>
+        <p:spPr/>
+        <p:txBody>
+          <a:bodyPr/>
+          <a:lstStyle/>
+          <a:p>
+            <a:fld id="{9DFD9A34-EC64-4F0B-9C9B-2C0A202A050B}" type="slidenum">
+              <a:rPr lang="en-US" smtClean="0"/>
+              <a:pPr/>
+              <a:t>43</a:t>
+            </a:fld>
+            <a:endParaRPr lang="en-US" dirty="0"/>
+          </a:p>
+        </p:txBody>
+      </p:sp>
+      <p:sp>
+        <p:nvSpPr>
+          <p:cNvPr id="3" name="Content Placeholder 2"/>
+          <p:cNvSpPr>
+            <a:spLocks noGrp="1"/>
+          </p:cNvSpPr>
+          <p:nvPr>
+            <p:ph sz="quarter" idx="14"/>
+          </p:nvPr>
+        </p:nvSpPr>
+        <p:spPr>
+          <a:xfrm>
+            <a:off x="779926" y="990600"/>
+            <a:ext cx="10496086" cy="5867400"/>
+          </a:xfrm>
+        </p:spPr>
+        <p:txBody>
+          <a:bodyPr>
+            <a:noAutofit/>
+          </a:bodyPr>
+          <a:lstStyle/>
+          <a:p>
+            <a:pPr lvl="2" indent="0">
+              <a:spcBef>
+                <a:spcPts val="0"/>
+              </a:spcBef>
+              <a:spcAft>
+                <a:spcPts val="0"/>
+              </a:spcAft>
+            </a:pPr>
+            <a:r>
+              <a:rPr lang="en-US" b="1" dirty="0" smtClean="0"/>
+              <a:t>UML</a:t>
+            </a:r>
+            <a:endParaRPr lang="en-US" b="1" dirty="0"/>
+          </a:p>
+          <a:p>
+            <a:pPr lvl="2">
+              <a:lnSpc>
+                <a:spcPct val="160000"/>
+              </a:lnSpc>
+            </a:pPr>
+            <a:r>
+              <a:rPr lang="en-US" dirty="0"/>
+              <a:t>EMF cho phép tạo các sơ đồ UML. Unified Modeling Language (UML) là một ngôn ngữ đồ họa trong thiết kế phần mềm. Các sơ đồ khối cho UML là ở dạng sơ đồ. UML chia sơ đồ thành hai loại: sơ đồ cấu trúc và sơ đồ hành vi.</a:t>
+            </a:r>
+          </a:p>
+          <a:p>
+            <a:pPr lvl="2">
+              <a:lnSpc>
+                <a:spcPct val="160000"/>
+              </a:lnSpc>
+            </a:pPr>
+            <a:r>
+              <a:rPr lang="en-US" dirty="0"/>
+              <a:t>Phiên bản mới nhất của UML là UML </a:t>
+            </a:r>
+            <a:r>
+              <a:rPr lang="en-US" dirty="0" smtClean="0"/>
+              <a:t>2 bổ </a:t>
+            </a:r>
+            <a:r>
+              <a:rPr lang="en-US" dirty="0"/>
+              <a:t>sung thêm chức năng cho phép bắt được hành vi của hệ thống, hỗ trợ kiến trúc MDA (Model driving architecture).</a:t>
+            </a:r>
+          </a:p>
+          <a:p>
+            <a:pPr lvl="2"/>
+            <a:endParaRPr lang="en-US" dirty="0"/>
+          </a:p>
+          <a:p>
+            <a:pPr marL="60325" lvl="2" indent="396875">
+              <a:buFont typeface="Arial" pitchFamily="34" charset="0"/>
+              <a:buChar char="•"/>
+            </a:pPr>
+            <a:endParaRPr lang="en-US" dirty="0"/>
+          </a:p>
+          <a:p>
+            <a:pPr lvl="2">
+              <a:lnSpc>
+                <a:spcPct val="200000"/>
+              </a:lnSpc>
+            </a:pPr>
+            <a:endParaRPr lang="en-US" dirty="0"/>
+          </a:p>
+          <a:p>
+            <a:pPr lvl="2">
+              <a:lnSpc>
+                <a:spcPct val="200000"/>
+              </a:lnSpc>
+            </a:pPr>
+            <a:endParaRPr lang="en-US" dirty="0"/>
+          </a:p>
+        </p:txBody>
+      </p:sp>
+      <p:sp>
+        <p:nvSpPr>
+          <p:cNvPr id="4" name="Title 3"/>
+          <p:cNvSpPr>
+            <a:spLocks noGrp="1"/>
+          </p:cNvSpPr>
+          <p:nvPr>
+            <p:ph type="title"/>
+          </p:nvPr>
+        </p:nvSpPr>
+        <p:spPr/>
+        <p:txBody>
+          <a:bodyPr>
+            <a:normAutofit fontScale="90000"/>
+          </a:bodyPr>
+          <a:lstStyle/>
+          <a:p>
+            <a:r>
+              <a:rPr lang="en-US" dirty="0" smtClean="0"/>
+              <a:t>Eclipse Modeling Framework (EMF)</a:t>
+            </a:r>
+            <a:endParaRPr lang="en-US" dirty="0"/>
+          </a:p>
+        </p:txBody>
+      </p:sp>
+    </p:spTree>
+    <p:extLst>
+      <p:ext uri="{BB962C8B-B14F-4D97-AF65-F5344CB8AC3E}">
+        <p14:creationId xmlns:p14="http://schemas.microsoft.com/office/powerpoint/2010/main" val="4075664705"/>
+      </p:ext>
+    </p:extLst>
+  </p:cSld>
+  <p:clrMapOvr>
+    <a:masterClrMapping/>
+  </p:clrMapOvr>
+  <p:timing>
+    <p:tnLst>
+      <p:par>
+        <p:cTn id="1" dur="indefinite" restart="never" nodeType="tmRoot"/>
+      </p:par>
+    </p:tnLst>
+  </p:timing>
+</p:sld>
+</file>
+
+<file path=ppt/slides/slide44.xml><?xml version="1.0" encoding="utf-8"?>
+<p:sld xmlns:a="http://schemas.openxmlformats.org/drawingml/2006/main" xmlns:r="http://schemas.openxmlformats.org/officeDocument/2006/relationships" xmlns:p="http://schemas.openxmlformats.org/presentationml/2006/main">
+  <p:cSld>
+    <p:spTree>
+      <p:nvGrpSpPr>
+        <p:cNvPr id="1" name=""/>
+        <p:cNvGrpSpPr/>
+        <p:nvPr/>
+      </p:nvGrpSpPr>
+      <p:grpSpPr>
+        <a:xfrm>
+          <a:off x="0" y="0"/>
+          <a:ext cx="0" cy="0"/>
+          <a:chOff x="0" y="0"/>
+          <a:chExt cx="0" cy="0"/>
+        </a:xfrm>
+      </p:grpSpPr>
+      <p:sp>
+        <p:nvSpPr>
+          <p:cNvPr id="2" name="Slide Number Placeholder 1"/>
+          <p:cNvSpPr>
+            <a:spLocks noGrp="1"/>
+          </p:cNvSpPr>
+          <p:nvPr>
+            <p:ph type="sldNum" sz="quarter" idx="12"/>
+          </p:nvPr>
+        </p:nvSpPr>
+        <p:spPr/>
+        <p:txBody>
+          <a:bodyPr/>
+          <a:lstStyle/>
+          <a:p>
+            <a:fld id="{9DFD9A34-EC64-4F0B-9C9B-2C0A202A050B}" type="slidenum">
+              <a:rPr lang="en-US" smtClean="0"/>
+              <a:pPr/>
+              <a:t>44</a:t>
+            </a:fld>
+            <a:endParaRPr lang="en-US" dirty="0"/>
+          </a:p>
+        </p:txBody>
+      </p:sp>
+      <p:sp>
+        <p:nvSpPr>
+          <p:cNvPr id="3" name="Content Placeholder 2"/>
+          <p:cNvSpPr>
+            <a:spLocks noGrp="1"/>
+          </p:cNvSpPr>
+          <p:nvPr>
+            <p:ph sz="quarter" idx="14"/>
+          </p:nvPr>
+        </p:nvSpPr>
+        <p:spPr>
+          <a:xfrm>
+            <a:off x="779926" y="990600"/>
+            <a:ext cx="10496086" cy="5867400"/>
+          </a:xfrm>
+        </p:spPr>
+        <p:txBody>
+          <a:bodyPr>
+            <a:noAutofit/>
+          </a:bodyPr>
+          <a:lstStyle/>
+          <a:p>
+            <a:pPr lvl="2" indent="0">
+              <a:spcBef>
+                <a:spcPts val="0"/>
+              </a:spcBef>
+              <a:spcAft>
+                <a:spcPts val="0"/>
+              </a:spcAft>
+            </a:pPr>
+            <a:r>
+              <a:rPr lang="en-US" b="1" dirty="0" smtClean="0"/>
+              <a:t>Ưu điểm</a:t>
+            </a:r>
+            <a:endParaRPr lang="en-US" b="1" dirty="0"/>
+          </a:p>
+          <a:p>
+            <a:pPr lvl="2">
+              <a:lnSpc>
+                <a:spcPct val="160000"/>
+              </a:lnSpc>
+            </a:pPr>
+            <a:r>
+              <a:rPr lang="en-US" dirty="0" smtClean="0"/>
+              <a:t>EMF </a:t>
+            </a:r>
+            <a:r>
+              <a:rPr lang="en-US" dirty="0"/>
+              <a:t>định nghĩa mô hình dữ liệu một cách rõ ràng. </a:t>
+            </a:r>
+            <a:r>
+              <a:rPr lang="en-US" dirty="0"/>
+              <a:t>Chức năng tạo mã nguồn cũng có thể được điều chỉnh để phù hợp với sự thay đổi của mô hình. EMF cung cấp giao diện và phương tiện để tạo đối tượng, do đó nó khiến ứng dụng gọn gàng hơn.</a:t>
+            </a:r>
+          </a:p>
+          <a:p>
+            <a:pPr lvl="2">
+              <a:lnSpc>
+                <a:spcPct val="160000"/>
+              </a:lnSpc>
+            </a:pPr>
+            <a:endParaRPr lang="en-US" dirty="0"/>
+          </a:p>
+          <a:p>
+            <a:pPr lvl="2">
+              <a:lnSpc>
+                <a:spcPct val="160000"/>
+              </a:lnSpc>
+            </a:pPr>
+            <a:endParaRPr lang="en-US" dirty="0"/>
+          </a:p>
+          <a:p>
+            <a:pPr lvl="2"/>
+            <a:endParaRPr lang="en-US" dirty="0"/>
+          </a:p>
+          <a:p>
+            <a:pPr marL="60325" lvl="2" indent="396875">
+              <a:buFont typeface="Arial" pitchFamily="34" charset="0"/>
+              <a:buChar char="•"/>
+            </a:pPr>
+            <a:endParaRPr lang="en-US" dirty="0"/>
+          </a:p>
+          <a:p>
+            <a:pPr lvl="2">
+              <a:lnSpc>
+                <a:spcPct val="200000"/>
+              </a:lnSpc>
+            </a:pPr>
+            <a:endParaRPr lang="en-US" dirty="0"/>
+          </a:p>
+          <a:p>
+            <a:pPr lvl="2">
+              <a:lnSpc>
+                <a:spcPct val="200000"/>
+              </a:lnSpc>
+            </a:pPr>
+            <a:endParaRPr lang="en-US" dirty="0"/>
+          </a:p>
+        </p:txBody>
+      </p:sp>
+      <p:sp>
+        <p:nvSpPr>
+          <p:cNvPr id="4" name="Title 3"/>
+          <p:cNvSpPr>
+            <a:spLocks noGrp="1"/>
+          </p:cNvSpPr>
+          <p:nvPr>
+            <p:ph type="title"/>
+          </p:nvPr>
+        </p:nvSpPr>
+        <p:spPr/>
+        <p:txBody>
+          <a:bodyPr>
+            <a:normAutofit fontScale="90000"/>
+          </a:bodyPr>
+          <a:lstStyle/>
+          <a:p>
+            <a:r>
+              <a:rPr lang="en-US" dirty="0" smtClean="0"/>
+              <a:t>Eclipse Modeling Framework (EMF)</a:t>
+            </a:r>
+            <a:endParaRPr lang="en-US" dirty="0"/>
+          </a:p>
+        </p:txBody>
+      </p:sp>
+    </p:spTree>
+    <p:extLst>
+      <p:ext uri="{BB962C8B-B14F-4D97-AF65-F5344CB8AC3E}">
+        <p14:creationId xmlns:p14="http://schemas.microsoft.com/office/powerpoint/2010/main" val="3501391761"/>
       </p:ext>
     </p:extLst>
   </p:cSld>

--- a/WORD/luanvan_nhanhnt_ver1.pptx
+++ b/WORD/luanvan_nhanhnt_ver1.pptx
@@ -503,6 +503,94 @@
     </a:lvl9pPr>
   </p:notesStyle>
 </p:notesMaster>
+</file>
+
+<file path=ppt/notesSlides/notesSlide1.xml><?xml version="1.0" encoding="utf-8"?>
+<p:notes xmlns:a="http://schemas.openxmlformats.org/drawingml/2006/main" xmlns:r="http://schemas.openxmlformats.org/officeDocument/2006/relationships" xmlns:p="http://schemas.openxmlformats.org/presentationml/2006/main">
+  <p:cSld>
+    <p:spTree>
+      <p:nvGrpSpPr>
+        <p:cNvPr id="1" name=""/>
+        <p:cNvGrpSpPr/>
+        <p:nvPr/>
+      </p:nvGrpSpPr>
+      <p:grpSpPr>
+        <a:xfrm>
+          <a:off x="0" y="0"/>
+          <a:ext cx="0" cy="0"/>
+          <a:chOff x="0" y="0"/>
+          <a:chExt cx="0" cy="0"/>
+        </a:xfrm>
+      </p:grpSpPr>
+      <p:sp>
+        <p:nvSpPr>
+          <p:cNvPr id="2" name="Slide Image Placeholder 1"/>
+          <p:cNvSpPr>
+            <a:spLocks noGrp="1" noRot="1" noChangeAspect="1"/>
+          </p:cNvSpPr>
+          <p:nvPr>
+            <p:ph type="sldImg"/>
+          </p:nvPr>
+        </p:nvSpPr>
+        <p:spPr/>
+      </p:sp>
+      <p:sp>
+        <p:nvSpPr>
+          <p:cNvPr id="3" name="Notes Placeholder 2"/>
+          <p:cNvSpPr>
+            <a:spLocks noGrp="1"/>
+          </p:cNvSpPr>
+          <p:nvPr>
+            <p:ph type="body" idx="1"/>
+          </p:nvPr>
+        </p:nvSpPr>
+        <p:spPr/>
+        <p:txBody>
+          <a:bodyPr/>
+          <a:lstStyle/>
+          <a:p>
+            <a:r>
+              <a:rPr lang="en-US" smtClean="0"/>
+              <a:t>IS</a:t>
+            </a:r>
+            <a:endParaRPr lang="en-US"/>
+          </a:p>
+        </p:txBody>
+      </p:sp>
+      <p:sp>
+        <p:nvSpPr>
+          <p:cNvPr id="4" name="Slide Number Placeholder 3"/>
+          <p:cNvSpPr>
+            <a:spLocks noGrp="1"/>
+          </p:cNvSpPr>
+          <p:nvPr>
+            <p:ph type="sldNum" sz="quarter" idx="10"/>
+          </p:nvPr>
+        </p:nvSpPr>
+        <p:spPr/>
+        <p:txBody>
+          <a:bodyPr/>
+          <a:lstStyle/>
+          <a:p>
+            <a:fld id="{C0A5B71C-7354-4D05-938B-3F552AFB1E2B}" type="slidenum">
+              <a:rPr lang="en-US" smtClean="0"/>
+              <a:t>26</a:t>
+            </a:fld>
+            <a:endParaRPr lang="en-US"/>
+          </a:p>
+        </p:txBody>
+      </p:sp>
+    </p:spTree>
+    <p:extLst>
+      <p:ext uri="{BB962C8B-B14F-4D97-AF65-F5344CB8AC3E}">
+        <p14:creationId xmlns:p14="http://schemas.microsoft.com/office/powerpoint/2010/main" val="3278312818"/>
+      </p:ext>
+    </p:extLst>
+  </p:cSld>
+  <p:clrMapOvr>
+    <a:masterClrMapping/>
+  </p:clrMapOvr>
+</p:notes>
 </file>
 
 <file path=ppt/slideLayouts/slideLayout1.xml><?xml version="1.0" encoding="utf-8"?>
@@ -7818,10 +7906,10 @@
         </p:nvGrpSpPr>
         <p:grpSpPr bwMode="auto">
           <a:xfrm>
-            <a:off x="2970212" y="990600"/>
-            <a:ext cx="6172200" cy="3809999"/>
-            <a:chOff x="5638796" y="2360613"/>
-            <a:chExt cx="1133" cy="626"/>
+            <a:off x="2205100" y="908143"/>
+            <a:ext cx="6934872" cy="3901292"/>
+            <a:chOff x="5638656" y="2360600"/>
+            <a:chExt cx="1273" cy="641"/>
           </a:xfrm>
         </p:grpSpPr>
         <p:sp>
@@ -7834,7 +7922,7 @@
           </p:nvSpPr>
           <p:spPr bwMode="auto">
             <a:xfrm>
-              <a:off x="5639252" y="2361010"/>
+              <a:off x="5639202" y="2361048"/>
               <a:ext cx="224" cy="129"/>
             </a:xfrm>
             <a:prstGeom prst="rect">
@@ -7862,7 +7950,7 @@
                 </a:spcAft>
               </a:pPr>
               <a:r>
-                <a:rPr lang="en-US" sz="1400" b="1" kern="1200">
+                <a:rPr lang="en-US" sz="1400" b="1" kern="1200" dirty="0">
                   <a:solidFill>
                     <a:srgbClr val="000000"/>
                   </a:solidFill>
@@ -7873,7 +7961,7 @@
                 </a:rPr>
                 <a:t>Bind,</a:t>
               </a:r>
-              <a:endParaRPr lang="en-US" sz="1200">
+              <a:endParaRPr lang="en-US" sz="1200" dirty="0">
                 <a:effectLst/>
                 <a:latin typeface="Times New Roman"/>
                 <a:ea typeface="Times New Roman"/>
@@ -7886,7 +7974,7 @@
                 </a:spcAft>
               </a:pPr>
               <a:r>
-                <a:rPr lang="en-US" sz="1400" b="1" kern="1200">
+                <a:rPr lang="en-US" sz="1400" b="1" kern="1200" dirty="0">
                   <a:solidFill>
                     <a:srgbClr val="000000"/>
                   </a:solidFill>
@@ -7897,7 +7985,7 @@
                 </a:rPr>
                 <a:t>Execute</a:t>
               </a:r>
-              <a:endParaRPr lang="en-US" sz="1200">
+              <a:endParaRPr lang="en-US" sz="1200" dirty="0">
                 <a:effectLst/>
                 <a:latin typeface="Times New Roman"/>
                 <a:ea typeface="Times New Roman"/>
@@ -7915,7 +8003,7 @@
           </p:nvSpPr>
           <p:spPr bwMode="auto">
             <a:xfrm>
-              <a:off x="5639151" y="2360613"/>
+              <a:off x="5639081" y="2360600"/>
               <a:ext cx="414" cy="214"/>
             </a:xfrm>
             <a:prstGeom prst="ellipse">
@@ -8077,7 +8165,7 @@
           </p:nvSpPr>
           <p:spPr bwMode="auto">
             <a:xfrm>
-              <a:off x="5638796" y="2361025"/>
+              <a:off x="5638656" y="2361027"/>
               <a:ext cx="453" cy="214"/>
             </a:xfrm>
             <a:prstGeom prst="ellipse">
@@ -8363,7 +8451,7 @@
                 </a:spcAft>
               </a:pPr>
               <a:r>
-                <a:rPr lang="en-US" sz="1400" b="1" kern="1200">
+                <a:rPr lang="en-US" sz="1400" b="1" kern="1200" dirty="0">
                   <a:solidFill>
                     <a:srgbClr val="000000"/>
                   </a:solidFill>
@@ -8374,7 +8462,7 @@
                 </a:rPr>
                 <a:t>Find</a:t>
               </a:r>
-              <a:endParaRPr lang="en-US" sz="1200">
+              <a:endParaRPr lang="en-US" sz="1200" dirty="0">
                 <a:effectLst/>
                 <a:latin typeface="Times New Roman"/>
                 <a:ea typeface="Times New Roman"/>
@@ -8700,7 +8788,7 @@
         </p:nvSpPr>
         <p:spPr>
           <a:xfrm>
-            <a:off x="779926" y="990600"/>
+            <a:off x="779926" y="1371600"/>
             <a:ext cx="10496086" cy="5867400"/>
           </a:xfrm>
         </p:spPr>
@@ -8713,7 +8801,11 @@
             <a:pPr lvl="2"/>
             <a:r>
               <a:rPr lang="en-US" sz="2800" dirty="0" smtClean="0"/>
-              <a:t>Sự phân định rạch ròi giữa các dịch vụ</a:t>
+              <a:t>Sự </a:t>
+            </a:r>
+            <a:r>
+              <a:rPr lang="en-US" sz="2800" dirty="0" smtClean="0"/>
+              <a:t>phân định rạch ròi giữa các dịch vụ</a:t>
             </a:r>
           </a:p>
           <a:p>
@@ -9072,7 +9164,7 @@
           <p:nvPr/>
         </p:nvPicPr>
         <p:blipFill>
-          <a:blip r:embed="rId2">
+          <a:blip r:embed="rId3">
             <a:extLst>
               <a:ext uri="{28A0092B-C50C-407E-A947-70E740481C1C}">
                 <a14:useLocalDpi xmlns:a14="http://schemas.microsoft.com/office/drawing/2010/main" val="0"/>
@@ -12201,16 +12293,12 @@
               <a:t>EMF là một tập các plug-in có thể sử dụng để mô hình hóa dữ liệu và tạo ra mã nguồn hay xuất ra các định dạng khác dựa trên mô hình. </a:t>
             </a:r>
             <a:r>
-              <a:rPr lang="en-US" sz="2600"/>
+              <a:rPr lang="en-US" sz="2600" dirty="0"/>
               <a:t>EMF </a:t>
             </a:r>
             <a:r>
-              <a:rPr lang="en-US" sz="2600" smtClean="0"/>
-              <a:t>là có sự phân biệt giữa </a:t>
-            </a:r>
-            <a:r>
               <a:rPr lang="en-US" sz="2600" dirty="0" smtClean="0"/>
-              <a:t>meta-model </a:t>
+              <a:t>là có sự phân biệt giữa meta-model </a:t>
             </a:r>
             <a:r>
               <a:rPr lang="en-US" sz="2600" dirty="0"/>

--- a/WORD/luanvan_nhanhnt_ver1.pptx
+++ b/WORD/luanvan_nhanhnt_ver1.pptx
@@ -237,7 +237,7 @@
           <a:p>
             <a:fld id="{CA3BC56F-4620-49B9-A5A5-EC9358827620}" type="datetimeFigureOut">
               <a:rPr lang="en-US" smtClean="0"/>
-              <a:t>6/1/2016</a:t>
+              <a:t>25/3/2016</a:t>
             </a:fld>
             <a:endParaRPr lang="en-US"/>
           </a:p>
@@ -506,6 +506,152 @@
 </file>
 
 <file path=ppt/notesSlides/notesSlide1.xml><?xml version="1.0" encoding="utf-8"?>
+<p:notes xmlns:a="http://schemas.openxmlformats.org/drawingml/2006/main" xmlns:r="http://schemas.openxmlformats.org/officeDocument/2006/relationships" xmlns:p="http://schemas.openxmlformats.org/presentationml/2006/main">
+  <p:cSld>
+    <p:spTree>
+      <p:nvGrpSpPr>
+        <p:cNvPr id="1" name=""/>
+        <p:cNvGrpSpPr/>
+        <p:nvPr/>
+      </p:nvGrpSpPr>
+      <p:grpSpPr>
+        <a:xfrm>
+          <a:off x="0" y="0"/>
+          <a:ext cx="0" cy="0"/>
+          <a:chOff x="0" y="0"/>
+          <a:chExt cx="0" cy="0"/>
+        </a:xfrm>
+      </p:grpSpPr>
+      <p:sp>
+        <p:nvSpPr>
+          <p:cNvPr id="2" name="Slide Image Placeholder 1"/>
+          <p:cNvSpPr>
+            <a:spLocks noGrp="1" noRot="1" noChangeAspect="1"/>
+          </p:cNvSpPr>
+          <p:nvPr>
+            <p:ph type="sldImg"/>
+          </p:nvPr>
+        </p:nvSpPr>
+        <p:spPr/>
+      </p:sp>
+      <p:sp>
+        <p:nvSpPr>
+          <p:cNvPr id="3" name="Notes Placeholder 2"/>
+          <p:cNvSpPr>
+            <a:spLocks noGrp="1"/>
+          </p:cNvSpPr>
+          <p:nvPr>
+            <p:ph type="body" idx="1"/>
+          </p:nvPr>
+        </p:nvSpPr>
+        <p:spPr/>
+        <p:txBody>
+          <a:bodyPr/>
+          <a:lstStyle/>
+          <a:p>
+            <a:pPr lvl="0"/>
+            <a:r>
+              <a:rPr lang="en-US" dirty="0" smtClean="0"/>
+              <a:t>- Tầng </a:t>
+            </a:r>
+            <a:r>
+              <a:rPr lang="en-US" dirty="0"/>
+              <a:t>vận chuyển (Transport) với những công nghệ chuẩn là HTTP, SMTP và JMS. Có nhiệm vụ truyền thông điệp giữa các ứng dụng mạng.</a:t>
+            </a:r>
+          </a:p>
+          <a:p>
+            <a:pPr lvl="0"/>
+            <a:r>
+              <a:rPr lang="en-US" dirty="0" smtClean="0"/>
+              <a:t>- Tầng </a:t>
+            </a:r>
+            <a:r>
+              <a:rPr lang="en-US" dirty="0"/>
+              <a:t>giao thức tương tác dịch vụ (Service Communication Protocol) với công nghệ chuẩn là SOAP. SOAP là giao thức nằm giữa tầng vận chuyển và tầng mô tả thông tin về dịch vụ, SOAP cho phép người dùng triệu gọi một dịch vụ từ xa thông qua một message XML.</a:t>
+            </a:r>
+          </a:p>
+          <a:p>
+            <a:pPr lvl="0"/>
+            <a:r>
+              <a:rPr lang="en-US" dirty="0" smtClean="0"/>
+              <a:t>- Tầng </a:t>
+            </a:r>
+            <a:r>
+              <a:rPr lang="en-US" dirty="0"/>
+              <a:t>mô tả dịch vụ (Service Description) với công nghệ chuẩn là WSDL và XML. WSDL là một ngôn ngữ mô tả giao tiếp và thực thi dựa trên XML. Các Web Services sử dụng ngôn ngữ WSDL để truyền các tham số và các loại dữ liệu cho các thao tác, các chức năng mà các Web Services cung cấp.</a:t>
+            </a:r>
+          </a:p>
+          <a:p>
+            <a:pPr lvl="0"/>
+            <a:r>
+              <a:rPr lang="en-US" dirty="0" smtClean="0"/>
+              <a:t>- Tầng </a:t>
+            </a:r>
+            <a:r>
+              <a:rPr lang="en-US" dirty="0"/>
+              <a:t>dịch vụ (Service): cung cấp các chức năng của Services.</a:t>
+            </a:r>
+          </a:p>
+          <a:p>
+            <a:pPr lvl="0"/>
+            <a:r>
+              <a:rPr lang="en-US" dirty="0" smtClean="0"/>
+              <a:t>- Tầng </a:t>
+            </a:r>
+            <a:r>
+              <a:rPr lang="en-US" dirty="0"/>
+              <a:t>đăng ký dịch vụ (Service Registry) với công nghệ chuẩn là UDDI. UDDI dùng cho cả người dùng và SOAP server, nó cho phép đăng ký Services để người dùng có thể gọi thực hiện Services từ xa qua mạng, hay nói cách khác một Services cần phải được đăng ký để cho phép các khách hàng có thể gọi thực hiện.</a:t>
+            </a:r>
+          </a:p>
+          <a:p>
+            <a:pPr lvl="0"/>
+            <a:r>
+              <a:rPr lang="en-US" dirty="0"/>
+              <a:t>Bên cạnh đó để cho các Services có tính an toàn, toàn vẹn và bảo mật thông tin trong kiến trúc Web Services chúng ta có thêm các tầng Policy, Security, Transaction, Management giúp tăng cường tính bảo mật, an toàn và toàn vẹn thông tin khi sử dụng Services.</a:t>
+            </a:r>
+          </a:p>
+          <a:p>
+            <a:endParaRPr lang="en-US" dirty="0"/>
+          </a:p>
+        </p:txBody>
+      </p:sp>
+      <p:sp>
+        <p:nvSpPr>
+          <p:cNvPr id="4" name="Slide Number Placeholder 3"/>
+          <p:cNvSpPr>
+            <a:spLocks noGrp="1"/>
+          </p:cNvSpPr>
+          <p:nvPr>
+            <p:ph type="sldNum" sz="quarter" idx="10"/>
+          </p:nvPr>
+        </p:nvSpPr>
+        <p:spPr/>
+        <p:txBody>
+          <a:bodyPr/>
+          <a:lstStyle/>
+          <a:p>
+            <a:fld id="{C0A5B71C-7354-4D05-938B-3F552AFB1E2B}" type="slidenum">
+              <a:rPr lang="en-US" smtClean="0"/>
+              <a:t>7</a:t>
+            </a:fld>
+            <a:endParaRPr lang="en-US"/>
+          </a:p>
+        </p:txBody>
+      </p:sp>
+    </p:spTree>
+    <p:extLst>
+      <p:ext uri="{BB962C8B-B14F-4D97-AF65-F5344CB8AC3E}">
+        <p14:creationId xmlns:p14="http://schemas.microsoft.com/office/powerpoint/2010/main" val="3514106017"/>
+      </p:ext>
+    </p:extLst>
+  </p:cSld>
+  <p:clrMapOvr>
+    <a:masterClrMapping/>
+  </p:clrMapOvr>
+</p:notes>
+</file>
+
+<file path=ppt/notesSlides/notesSlide2.xml><?xml version="1.0" encoding="utf-8"?>
 <p:notes xmlns:a="http://schemas.openxmlformats.org/drawingml/2006/main" xmlns:r="http://schemas.openxmlformats.org/officeDocument/2006/relationships" xmlns:p="http://schemas.openxmlformats.org/presentationml/2006/main">
   <p:cSld>
     <p:spTree>
@@ -8801,11 +8947,7 @@
             <a:pPr lvl="2"/>
             <a:r>
               <a:rPr lang="en-US" sz="2800" dirty="0" smtClean="0"/>
-              <a:t>Sự </a:t>
-            </a:r>
-            <a:r>
-              <a:rPr lang="en-US" sz="2800" dirty="0" smtClean="0"/>
-              <a:t>phân định rạch ròi giữa các dịch vụ</a:t>
+              <a:t>Sự phân định rạch ròi giữa các dịch vụ</a:t>
             </a:r>
           </a:p>
           <a:p>
@@ -9870,7 +10012,7 @@
           <a:bodyPr/>
           <a:lstStyle/>
           <a:p>
-            <a:endParaRPr lang="en-US"/>
+            <a:endParaRPr lang="en-US" dirty="0"/>
           </a:p>
         </p:txBody>
       </p:sp>
@@ -11107,11 +11249,7 @@
             <a:pPr lvl="2" indent="0"/>
             <a:r>
               <a:rPr lang="en-US" sz="3000" b="1" dirty="0" smtClean="0"/>
-              <a:t>Các thành </a:t>
-            </a:r>
-            <a:r>
-              <a:rPr lang="en-US" sz="3000" b="1" dirty="0" smtClean="0"/>
-              <a:t>phần</a:t>
+              <a:t>Các thành phần</a:t>
             </a:r>
           </a:p>
           <a:p>
@@ -11620,7 +11758,6 @@
               <a:rPr lang="en-US" sz="2600" b="1" dirty="0" smtClean="0"/>
               <a:t>2.1 Nền tảng Eclipse</a:t>
             </a:r>
-            <a:endParaRPr lang="en-US" sz="2600" b="1" dirty="0" smtClean="0"/>
           </a:p>
           <a:p>
             <a:pPr>
@@ -11632,7 +11769,6 @@
               <a:rPr lang="en-US" sz="2600" b="1" dirty="0" smtClean="0"/>
               <a:t>2.1.1 Giới thiệu</a:t>
             </a:r>
-            <a:endParaRPr lang="en-US" sz="2600" b="1" dirty="0" smtClean="0"/>
           </a:p>
           <a:p>
             <a:pPr lvl="2">
@@ -11667,7 +11803,6 @@
               <a:rPr lang="en-US" sz="2600" dirty="0" smtClean="0"/>
               <a:t>Environment) dành cho người muốn mở rộng Eclipse, nó cho phép xây dựng các plug-in tích hợp vào môi trường Eclipse.</a:t>
             </a:r>
-            <a:endParaRPr lang="en-US" sz="2600" dirty="0" smtClean="0"/>
           </a:p>
           <a:p>
             <a:endParaRPr lang="en-US" dirty="0"/>
@@ -11693,19 +11828,7 @@
           <a:p>
             <a:r>
               <a:rPr lang="en-US" dirty="0" smtClean="0"/>
-              <a:t>Chương </a:t>
-            </a:r>
-            <a:r>
-              <a:rPr lang="en-US" dirty="0" smtClean="0"/>
-              <a:t>2 </a:t>
-            </a:r>
-            <a:r>
-              <a:rPr lang="en-US" dirty="0" smtClean="0"/>
-              <a:t>: </a:t>
-            </a:r>
-            <a:r>
-              <a:rPr lang="en-US" dirty="0" smtClean="0"/>
-              <a:t>Khung ứng dụng hỗ trợ lập trình SOA</a:t>
+              <a:t>Chương 2 : Khung ứng dụng hỗ trợ lập trình SOA</a:t>
             </a:r>
             <a:endParaRPr lang="en-US" dirty="0"/>
           </a:p>
@@ -11841,19 +11964,7 @@
           <a:p>
             <a:r>
               <a:rPr lang="en-US" dirty="0" smtClean="0"/>
-              <a:t>Chương </a:t>
-            </a:r>
-            <a:r>
-              <a:rPr lang="en-US" dirty="0" smtClean="0"/>
-              <a:t>2 </a:t>
-            </a:r>
-            <a:r>
-              <a:rPr lang="en-US" dirty="0" smtClean="0"/>
-              <a:t>: </a:t>
-            </a:r>
-            <a:r>
-              <a:rPr lang="en-US" dirty="0" smtClean="0"/>
-              <a:t>Khung ứng dụng hỗ trợ lập trình SOA</a:t>
+              <a:t>Chương 2 : Khung ứng dụng hỗ trợ lập trình SOA</a:t>
             </a:r>
             <a:endParaRPr lang="en-US" dirty="0"/>
           </a:p>
@@ -11989,7 +12100,6 @@
               <a:rPr lang="en-US" dirty="0"/>
               <a:t>Thành phần gắn thêm (plug-in): bao gồm nhiều thành phần dễ dàng tích hợp vào nhiều ứng dụng chạy trên nền Eclipse. Các chức năng của thành phần core tách biệt với các chức năng của phần giao diện.</a:t>
             </a:r>
-            <a:endParaRPr lang="en-US" dirty="0"/>
           </a:p>
         </p:txBody>
       </p:sp>
@@ -12290,11 +12400,7 @@
             </a:pPr>
             <a:r>
               <a:rPr lang="en-US" sz="2600" dirty="0"/>
-              <a:t>EMF là một tập các plug-in có thể sử dụng để mô hình hóa dữ liệu và tạo ra mã nguồn hay xuất ra các định dạng khác dựa trên mô hình. </a:t>
-            </a:r>
-            <a:r>
-              <a:rPr lang="en-US" sz="2600" dirty="0"/>
-              <a:t>EMF </a:t>
+              <a:t>EMF là một tập các plug-in có thể sử dụng để mô hình hóa dữ liệu và tạo ra mã nguồn hay xuất ra các định dạng khác dựa trên mô hình. EMF </a:t>
             </a:r>
             <a:r>
               <a:rPr lang="en-US" sz="2600" dirty="0" smtClean="0"/>
@@ -12333,11 +12439,7 @@
             </a:r>
             <a:r>
               <a:rPr lang="en-US" sz="2600" dirty="0"/>
-              <a:t>bằng nhiều phương tiện khác nhau, ví dụ như XMI, Java annotations, UML hay XML. </a:t>
-            </a:r>
-            <a:r>
-              <a:rPr lang="en-US" sz="2600" dirty="0"/>
-              <a:t>Nó cũng cho phép duy trì mô hình dữ liệu bằng cách sử dụng định dạng dữ liệu XML Metadata Interchange.</a:t>
+              <a:t>bằng nhiều phương tiện khác nhau, ví dụ như XMI, Java annotations, UML hay XML. Nó cũng cho phép duy trì mô hình dữ liệu bằng cách sử dụng định dạng dữ liệu XML Metadata Interchange.</a:t>
             </a:r>
           </a:p>
           <a:p>
@@ -13102,11 +13204,7 @@
             </a:pPr>
             <a:r>
               <a:rPr lang="en-US" dirty="0"/>
-              <a:t>EReference: biểu diễn liên kết giữa hai lớp. </a:t>
-            </a:r>
-            <a:r>
-              <a:rPr lang="en-US" dirty="0"/>
-              <a:t>Nó có cờ chỉ thị để biểu diễn </a:t>
+              <a:t>EReference: biểu diễn liên kết giữa hai lớp. Nó có cờ chỉ thị để biểu diễn </a:t>
             </a:r>
             <a:r>
               <a:rPr lang="en-US" dirty="0" smtClean="0"/>
@@ -13501,11 +13599,7 @@
             </a:r>
             <a:r>
               <a:rPr lang="en-US" dirty="0"/>
-              <a:t>định nghĩa mô hình dữ liệu một cách rõ ràng. </a:t>
-            </a:r>
-            <a:r>
-              <a:rPr lang="en-US" dirty="0"/>
-              <a:t>Chức năng tạo mã nguồn cũng có thể được điều chỉnh để phù hợp với sự thay đổi của mô hình. EMF cung cấp giao diện và phương tiện để tạo đối tượng, do đó nó khiến ứng dụng gọn gàng hơn.</a:t>
+              <a:t>định nghĩa mô hình dữ liệu một cách rõ ràng. Chức năng tạo mã nguồn cũng có thể được điều chỉnh để phù hợp với sự thay đổi của mô hình. EMF cung cấp giao diện và phương tiện để tạo đối tượng, do đó nó khiến ứng dụng gọn gàng hơn.</a:t>
             </a:r>
           </a:p>
           <a:p>
@@ -13812,32 +13906,66 @@
       </p:sp>
       <p:pic>
         <p:nvPicPr>
-          <p:cNvPr id="6" name="Picture 5" descr="webservice"/>
-          <p:cNvPicPr/>
+          <p:cNvPr id="1026" name="Picture 2"/>
+          <p:cNvPicPr>
+            <a:picLocks noChangeAspect="1" noChangeArrowheads="1"/>
+          </p:cNvPicPr>
           <p:nvPr/>
         </p:nvPicPr>
         <p:blipFill>
-          <a:blip r:embed="rId2" cstate="print"/>
-          <a:srcRect t="4184" b="4184"/>
+          <a:blip r:embed="rId2">
+            <a:extLst>
+              <a:ext uri="{28A0092B-C50C-407E-A947-70E740481C1C}">
+                <a14:useLocalDpi xmlns:a14="http://schemas.microsoft.com/office/drawing/2010/main" val="0"/>
+              </a:ext>
+            </a:extLst>
+          </a:blip>
+          <a:srcRect/>
           <a:stretch>
             <a:fillRect/>
           </a:stretch>
         </p:blipFill>
         <p:spPr bwMode="auto">
           <a:xfrm>
-            <a:off x="1217612" y="1014412"/>
-            <a:ext cx="8991600" cy="4014788"/>
+            <a:off x="1141412" y="1066800"/>
+            <a:ext cx="9604428" cy="4375762"/>
           </a:xfrm>
           <a:prstGeom prst="rect">
             <a:avLst/>
           </a:prstGeom>
           <a:noFill/>
-          <a:ln w="9525">
+          <a:ln>
             <a:noFill/>
-            <a:miter lim="800000"/>
-            <a:headEnd/>
-            <a:tailEnd/>
           </a:ln>
+          <a:effectLst/>
+          <a:extLst>
+            <a:ext uri="{909E8E84-426E-40DD-AFC4-6F175D3DCCD1}">
+              <a14:hiddenFill xmlns:a14="http://schemas.microsoft.com/office/drawing/2010/main">
+                <a:solidFill>
+                  <a:schemeClr val="accent1"/>
+                </a:solidFill>
+              </a14:hiddenFill>
+            </a:ext>
+            <a:ext uri="{91240B29-F687-4F45-9708-019B960494DF}">
+              <a14:hiddenLine xmlns:a14="http://schemas.microsoft.com/office/drawing/2010/main" w="9525">
+                <a:solidFill>
+                  <a:schemeClr val="tx1"/>
+                </a:solidFill>
+                <a:miter lim="800000"/>
+                <a:headEnd/>
+                <a:tailEnd/>
+              </a14:hiddenLine>
+            </a:ext>
+            <a:ext uri="{AF507438-7753-43E0-B8FC-AC1667EBCBE1}">
+              <a14:hiddenEffects xmlns:a14="http://schemas.microsoft.com/office/drawing/2010/main">
+                <a:effectLst>
+                  <a:outerShdw dist="35921" dir="2700000" algn="ctr" rotWithShape="0">
+                    <a:schemeClr val="bg2"/>
+                  </a:outerShdw>
+                </a:effectLst>
+              </a14:hiddenEffects>
+            </a:ext>
+          </a:extLst>
         </p:spPr>
       </p:pic>
     </p:spTree>
@@ -13982,7 +14110,7 @@
           <p:nvPr/>
         </p:nvPicPr>
         <p:blipFill>
-          <a:blip r:embed="rId2">
+          <a:blip r:embed="rId3">
             <a:extLst>
               <a:ext uri="{28A0092B-C50C-407E-A947-70E740481C1C}">
                 <a14:useLocalDpi xmlns:a14="http://schemas.microsoft.com/office/drawing/2010/main" val="0"/>
